--- a/Python-Slides/Conditional-Statements-Session#8.pptx
+++ b/Python-Slides/Conditional-Statements-Session#8.pptx
@@ -10,9 +10,16 @@
     <p:sldId id="258" r:id="rId4"/>
     <p:sldId id="259" r:id="rId5"/>
     <p:sldId id="260" r:id="rId6"/>
-    <p:sldId id="261" r:id="rId7"/>
-    <p:sldId id="262" r:id="rId8"/>
-    <p:sldId id="263" r:id="rId9"/>
+    <p:sldId id="264" r:id="rId7"/>
+    <p:sldId id="265" r:id="rId8"/>
+    <p:sldId id="266" r:id="rId9"/>
+    <p:sldId id="267" r:id="rId10"/>
+    <p:sldId id="261" r:id="rId11"/>
+    <p:sldId id="262" r:id="rId12"/>
+    <p:sldId id="263" r:id="rId13"/>
+    <p:sldId id="268" r:id="rId14"/>
+    <p:sldId id="269" r:id="rId15"/>
+    <p:sldId id="270" r:id="rId16"/>
   </p:sldIdLst>
   <p:sldSz cx="12192000" cy="6858000"/>
   <p:notesSz cx="6858000" cy="9144000"/>
@@ -268,7 +275,7 @@
           <a:p>
             <a:fld id="{2E1D1B89-DD55-4FBE-8F98-F8E3D60F8009}" type="datetimeFigureOut">
               <a:rPr lang="en-IN" smtClean="0"/>
-              <a:t>17-11-2020</a:t>
+              <a:t>15-08-2021</a:t>
             </a:fld>
             <a:endParaRPr lang="en-IN"/>
           </a:p>
@@ -468,7 +475,7 @@
           <a:p>
             <a:fld id="{2E1D1B89-DD55-4FBE-8F98-F8E3D60F8009}" type="datetimeFigureOut">
               <a:rPr lang="en-IN" smtClean="0"/>
-              <a:t>17-11-2020</a:t>
+              <a:t>15-08-2021</a:t>
             </a:fld>
             <a:endParaRPr lang="en-IN"/>
           </a:p>
@@ -678,7 +685,7 @@
           <a:p>
             <a:fld id="{2E1D1B89-DD55-4FBE-8F98-F8E3D60F8009}" type="datetimeFigureOut">
               <a:rPr lang="en-IN" smtClean="0"/>
-              <a:t>17-11-2020</a:t>
+              <a:t>15-08-2021</a:t>
             </a:fld>
             <a:endParaRPr lang="en-IN"/>
           </a:p>
@@ -878,7 +885,7 @@
           <a:p>
             <a:fld id="{2E1D1B89-DD55-4FBE-8F98-F8E3D60F8009}" type="datetimeFigureOut">
               <a:rPr lang="en-IN" smtClean="0"/>
-              <a:t>17-11-2020</a:t>
+              <a:t>15-08-2021</a:t>
             </a:fld>
             <a:endParaRPr lang="en-IN"/>
           </a:p>
@@ -1154,7 +1161,7 @@
           <a:p>
             <a:fld id="{2E1D1B89-DD55-4FBE-8F98-F8E3D60F8009}" type="datetimeFigureOut">
               <a:rPr lang="en-IN" smtClean="0"/>
-              <a:t>17-11-2020</a:t>
+              <a:t>15-08-2021</a:t>
             </a:fld>
             <a:endParaRPr lang="en-IN"/>
           </a:p>
@@ -1422,7 +1429,7 @@
           <a:p>
             <a:fld id="{2E1D1B89-DD55-4FBE-8F98-F8E3D60F8009}" type="datetimeFigureOut">
               <a:rPr lang="en-IN" smtClean="0"/>
-              <a:t>17-11-2020</a:t>
+              <a:t>15-08-2021</a:t>
             </a:fld>
             <a:endParaRPr lang="en-IN"/>
           </a:p>
@@ -1837,7 +1844,7 @@
           <a:p>
             <a:fld id="{2E1D1B89-DD55-4FBE-8F98-F8E3D60F8009}" type="datetimeFigureOut">
               <a:rPr lang="en-IN" smtClean="0"/>
-              <a:t>17-11-2020</a:t>
+              <a:t>15-08-2021</a:t>
             </a:fld>
             <a:endParaRPr lang="en-IN"/>
           </a:p>
@@ -1979,7 +1986,7 @@
           <a:p>
             <a:fld id="{2E1D1B89-DD55-4FBE-8F98-F8E3D60F8009}" type="datetimeFigureOut">
               <a:rPr lang="en-IN" smtClean="0"/>
-              <a:t>17-11-2020</a:t>
+              <a:t>15-08-2021</a:t>
             </a:fld>
             <a:endParaRPr lang="en-IN"/>
           </a:p>
@@ -2092,7 +2099,7 @@
           <a:p>
             <a:fld id="{2E1D1B89-DD55-4FBE-8F98-F8E3D60F8009}" type="datetimeFigureOut">
               <a:rPr lang="en-IN" smtClean="0"/>
-              <a:t>17-11-2020</a:t>
+              <a:t>15-08-2021</a:t>
             </a:fld>
             <a:endParaRPr lang="en-IN"/>
           </a:p>
@@ -2405,7 +2412,7 @@
           <a:p>
             <a:fld id="{2E1D1B89-DD55-4FBE-8F98-F8E3D60F8009}" type="datetimeFigureOut">
               <a:rPr lang="en-IN" smtClean="0"/>
-              <a:t>17-11-2020</a:t>
+              <a:t>15-08-2021</a:t>
             </a:fld>
             <a:endParaRPr lang="en-IN"/>
           </a:p>
@@ -2694,7 +2701,7 @@
           <a:p>
             <a:fld id="{2E1D1B89-DD55-4FBE-8F98-F8E3D60F8009}" type="datetimeFigureOut">
               <a:rPr lang="en-IN" smtClean="0"/>
-              <a:t>17-11-2020</a:t>
+              <a:t>15-08-2021</a:t>
             </a:fld>
             <a:endParaRPr lang="en-IN"/>
           </a:p>
@@ -2937,7 +2944,7 @@
           <a:p>
             <a:fld id="{2E1D1B89-DD55-4FBE-8F98-F8E3D60F8009}" type="datetimeFigureOut">
               <a:rPr lang="en-IN" smtClean="0"/>
-              <a:t>17-11-2020</a:t>
+              <a:t>15-08-2021</a:t>
             </a:fld>
             <a:endParaRPr lang="en-IN"/>
           </a:p>
@@ -4216,6 +4223,2484 @@
 </p:sld>
 </file>
 
+<file path=ppt/slides/slide10.xml><?xml version="1.0" encoding="utf-8"?>
+<p:sld xmlns:a="http://schemas.openxmlformats.org/drawingml/2006/main" xmlns:r="http://schemas.openxmlformats.org/officeDocument/2006/relationships" xmlns:p="http://schemas.openxmlformats.org/presentationml/2006/main">
+  <p:cSld>
+    <p:spTree>
+      <p:nvGrpSpPr>
+        <p:cNvPr id="1" name=""/>
+        <p:cNvGrpSpPr/>
+        <p:nvPr/>
+      </p:nvGrpSpPr>
+      <p:grpSpPr>
+        <a:xfrm>
+          <a:off x="0" y="0"/>
+          <a:ext cx="0" cy="0"/>
+          <a:chOff x="0" y="0"/>
+          <a:chExt cx="0" cy="0"/>
+        </a:xfrm>
+      </p:grpSpPr>
+      <p:sp>
+        <p:nvSpPr>
+          <p:cNvPr id="2" name="Title 1">
+            <a:extLst>
+              <a:ext uri="{FF2B5EF4-FFF2-40B4-BE49-F238E27FC236}">
+                <a16:creationId xmlns:a16="http://schemas.microsoft.com/office/drawing/2014/main" id="{0AD95CC9-3589-4002-8DE5-47A93BDF373B}"/>
+              </a:ext>
+            </a:extLst>
+          </p:cNvPr>
+          <p:cNvSpPr>
+            <a:spLocks noGrp="1"/>
+          </p:cNvSpPr>
+          <p:nvPr>
+            <p:ph type="title"/>
+          </p:nvPr>
+        </p:nvSpPr>
+        <p:spPr>
+          <a:xfrm>
+            <a:off x="838200" y="365126"/>
+            <a:ext cx="10515600" cy="948770"/>
+          </a:xfrm>
+        </p:spPr>
+        <p:txBody>
+          <a:bodyPr/>
+          <a:lstStyle/>
+          <a:p>
+            <a:r>
+              <a:rPr lang="en-US" dirty="0"/>
+              <a:t>If with Tuple</a:t>
+            </a:r>
+            <a:endParaRPr lang="en-IN" dirty="0"/>
+          </a:p>
+        </p:txBody>
+      </p:sp>
+      <p:sp>
+        <p:nvSpPr>
+          <p:cNvPr id="3" name="Content Placeholder 2">
+            <a:extLst>
+              <a:ext uri="{FF2B5EF4-FFF2-40B4-BE49-F238E27FC236}">
+                <a16:creationId xmlns:a16="http://schemas.microsoft.com/office/drawing/2014/main" id="{9704E145-B36F-4757-9377-0867071089A5}"/>
+              </a:ext>
+            </a:extLst>
+          </p:cNvPr>
+          <p:cNvSpPr>
+            <a:spLocks noGrp="1"/>
+          </p:cNvSpPr>
+          <p:nvPr>
+            <p:ph idx="1"/>
+          </p:nvPr>
+        </p:nvSpPr>
+        <p:spPr/>
+        <p:txBody>
+          <a:bodyPr/>
+          <a:lstStyle/>
+          <a:p>
+            <a:pPr marL="0" indent="0">
+              <a:buNone/>
+            </a:pPr>
+            <a:r>
+              <a:rPr lang="en-US" b="1" u="sng" dirty="0"/>
+              <a:t>#if with tuple</a:t>
+            </a:r>
+          </a:p>
+          <a:p>
+            <a:pPr marL="457200" lvl="1" indent="0">
+              <a:buNone/>
+            </a:pPr>
+            <a:r>
+              <a:rPr lang="en-US" dirty="0"/>
+              <a:t> tup1=(‘</a:t>
+            </a:r>
+            <a:r>
+              <a:rPr lang="en-US" dirty="0" err="1"/>
+              <a:t>a’,’b’,’c</a:t>
+            </a:r>
+            <a:r>
+              <a:rPr lang="en-US" dirty="0"/>
+              <a:t>’)</a:t>
+            </a:r>
+          </a:p>
+          <a:p>
+            <a:pPr marL="457200" lvl="1" indent="0">
+              <a:buNone/>
+            </a:pPr>
+            <a:r>
+              <a:rPr lang="en-US" dirty="0"/>
+              <a:t> if ‘a’ </a:t>
+            </a:r>
+            <a:r>
+              <a:rPr lang="en-US" b="1" dirty="0"/>
+              <a:t>in</a:t>
+            </a:r>
+            <a:r>
+              <a:rPr lang="en-US" dirty="0"/>
+              <a:t> tup1:</a:t>
+            </a:r>
+          </a:p>
+          <a:p>
+            <a:pPr marL="457200" lvl="1" indent="0">
+              <a:buNone/>
+            </a:pPr>
+            <a:r>
+              <a:rPr lang="en-US" dirty="0"/>
+              <a:t>     print(“value a is present in tup1”)</a:t>
+            </a:r>
+          </a:p>
+          <a:p>
+            <a:pPr marL="457200" lvl="1" indent="0">
+              <a:buNone/>
+            </a:pPr>
+            <a:r>
+              <a:rPr lang="en-US" dirty="0"/>
+              <a:t> else:</a:t>
+            </a:r>
+          </a:p>
+          <a:p>
+            <a:pPr marL="457200" lvl="1" indent="0">
+              <a:buNone/>
+            </a:pPr>
+            <a:r>
+              <a:rPr lang="en-US" dirty="0"/>
+              <a:t>     print(“value a is not present in tup1”)</a:t>
+            </a:r>
+            <a:endParaRPr lang="en-IN" dirty="0"/>
+          </a:p>
+        </p:txBody>
+      </p:sp>
+      <p:cxnSp>
+        <p:nvCxnSpPr>
+          <p:cNvPr id="5" name="Straight Connector 4">
+            <a:extLst>
+              <a:ext uri="{FF2B5EF4-FFF2-40B4-BE49-F238E27FC236}">
+                <a16:creationId xmlns:a16="http://schemas.microsoft.com/office/drawing/2014/main" id="{D05A1D68-B527-4798-85C0-5F21033A294E}"/>
+              </a:ext>
+            </a:extLst>
+          </p:cNvPr>
+          <p:cNvCxnSpPr>
+            <a:cxnSpLocks/>
+          </p:cNvCxnSpPr>
+          <p:nvPr/>
+        </p:nvCxnSpPr>
+        <p:spPr>
+          <a:xfrm>
+            <a:off x="838200" y="1313895"/>
+            <a:ext cx="10214499" cy="0"/>
+          </a:xfrm>
+          <a:prstGeom prst="line">
+            <a:avLst/>
+          </a:prstGeom>
+        </p:spPr>
+        <p:style>
+          <a:lnRef idx="3">
+            <a:schemeClr val="dk1"/>
+          </a:lnRef>
+          <a:fillRef idx="0">
+            <a:schemeClr val="dk1"/>
+          </a:fillRef>
+          <a:effectRef idx="2">
+            <a:schemeClr val="dk1"/>
+          </a:effectRef>
+          <a:fontRef idx="minor">
+            <a:schemeClr val="tx1"/>
+          </a:fontRef>
+        </p:style>
+      </p:cxnSp>
+    </p:spTree>
+    <p:extLst>
+      <p:ext uri="{BB962C8B-B14F-4D97-AF65-F5344CB8AC3E}">
+        <p14:creationId xmlns:p14="http://schemas.microsoft.com/office/powerpoint/2010/main" val="1994473468"/>
+      </p:ext>
+    </p:extLst>
+  </p:cSld>
+  <p:clrMapOvr>
+    <a:masterClrMapping/>
+  </p:clrMapOvr>
+</p:sld>
+</file>
+
+<file path=ppt/slides/slide11.xml><?xml version="1.0" encoding="utf-8"?>
+<p:sld xmlns:a="http://schemas.openxmlformats.org/drawingml/2006/main" xmlns:r="http://schemas.openxmlformats.org/officeDocument/2006/relationships" xmlns:p="http://schemas.openxmlformats.org/presentationml/2006/main">
+  <p:cSld>
+    <p:spTree>
+      <p:nvGrpSpPr>
+        <p:cNvPr id="1" name=""/>
+        <p:cNvGrpSpPr/>
+        <p:nvPr/>
+      </p:nvGrpSpPr>
+      <p:grpSpPr>
+        <a:xfrm>
+          <a:off x="0" y="0"/>
+          <a:ext cx="0" cy="0"/>
+          <a:chOff x="0" y="0"/>
+          <a:chExt cx="0" cy="0"/>
+        </a:xfrm>
+      </p:grpSpPr>
+      <p:sp>
+        <p:nvSpPr>
+          <p:cNvPr id="2" name="Title 1">
+            <a:extLst>
+              <a:ext uri="{FF2B5EF4-FFF2-40B4-BE49-F238E27FC236}">
+                <a16:creationId xmlns:a16="http://schemas.microsoft.com/office/drawing/2014/main" id="{64E85D43-61D4-4868-90AA-4214C2FF01BE}"/>
+              </a:ext>
+            </a:extLst>
+          </p:cNvPr>
+          <p:cNvSpPr>
+            <a:spLocks noGrp="1"/>
+          </p:cNvSpPr>
+          <p:nvPr>
+            <p:ph type="title"/>
+          </p:nvPr>
+        </p:nvSpPr>
+        <p:spPr/>
+        <p:txBody>
+          <a:bodyPr/>
+          <a:lstStyle/>
+          <a:p>
+            <a:r>
+              <a:rPr lang="en-US" dirty="0"/>
+              <a:t>If with List</a:t>
+            </a:r>
+            <a:endParaRPr lang="en-IN" dirty="0"/>
+          </a:p>
+        </p:txBody>
+      </p:sp>
+      <p:sp>
+        <p:nvSpPr>
+          <p:cNvPr id="3" name="Content Placeholder 2">
+            <a:extLst>
+              <a:ext uri="{FF2B5EF4-FFF2-40B4-BE49-F238E27FC236}">
+                <a16:creationId xmlns:a16="http://schemas.microsoft.com/office/drawing/2014/main" id="{C113D25F-D660-4DEB-A07B-739EE945F109}"/>
+              </a:ext>
+            </a:extLst>
+          </p:cNvPr>
+          <p:cNvSpPr>
+            <a:spLocks noGrp="1"/>
+          </p:cNvSpPr>
+          <p:nvPr>
+            <p:ph idx="1"/>
+          </p:nvPr>
+        </p:nvSpPr>
+        <p:spPr/>
+        <p:txBody>
+          <a:bodyPr/>
+          <a:lstStyle/>
+          <a:p>
+            <a:pPr marL="0" indent="0">
+              <a:buNone/>
+            </a:pPr>
+            <a:r>
+              <a:rPr lang="en-US" b="1" u="sng" dirty="0"/>
+              <a:t>#if with List</a:t>
+            </a:r>
+          </a:p>
+          <a:p>
+            <a:pPr marL="457200" lvl="1" indent="0">
+              <a:buNone/>
+            </a:pPr>
+            <a:r>
+              <a:rPr lang="en-US" dirty="0"/>
+              <a:t> l1=[‘</a:t>
+            </a:r>
+            <a:r>
+              <a:rPr lang="en-US" dirty="0" err="1"/>
+              <a:t>a’,’b’,’c</a:t>
+            </a:r>
+            <a:r>
+              <a:rPr lang="en-US" dirty="0"/>
+              <a:t>’]</a:t>
+            </a:r>
+          </a:p>
+          <a:p>
+            <a:pPr marL="457200" lvl="1" indent="0">
+              <a:buNone/>
+            </a:pPr>
+            <a:r>
+              <a:rPr lang="en-US" dirty="0"/>
+              <a:t> if l1[1]=‘b’:</a:t>
+            </a:r>
+          </a:p>
+          <a:p>
+            <a:pPr marL="457200" lvl="1" indent="0">
+              <a:buNone/>
+            </a:pPr>
+            <a:r>
+              <a:rPr lang="en-US" dirty="0"/>
+              <a:t>     l1[1]=‘z’</a:t>
+            </a:r>
+          </a:p>
+          <a:p>
+            <a:pPr marL="457200" lvl="1" indent="0">
+              <a:buNone/>
+            </a:pPr>
+            <a:r>
+              <a:rPr lang="en-US" dirty="0"/>
+              <a:t>     print(l1)</a:t>
+            </a:r>
+            <a:endParaRPr lang="en-IN" dirty="0"/>
+          </a:p>
+        </p:txBody>
+      </p:sp>
+      <p:cxnSp>
+        <p:nvCxnSpPr>
+          <p:cNvPr id="5" name="Straight Connector 4">
+            <a:extLst>
+              <a:ext uri="{FF2B5EF4-FFF2-40B4-BE49-F238E27FC236}">
+                <a16:creationId xmlns:a16="http://schemas.microsoft.com/office/drawing/2014/main" id="{9E9AB2ED-2693-4F3C-B474-4E5991BA10E3}"/>
+              </a:ext>
+            </a:extLst>
+          </p:cNvPr>
+          <p:cNvCxnSpPr/>
+          <p:nvPr/>
+        </p:nvCxnSpPr>
+        <p:spPr>
+          <a:xfrm>
+            <a:off x="838200" y="1420427"/>
+            <a:ext cx="8731928" cy="0"/>
+          </a:xfrm>
+          <a:prstGeom prst="line">
+            <a:avLst/>
+          </a:prstGeom>
+        </p:spPr>
+        <p:style>
+          <a:lnRef idx="3">
+            <a:schemeClr val="dk1"/>
+          </a:lnRef>
+          <a:fillRef idx="0">
+            <a:schemeClr val="dk1"/>
+          </a:fillRef>
+          <a:effectRef idx="2">
+            <a:schemeClr val="dk1"/>
+          </a:effectRef>
+          <a:fontRef idx="minor">
+            <a:schemeClr val="tx1"/>
+          </a:fontRef>
+        </p:style>
+      </p:cxnSp>
+    </p:spTree>
+    <p:extLst>
+      <p:ext uri="{BB962C8B-B14F-4D97-AF65-F5344CB8AC3E}">
+        <p14:creationId xmlns:p14="http://schemas.microsoft.com/office/powerpoint/2010/main" val="1626895828"/>
+      </p:ext>
+    </p:extLst>
+  </p:cSld>
+  <p:clrMapOvr>
+    <a:masterClrMapping/>
+  </p:clrMapOvr>
+</p:sld>
+</file>
+
+<file path=ppt/slides/slide12.xml><?xml version="1.0" encoding="utf-8"?>
+<p:sld xmlns:a="http://schemas.openxmlformats.org/drawingml/2006/main" xmlns:r="http://schemas.openxmlformats.org/officeDocument/2006/relationships" xmlns:p="http://schemas.openxmlformats.org/presentationml/2006/main">
+  <p:cSld>
+    <p:spTree>
+      <p:nvGrpSpPr>
+        <p:cNvPr id="1" name=""/>
+        <p:cNvGrpSpPr/>
+        <p:nvPr/>
+      </p:nvGrpSpPr>
+      <p:grpSpPr>
+        <a:xfrm>
+          <a:off x="0" y="0"/>
+          <a:ext cx="0" cy="0"/>
+          <a:chOff x="0" y="0"/>
+          <a:chExt cx="0" cy="0"/>
+        </a:xfrm>
+      </p:grpSpPr>
+      <p:sp>
+        <p:nvSpPr>
+          <p:cNvPr id="2" name="Title 1">
+            <a:extLst>
+              <a:ext uri="{FF2B5EF4-FFF2-40B4-BE49-F238E27FC236}">
+                <a16:creationId xmlns:a16="http://schemas.microsoft.com/office/drawing/2014/main" id="{4A999D56-9977-457B-A14B-263A4A7B3427}"/>
+              </a:ext>
+            </a:extLst>
+          </p:cNvPr>
+          <p:cNvSpPr>
+            <a:spLocks noGrp="1"/>
+          </p:cNvSpPr>
+          <p:nvPr>
+            <p:ph type="title"/>
+          </p:nvPr>
+        </p:nvSpPr>
+        <p:spPr/>
+        <p:txBody>
+          <a:bodyPr/>
+          <a:lstStyle/>
+          <a:p>
+            <a:r>
+              <a:rPr lang="en-US" dirty="0"/>
+              <a:t>If with Dictionary</a:t>
+            </a:r>
+            <a:endParaRPr lang="en-IN" dirty="0"/>
+          </a:p>
+        </p:txBody>
+      </p:sp>
+      <p:sp>
+        <p:nvSpPr>
+          <p:cNvPr id="3" name="Content Placeholder 2">
+            <a:extLst>
+              <a:ext uri="{FF2B5EF4-FFF2-40B4-BE49-F238E27FC236}">
+                <a16:creationId xmlns:a16="http://schemas.microsoft.com/office/drawing/2014/main" id="{31850E06-E21C-4984-83D3-EADC925A57A3}"/>
+              </a:ext>
+            </a:extLst>
+          </p:cNvPr>
+          <p:cNvSpPr>
+            <a:spLocks noGrp="1"/>
+          </p:cNvSpPr>
+          <p:nvPr>
+            <p:ph idx="1"/>
+          </p:nvPr>
+        </p:nvSpPr>
+        <p:spPr/>
+        <p:txBody>
+          <a:bodyPr/>
+          <a:lstStyle/>
+          <a:p>
+            <a:pPr marL="0" indent="0">
+              <a:buNone/>
+            </a:pPr>
+            <a:r>
+              <a:rPr lang="en-US" b="1" u="sng" dirty="0"/>
+              <a:t>#if with Dictionary</a:t>
+            </a:r>
+          </a:p>
+          <a:p>
+            <a:pPr marL="457200" lvl="1" indent="0">
+              <a:buNone/>
+            </a:pPr>
+            <a:r>
+              <a:rPr lang="en-US" dirty="0"/>
+              <a:t> d1={“k1”:10,”k2”:20,”k3”:30}</a:t>
+            </a:r>
+          </a:p>
+          <a:p>
+            <a:pPr marL="457200" lvl="1" indent="0">
+              <a:buNone/>
+            </a:pPr>
+            <a:r>
+              <a:rPr lang="en-US" dirty="0"/>
+              <a:t> print(d1)</a:t>
+            </a:r>
+          </a:p>
+          <a:p>
+            <a:pPr marL="457200" lvl="1" indent="0">
+              <a:buNone/>
+            </a:pPr>
+            <a:r>
+              <a:rPr lang="en-US" dirty="0"/>
+              <a:t> if d1[“k3”]==30:</a:t>
+            </a:r>
+          </a:p>
+          <a:p>
+            <a:pPr marL="457200" lvl="1" indent="0">
+              <a:buNone/>
+            </a:pPr>
+            <a:r>
+              <a:rPr lang="en-US" dirty="0"/>
+              <a:t>     d1[“k3”]=d1[“k3”]+100</a:t>
+            </a:r>
+          </a:p>
+          <a:p>
+            <a:pPr marL="457200" lvl="1" indent="0">
+              <a:buNone/>
+            </a:pPr>
+            <a:r>
+              <a:rPr lang="en-US" dirty="0"/>
+              <a:t>      print(d1)</a:t>
+            </a:r>
+            <a:endParaRPr lang="en-IN" dirty="0"/>
+          </a:p>
+        </p:txBody>
+      </p:sp>
+      <p:cxnSp>
+        <p:nvCxnSpPr>
+          <p:cNvPr id="5" name="Straight Connector 4">
+            <a:extLst>
+              <a:ext uri="{FF2B5EF4-FFF2-40B4-BE49-F238E27FC236}">
+                <a16:creationId xmlns:a16="http://schemas.microsoft.com/office/drawing/2014/main" id="{2EEF2E1A-5287-4EE6-82F9-915A562F02CC}"/>
+              </a:ext>
+            </a:extLst>
+          </p:cNvPr>
+          <p:cNvCxnSpPr/>
+          <p:nvPr/>
+        </p:nvCxnSpPr>
+        <p:spPr>
+          <a:xfrm>
+            <a:off x="838200" y="1464816"/>
+            <a:ext cx="9033769" cy="0"/>
+          </a:xfrm>
+          <a:prstGeom prst="line">
+            <a:avLst/>
+          </a:prstGeom>
+        </p:spPr>
+        <p:style>
+          <a:lnRef idx="3">
+            <a:schemeClr val="dk1"/>
+          </a:lnRef>
+          <a:fillRef idx="0">
+            <a:schemeClr val="dk1"/>
+          </a:fillRef>
+          <a:effectRef idx="2">
+            <a:schemeClr val="dk1"/>
+          </a:effectRef>
+          <a:fontRef idx="minor">
+            <a:schemeClr val="tx1"/>
+          </a:fontRef>
+        </p:style>
+      </p:cxnSp>
+    </p:spTree>
+    <p:extLst>
+      <p:ext uri="{BB962C8B-B14F-4D97-AF65-F5344CB8AC3E}">
+        <p14:creationId xmlns:p14="http://schemas.microsoft.com/office/powerpoint/2010/main" val="2352014591"/>
+      </p:ext>
+    </p:extLst>
+  </p:cSld>
+  <p:clrMapOvr>
+    <a:masterClrMapping/>
+  </p:clrMapOvr>
+</p:sld>
+</file>
+
+<file path=ppt/slides/slide13.xml><?xml version="1.0" encoding="utf-8"?>
+<p:sld xmlns:a="http://schemas.openxmlformats.org/drawingml/2006/main" xmlns:r="http://schemas.openxmlformats.org/officeDocument/2006/relationships" xmlns:p="http://schemas.openxmlformats.org/presentationml/2006/main">
+  <p:cSld>
+    <p:spTree>
+      <p:nvGrpSpPr>
+        <p:cNvPr id="1" name=""/>
+        <p:cNvGrpSpPr/>
+        <p:nvPr/>
+      </p:nvGrpSpPr>
+      <p:grpSpPr>
+        <a:xfrm>
+          <a:off x="0" y="0"/>
+          <a:ext cx="0" cy="0"/>
+          <a:chOff x="0" y="0"/>
+          <a:chExt cx="0" cy="0"/>
+        </a:xfrm>
+      </p:grpSpPr>
+      <p:sp>
+        <p:nvSpPr>
+          <p:cNvPr id="2" name="Title 1">
+            <a:extLst>
+              <a:ext uri="{FF2B5EF4-FFF2-40B4-BE49-F238E27FC236}">
+                <a16:creationId xmlns:a16="http://schemas.microsoft.com/office/drawing/2014/main" id="{47D9AA1F-2095-4394-A915-61B8F13359A8}"/>
+              </a:ext>
+            </a:extLst>
+          </p:cNvPr>
+          <p:cNvSpPr>
+            <a:spLocks noGrp="1"/>
+          </p:cNvSpPr>
+          <p:nvPr>
+            <p:ph type="title"/>
+          </p:nvPr>
+        </p:nvSpPr>
+        <p:spPr>
+          <a:xfrm>
+            <a:off x="838200" y="791253"/>
+            <a:ext cx="10515600" cy="442743"/>
+          </a:xfrm>
+        </p:spPr>
+        <p:txBody>
+          <a:bodyPr>
+            <a:normAutofit fontScale="90000"/>
+          </a:bodyPr>
+          <a:lstStyle/>
+          <a:p>
+            <a:r>
+              <a:rPr lang="en-US" dirty="0"/>
+              <a:t>Short Hand If Else Notation</a:t>
+            </a:r>
+            <a:endParaRPr lang="en-IN" dirty="0"/>
+          </a:p>
+        </p:txBody>
+      </p:sp>
+      <p:sp>
+        <p:nvSpPr>
+          <p:cNvPr id="3" name="Content Placeholder 2">
+            <a:extLst>
+              <a:ext uri="{FF2B5EF4-FFF2-40B4-BE49-F238E27FC236}">
+                <a16:creationId xmlns:a16="http://schemas.microsoft.com/office/drawing/2014/main" id="{3E94CCD1-B500-4882-AE20-0913EA571427}"/>
+              </a:ext>
+            </a:extLst>
+          </p:cNvPr>
+          <p:cNvSpPr>
+            <a:spLocks noGrp="1"/>
+          </p:cNvSpPr>
+          <p:nvPr>
+            <p:ph idx="1"/>
+          </p:nvPr>
+        </p:nvSpPr>
+        <p:spPr>
+          <a:xfrm>
+            <a:off x="935854" y="1704512"/>
+            <a:ext cx="10515600" cy="4898579"/>
+          </a:xfrm>
+        </p:spPr>
+        <p:txBody>
+          <a:bodyPr>
+            <a:normAutofit/>
+          </a:bodyPr>
+          <a:lstStyle/>
+          <a:p>
+            <a:pPr marL="0" indent="0">
+              <a:buNone/>
+            </a:pPr>
+            <a:r>
+              <a:rPr lang="en-US" sz="2000" dirty="0"/>
+              <a:t>&gt;&gt;a=int(input(“enter a :\n”)</a:t>
+            </a:r>
+          </a:p>
+          <a:p>
+            <a:pPr marL="0" indent="0">
+              <a:buNone/>
+            </a:pPr>
+            <a:r>
+              <a:rPr lang="en-US" sz="2000" dirty="0"/>
+              <a:t>&gt;&gt;b=int(input(“enter b:\n”)</a:t>
+            </a:r>
+          </a:p>
+          <a:p>
+            <a:pPr marL="0" indent="0">
+              <a:buNone/>
+            </a:pPr>
+            <a:r>
+              <a:rPr lang="en-US" sz="2000" dirty="0"/>
+              <a:t>&gt;&gt;if a&gt;b : </a:t>
+            </a:r>
+          </a:p>
+          <a:p>
+            <a:pPr marL="0" indent="0">
+              <a:buNone/>
+            </a:pPr>
+            <a:r>
+              <a:rPr lang="en-US" sz="2000" dirty="0"/>
+              <a:t>       print( “ a is greater than b”)</a:t>
+            </a:r>
+          </a:p>
+          <a:p>
+            <a:pPr marL="0" indent="0">
+              <a:buNone/>
+            </a:pPr>
+            <a:r>
+              <a:rPr lang="en-US" sz="2000" dirty="0">
+                <a:solidFill>
+                  <a:srgbClr val="00B050"/>
+                </a:solidFill>
+              </a:rPr>
+              <a:t>&gt;&gt;#OR</a:t>
+            </a:r>
+          </a:p>
+          <a:p>
+            <a:pPr marL="0" indent="0">
+              <a:buNone/>
+            </a:pPr>
+            <a:r>
+              <a:rPr lang="en-US" sz="2000" dirty="0"/>
+              <a:t>&gt;&gt;a=int(input(“enter a :\n”)</a:t>
+            </a:r>
+          </a:p>
+          <a:p>
+            <a:pPr marL="0" indent="0">
+              <a:buNone/>
+            </a:pPr>
+            <a:r>
+              <a:rPr lang="en-US" sz="2000" dirty="0"/>
+              <a:t>&gt;&gt;b=int(input(“enter b:\n”)</a:t>
+            </a:r>
+            <a:endParaRPr lang="en-US" sz="2000" dirty="0">
+              <a:solidFill>
+                <a:srgbClr val="00B050"/>
+              </a:solidFill>
+            </a:endParaRPr>
+          </a:p>
+          <a:p>
+            <a:pPr marL="0" indent="0">
+              <a:buNone/>
+            </a:pPr>
+            <a:r>
+              <a:rPr lang="en-US" sz="2000" dirty="0">
+                <a:highlight>
+                  <a:srgbClr val="FFFF00"/>
+                </a:highlight>
+              </a:rPr>
+              <a:t>&gt;&gt;print(“b is greater than a”) if a&lt;b else print(“a is greater than b”)</a:t>
+            </a:r>
+            <a:endParaRPr lang="en-IN" sz="2000" dirty="0">
+              <a:highlight>
+                <a:srgbClr val="FFFF00"/>
+              </a:highlight>
+            </a:endParaRPr>
+          </a:p>
+        </p:txBody>
+      </p:sp>
+    </p:spTree>
+    <p:extLst>
+      <p:ext uri="{BB962C8B-B14F-4D97-AF65-F5344CB8AC3E}">
+        <p14:creationId xmlns:p14="http://schemas.microsoft.com/office/powerpoint/2010/main" val="966723350"/>
+      </p:ext>
+    </p:extLst>
+  </p:cSld>
+  <p:clrMapOvr>
+    <a:masterClrMapping/>
+  </p:clrMapOvr>
+</p:sld>
+</file>
+
+<file path=ppt/slides/slide14.xml><?xml version="1.0" encoding="utf-8"?>
+<p:sld xmlns:a="http://schemas.openxmlformats.org/drawingml/2006/main" xmlns:r="http://schemas.openxmlformats.org/officeDocument/2006/relationships" xmlns:p="http://schemas.openxmlformats.org/presentationml/2006/main">
+  <p:cSld>
+    <p:spTree>
+      <p:nvGrpSpPr>
+        <p:cNvPr id="1" name=""/>
+        <p:cNvGrpSpPr/>
+        <p:nvPr/>
+      </p:nvGrpSpPr>
+      <p:grpSpPr>
+        <a:xfrm>
+          <a:off x="0" y="0"/>
+          <a:ext cx="0" cy="0"/>
+          <a:chOff x="0" y="0"/>
+          <a:chExt cx="0" cy="0"/>
+        </a:xfrm>
+      </p:grpSpPr>
+      <p:sp>
+        <p:nvSpPr>
+          <p:cNvPr id="2" name="Title 1">
+            <a:extLst>
+              <a:ext uri="{FF2B5EF4-FFF2-40B4-BE49-F238E27FC236}">
+                <a16:creationId xmlns:a16="http://schemas.microsoft.com/office/drawing/2014/main" id="{943EA762-D8CE-4498-BA2B-BD4797ACF8E9}"/>
+              </a:ext>
+            </a:extLst>
+          </p:cNvPr>
+          <p:cNvSpPr>
+            <a:spLocks noGrp="1"/>
+          </p:cNvSpPr>
+          <p:nvPr>
+            <p:ph type="title"/>
+          </p:nvPr>
+        </p:nvSpPr>
+        <p:spPr>
+          <a:xfrm>
+            <a:off x="838200" y="365126"/>
+            <a:ext cx="10515600" cy="315912"/>
+          </a:xfrm>
+        </p:spPr>
+        <p:txBody>
+          <a:bodyPr>
+            <a:normAutofit fontScale="90000"/>
+          </a:bodyPr>
+          <a:lstStyle/>
+          <a:p>
+            <a:r>
+              <a:rPr lang="en-US" dirty="0"/>
+              <a:t>Python3.10 Switch…case statement</a:t>
+            </a:r>
+            <a:endParaRPr lang="en-IN" dirty="0"/>
+          </a:p>
+        </p:txBody>
+      </p:sp>
+      <p:sp>
+        <p:nvSpPr>
+          <p:cNvPr id="7" name="TextBox 6">
+            <a:extLst>
+              <a:ext uri="{FF2B5EF4-FFF2-40B4-BE49-F238E27FC236}">
+                <a16:creationId xmlns:a16="http://schemas.microsoft.com/office/drawing/2014/main" id="{5DD68C89-07A3-4D94-A789-96D65AF323E9}"/>
+              </a:ext>
+            </a:extLst>
+          </p:cNvPr>
+          <p:cNvSpPr txBox="1"/>
+          <p:nvPr/>
+        </p:nvSpPr>
+        <p:spPr>
+          <a:xfrm>
+            <a:off x="1564689" y="826337"/>
+            <a:ext cx="6094520" cy="6186309"/>
+          </a:xfrm>
+          <a:prstGeom prst="rect">
+            <a:avLst/>
+          </a:prstGeom>
+          <a:noFill/>
+        </p:spPr>
+        <p:txBody>
+          <a:bodyPr wrap="square">
+            <a:spAutoFit/>
+          </a:bodyPr>
+          <a:lstStyle/>
+          <a:p>
+            <a:r>
+              <a:rPr lang="en-IN" dirty="0"/>
+              <a:t>def </a:t>
+            </a:r>
+            <a:r>
+              <a:rPr lang="en-IN" dirty="0" err="1"/>
+              <a:t>get_mood</a:t>
+            </a:r>
+            <a:r>
+              <a:rPr lang="en-IN" dirty="0"/>
+              <a:t>(day):</a:t>
+            </a:r>
+          </a:p>
+          <a:p>
+            <a:r>
+              <a:rPr lang="en-IN" dirty="0"/>
+              <a:t>    match day:</a:t>
+            </a:r>
+          </a:p>
+          <a:p>
+            <a:r>
+              <a:rPr lang="en-IN" dirty="0"/>
+              <a:t>        case 'Monday':</a:t>
+            </a:r>
+          </a:p>
+          <a:p>
+            <a:r>
+              <a:rPr lang="en-IN" dirty="0"/>
+              <a:t>            return 'Oh...'</a:t>
+            </a:r>
+          </a:p>
+          <a:p>
+            <a:r>
+              <a:rPr lang="en-IN" dirty="0"/>
+              <a:t>        case 'Thursday':</a:t>
+            </a:r>
+          </a:p>
+          <a:p>
+            <a:r>
+              <a:rPr lang="en-IN" dirty="0"/>
+              <a:t>            return 'Getting close!'</a:t>
+            </a:r>
+          </a:p>
+          <a:p>
+            <a:r>
+              <a:rPr lang="en-IN" dirty="0"/>
+              <a:t>        case 'Friday':</a:t>
+            </a:r>
+          </a:p>
+          <a:p>
+            <a:r>
+              <a:rPr lang="en-IN" dirty="0"/>
+              <a:t>            return 'Almost there!'</a:t>
+            </a:r>
+          </a:p>
+          <a:p>
+            <a:r>
+              <a:rPr lang="en-IN" dirty="0"/>
+              <a:t>        case 'Saturday' | 'Sunday':</a:t>
+            </a:r>
+          </a:p>
+          <a:p>
+            <a:r>
+              <a:rPr lang="en-IN" dirty="0"/>
+              <a:t>            return 'Weekend!!!'</a:t>
+            </a:r>
+          </a:p>
+          <a:p>
+            <a:r>
+              <a:rPr lang="en-IN" dirty="0"/>
+              <a:t>        case _:</a:t>
+            </a:r>
+          </a:p>
+          <a:p>
+            <a:r>
+              <a:rPr lang="en-IN" dirty="0"/>
+              <a:t>            return 'Meh...'</a:t>
+            </a:r>
+          </a:p>
+          <a:p>
+            <a:r>
+              <a:rPr lang="en-IN" dirty="0"/>
+              <a:t>     </a:t>
+            </a:r>
+          </a:p>
+          <a:p>
+            <a:r>
+              <a:rPr lang="en-IN" dirty="0"/>
+              <a:t>    </a:t>
+            </a:r>
+          </a:p>
+          <a:p>
+            <a:r>
+              <a:rPr lang="en-IN" dirty="0"/>
+              <a:t>print(</a:t>
+            </a:r>
+            <a:r>
+              <a:rPr lang="en-IN" dirty="0" err="1"/>
+              <a:t>get_mood</a:t>
+            </a:r>
+            <a:r>
+              <a:rPr lang="en-IN" dirty="0"/>
+              <a:t>(day='Monday'))</a:t>
+            </a:r>
+          </a:p>
+          <a:p>
+            <a:r>
+              <a:rPr lang="en-IN" dirty="0"/>
+              <a:t># Oh...</a:t>
+            </a:r>
+          </a:p>
+          <a:p>
+            <a:r>
+              <a:rPr lang="en-IN" dirty="0"/>
+              <a:t>print(</a:t>
+            </a:r>
+            <a:r>
+              <a:rPr lang="en-IN" dirty="0" err="1"/>
+              <a:t>get_mood</a:t>
+            </a:r>
+            <a:r>
+              <a:rPr lang="en-IN" dirty="0"/>
+              <a:t>(day='Wednesday'))</a:t>
+            </a:r>
+          </a:p>
+          <a:p>
+            <a:r>
+              <a:rPr lang="en-IN" dirty="0"/>
+              <a:t># Meh...</a:t>
+            </a:r>
+          </a:p>
+          <a:p>
+            <a:r>
+              <a:rPr lang="en-IN" dirty="0"/>
+              <a:t>print(</a:t>
+            </a:r>
+            <a:r>
+              <a:rPr lang="en-IN" dirty="0" err="1"/>
+              <a:t>get_mood</a:t>
+            </a:r>
+            <a:r>
+              <a:rPr lang="en-IN" dirty="0"/>
+              <a:t>(day='Friday'))</a:t>
+            </a:r>
+          </a:p>
+          <a:p>
+            <a:r>
+              <a:rPr lang="en-IN" dirty="0"/>
+              <a:t># Almost there!</a:t>
+            </a:r>
+          </a:p>
+          <a:p>
+            <a:r>
+              <a:rPr lang="en-IN" dirty="0"/>
+              <a:t>print(</a:t>
+            </a:r>
+            <a:r>
+              <a:rPr lang="en-IN" dirty="0" err="1"/>
+              <a:t>get_mood</a:t>
+            </a:r>
+            <a:r>
+              <a:rPr lang="en-IN" dirty="0"/>
+              <a:t>(day='Sunday'))</a:t>
+            </a:r>
+          </a:p>
+          <a:p>
+            <a:r>
+              <a:rPr lang="en-IN" dirty="0"/>
+              <a:t># Weekend!!!</a:t>
+            </a:r>
+          </a:p>
+        </p:txBody>
+      </p:sp>
+    </p:spTree>
+    <p:extLst>
+      <p:ext uri="{BB962C8B-B14F-4D97-AF65-F5344CB8AC3E}">
+        <p14:creationId xmlns:p14="http://schemas.microsoft.com/office/powerpoint/2010/main" val="1971676066"/>
+      </p:ext>
+    </p:extLst>
+  </p:cSld>
+  <p:clrMapOvr>
+    <a:masterClrMapping/>
+  </p:clrMapOvr>
+</p:sld>
+</file>
+
+<file path=ppt/slides/slide15.xml><?xml version="1.0" encoding="utf-8"?>
+<p:sld xmlns:a="http://schemas.openxmlformats.org/drawingml/2006/main" xmlns:r="http://schemas.openxmlformats.org/officeDocument/2006/relationships" xmlns:p="http://schemas.openxmlformats.org/presentationml/2006/main">
+  <p:cSld>
+    <p:spTree>
+      <p:nvGrpSpPr>
+        <p:cNvPr id="1" name=""/>
+        <p:cNvGrpSpPr/>
+        <p:nvPr/>
+      </p:nvGrpSpPr>
+      <p:grpSpPr>
+        <a:xfrm>
+          <a:off x="0" y="0"/>
+          <a:ext cx="0" cy="0"/>
+          <a:chOff x="0" y="0"/>
+          <a:chExt cx="0" cy="0"/>
+        </a:xfrm>
+      </p:grpSpPr>
+      <p:sp>
+        <p:nvSpPr>
+          <p:cNvPr id="4" name="Rectangle 1">
+            <a:extLst>
+              <a:ext uri="{FF2B5EF4-FFF2-40B4-BE49-F238E27FC236}">
+                <a16:creationId xmlns:a16="http://schemas.microsoft.com/office/drawing/2014/main" id="{F7092293-1F4B-4EB5-BDCE-F519A79B6DD1}"/>
+              </a:ext>
+            </a:extLst>
+          </p:cNvPr>
+          <p:cNvSpPr>
+            <a:spLocks noChangeArrowheads="1"/>
+          </p:cNvSpPr>
+          <p:nvPr/>
+        </p:nvSpPr>
+        <p:spPr bwMode="auto">
+          <a:xfrm>
+            <a:off x="1065320" y="860936"/>
+            <a:ext cx="5568696" cy="2308324"/>
+          </a:xfrm>
+          <a:prstGeom prst="rect">
+            <a:avLst/>
+          </a:prstGeom>
+          <a:noFill/>
+          <a:ln>
+            <a:noFill/>
+          </a:ln>
+          <a:effectLst/>
+          <a:extLst>
+            <a:ext uri="{909E8E84-426E-40DD-AFC4-6F175D3DCCD1}">
+              <a14:hiddenFill xmlns:a14="http://schemas.microsoft.com/office/drawing/2010/main">
+                <a:solidFill>
+                  <a:schemeClr val="accent1"/>
+                </a:solidFill>
+              </a14:hiddenFill>
+            </a:ext>
+            <a:ext uri="{91240B29-F687-4F45-9708-019B960494DF}">
+              <a14:hiddenLine xmlns:a14="http://schemas.microsoft.com/office/drawing/2010/main" w="9525">
+                <a:solidFill>
+                  <a:schemeClr val="tx1"/>
+                </a:solidFill>
+                <a:miter lim="800000"/>
+                <a:headEnd/>
+                <a:tailEnd/>
+              </a14:hiddenLine>
+            </a:ext>
+            <a:ext uri="{AF507438-7753-43E0-B8FC-AC1667EBCBE1}">
+              <a14:hiddenEffects xmlns:a14="http://schemas.microsoft.com/office/drawing/2010/main">
+                <a:effectLst>
+                  <a:outerShdw dist="35921" dir="2700000" algn="ctr" rotWithShape="0">
+                    <a:schemeClr val="bg2"/>
+                  </a:outerShdw>
+                </a:effectLst>
+              </a14:hiddenEffects>
+            </a:ext>
+          </a:extLst>
+        </p:spPr>
+        <p:txBody>
+          <a:bodyPr vert="horz" wrap="square" lIns="0" tIns="0" rIns="0" bIns="0" numCol="1" anchor="ctr" anchorCtr="0" compatLnSpc="1">
+            <a:prstTxWarp prst="textNoShape">
+              <a:avLst/>
+            </a:prstTxWarp>
+            <a:spAutoFit/>
+          </a:bodyPr>
+          <a:lstStyle/>
+          <a:p>
+            <a:pPr marL="0" marR="0" lvl="0" indent="0" algn="l" defTabSz="914400" rtl="0" eaLnBrk="0" fontAlgn="base" latinLnBrk="0" hangingPunct="0">
+              <a:lnSpc>
+                <a:spcPct val="100000"/>
+              </a:lnSpc>
+              <a:spcBef>
+                <a:spcPct val="0"/>
+              </a:spcBef>
+              <a:spcAft>
+                <a:spcPct val="0"/>
+              </a:spcAft>
+              <a:buClrTx/>
+              <a:buSzTx/>
+              <a:buFontTx/>
+              <a:buNone/>
+              <a:tabLst/>
+            </a:pPr>
+            <a:r>
+              <a:rPr kumimoji="0" lang="en-US" altLang="en-US" sz="1000" b="0" i="0" u="none" strike="noStrike" cap="none" normalizeH="0" baseline="0">
+                <a:ln>
+                  <a:noFill/>
+                </a:ln>
+                <a:solidFill>
+                  <a:srgbClr val="888888"/>
+                </a:solidFill>
+                <a:effectLst/>
+                <a:latin typeface="Courier New" panose="02070309020205020404" pitchFamily="49" charset="0"/>
+              </a:rPr>
+              <a:t># Python's `for` and `while` loops</a:t>
+            </a:r>
+            <a:r>
+              <a:rPr kumimoji="0" lang="en-US" altLang="en-US" sz="1000" b="0" i="0" u="none" strike="noStrike" cap="none" normalizeH="0" baseline="0">
+                <a:ln>
+                  <a:noFill/>
+                </a:ln>
+                <a:solidFill>
+                  <a:srgbClr val="222222"/>
+                </a:solidFill>
+                <a:effectLst/>
+                <a:latin typeface="Courier New" panose="02070309020205020404" pitchFamily="49" charset="0"/>
+              </a:rPr>
+              <a:t> </a:t>
+            </a:r>
+            <a:r>
+              <a:rPr kumimoji="0" lang="en-US" altLang="en-US" sz="1000" b="0" i="0" u="none" strike="noStrike" cap="none" normalizeH="0" baseline="0">
+                <a:ln>
+                  <a:noFill/>
+                </a:ln>
+                <a:solidFill>
+                  <a:srgbClr val="888888"/>
+                </a:solidFill>
+                <a:effectLst/>
+                <a:latin typeface="Courier New" panose="02070309020205020404" pitchFamily="49" charset="0"/>
+              </a:rPr>
+              <a:t># support an `else` clause that executes</a:t>
+            </a:r>
+            <a:r>
+              <a:rPr kumimoji="0" lang="en-US" altLang="en-US" sz="1000" b="0" i="0" u="none" strike="noStrike" cap="none" normalizeH="0" baseline="0">
+                <a:ln>
+                  <a:noFill/>
+                </a:ln>
+                <a:solidFill>
+                  <a:srgbClr val="222222"/>
+                </a:solidFill>
+                <a:effectLst/>
+                <a:latin typeface="Courier New" panose="02070309020205020404" pitchFamily="49" charset="0"/>
+              </a:rPr>
+              <a:t> </a:t>
+            </a:r>
+            <a:r>
+              <a:rPr kumimoji="0" lang="en-US" altLang="en-US" sz="1000" b="0" i="0" u="none" strike="noStrike" cap="none" normalizeH="0" baseline="0">
+                <a:ln>
+                  <a:noFill/>
+                </a:ln>
+                <a:solidFill>
+                  <a:srgbClr val="888888"/>
+                </a:solidFill>
+                <a:effectLst/>
+                <a:latin typeface="Courier New" panose="02070309020205020404" pitchFamily="49" charset="0"/>
+              </a:rPr>
+              <a:t># only if the loops terminates without</a:t>
+            </a:r>
+            <a:r>
+              <a:rPr kumimoji="0" lang="en-US" altLang="en-US" sz="1000" b="0" i="0" u="none" strike="noStrike" cap="none" normalizeH="0" baseline="0">
+                <a:ln>
+                  <a:noFill/>
+                </a:ln>
+                <a:solidFill>
+                  <a:srgbClr val="222222"/>
+                </a:solidFill>
+                <a:effectLst/>
+                <a:latin typeface="Courier New" panose="02070309020205020404" pitchFamily="49" charset="0"/>
+              </a:rPr>
+              <a:t> </a:t>
+            </a:r>
+            <a:r>
+              <a:rPr kumimoji="0" lang="en-US" altLang="en-US" sz="1000" b="0" i="0" u="none" strike="noStrike" cap="none" normalizeH="0" baseline="0">
+                <a:ln>
+                  <a:noFill/>
+                </a:ln>
+                <a:solidFill>
+                  <a:srgbClr val="888888"/>
+                </a:solidFill>
+                <a:effectLst/>
+                <a:latin typeface="Courier New" panose="02070309020205020404" pitchFamily="49" charset="0"/>
+              </a:rPr>
+              <a:t># hitting a `break` statement.</a:t>
+            </a:r>
+            <a:r>
+              <a:rPr kumimoji="0" lang="en-US" altLang="en-US" sz="1000" b="0" i="0" u="none" strike="noStrike" cap="none" normalizeH="0" baseline="0">
+                <a:ln>
+                  <a:noFill/>
+                </a:ln>
+                <a:solidFill>
+                  <a:srgbClr val="222222"/>
+                </a:solidFill>
+                <a:effectLst/>
+                <a:latin typeface="Courier New" panose="02070309020205020404" pitchFamily="49" charset="0"/>
+              </a:rPr>
+              <a:t> </a:t>
+            </a:r>
+            <a:r>
+              <a:rPr kumimoji="0" lang="en-US" altLang="en-US" sz="1000" b="1" i="0" u="none" strike="noStrike" cap="none" normalizeH="0" baseline="0">
+                <a:ln>
+                  <a:noFill/>
+                </a:ln>
+                <a:solidFill>
+                  <a:srgbClr val="008800"/>
+                </a:solidFill>
+                <a:effectLst/>
+                <a:latin typeface="Courier New" panose="02070309020205020404" pitchFamily="49" charset="0"/>
+              </a:rPr>
+              <a:t>def</a:t>
+            </a:r>
+            <a:r>
+              <a:rPr kumimoji="0" lang="en-US" altLang="en-US" sz="1000" b="0" i="0" u="none" strike="noStrike" cap="none" normalizeH="0" baseline="0">
+                <a:ln>
+                  <a:noFill/>
+                </a:ln>
+                <a:solidFill>
+                  <a:srgbClr val="222222"/>
+                </a:solidFill>
+                <a:effectLst/>
+                <a:latin typeface="Courier New" panose="02070309020205020404" pitchFamily="49" charset="0"/>
+              </a:rPr>
+              <a:t> </a:t>
+            </a:r>
+            <a:r>
+              <a:rPr kumimoji="0" lang="en-US" altLang="en-US" sz="1000" b="1" i="0" u="none" strike="noStrike" cap="none" normalizeH="0" baseline="0">
+                <a:ln>
+                  <a:noFill/>
+                </a:ln>
+                <a:solidFill>
+                  <a:srgbClr val="0066BB"/>
+                </a:solidFill>
+                <a:effectLst/>
+                <a:latin typeface="Courier New" panose="02070309020205020404" pitchFamily="49" charset="0"/>
+              </a:rPr>
+              <a:t>contains</a:t>
+            </a:r>
+            <a:r>
+              <a:rPr kumimoji="0" lang="en-US" altLang="en-US" sz="1000" b="0" i="0" u="none" strike="noStrike" cap="none" normalizeH="0" baseline="0">
+                <a:ln>
+                  <a:noFill/>
+                </a:ln>
+                <a:solidFill>
+                  <a:srgbClr val="222222"/>
+                </a:solidFill>
+                <a:effectLst/>
+                <a:latin typeface="Courier New" panose="02070309020205020404" pitchFamily="49" charset="0"/>
+              </a:rPr>
+              <a:t>(haystack, needle): </a:t>
+            </a:r>
+            <a:r>
+              <a:rPr kumimoji="0" lang="en-US" altLang="en-US" sz="1000" b="0" i="0" u="none" strike="noStrike" cap="none" normalizeH="0" baseline="0">
+                <a:ln>
+                  <a:noFill/>
+                </a:ln>
+                <a:solidFill>
+                  <a:srgbClr val="DD4422"/>
+                </a:solidFill>
+                <a:effectLst/>
+                <a:latin typeface="Courier New" panose="02070309020205020404" pitchFamily="49" charset="0"/>
+              </a:rPr>
+              <a:t>"""</a:t>
+            </a:r>
+            <a:r>
+              <a:rPr kumimoji="0" lang="en-US" altLang="en-US" sz="1000" b="0" i="0" u="none" strike="noStrike" cap="none" normalizeH="0" baseline="0">
+                <a:ln>
+                  <a:noFill/>
+                </a:ln>
+                <a:solidFill>
+                  <a:srgbClr val="222222"/>
+                </a:solidFill>
+                <a:effectLst/>
+                <a:latin typeface="Courier New" panose="02070309020205020404" pitchFamily="49" charset="0"/>
+              </a:rPr>
+              <a:t> </a:t>
+            </a:r>
+            <a:r>
+              <a:rPr kumimoji="0" lang="en-US" altLang="en-US" sz="1000" b="0" i="0" u="none" strike="noStrike" cap="none" normalizeH="0" baseline="0">
+                <a:ln>
+                  <a:noFill/>
+                </a:ln>
+                <a:solidFill>
+                  <a:srgbClr val="DD4422"/>
+                </a:solidFill>
+                <a:effectLst/>
+                <a:latin typeface="Courier New" panose="02070309020205020404" pitchFamily="49" charset="0"/>
+              </a:rPr>
+              <a:t>Throw a ValueError if `needle` not</a:t>
+            </a:r>
+            <a:r>
+              <a:rPr kumimoji="0" lang="en-US" altLang="en-US" sz="1000" b="0" i="0" u="none" strike="noStrike" cap="none" normalizeH="0" baseline="0">
+                <a:ln>
+                  <a:noFill/>
+                </a:ln>
+                <a:solidFill>
+                  <a:srgbClr val="222222"/>
+                </a:solidFill>
+                <a:effectLst/>
+                <a:latin typeface="Courier New" panose="02070309020205020404" pitchFamily="49" charset="0"/>
+              </a:rPr>
+              <a:t> </a:t>
+            </a:r>
+            <a:r>
+              <a:rPr kumimoji="0" lang="en-US" altLang="en-US" sz="1000" b="0" i="0" u="none" strike="noStrike" cap="none" normalizeH="0" baseline="0">
+                <a:ln>
+                  <a:noFill/>
+                </a:ln>
+                <a:solidFill>
+                  <a:srgbClr val="DD4422"/>
+                </a:solidFill>
+                <a:effectLst/>
+                <a:latin typeface="Courier New" panose="02070309020205020404" pitchFamily="49" charset="0"/>
+              </a:rPr>
+              <a:t>in `haystack`.</a:t>
+            </a:r>
+            <a:r>
+              <a:rPr kumimoji="0" lang="en-US" altLang="en-US" sz="1000" b="0" i="0" u="none" strike="noStrike" cap="none" normalizeH="0" baseline="0">
+                <a:ln>
+                  <a:noFill/>
+                </a:ln>
+                <a:solidFill>
+                  <a:srgbClr val="222222"/>
+                </a:solidFill>
+                <a:effectLst/>
+                <a:latin typeface="Courier New" panose="02070309020205020404" pitchFamily="49" charset="0"/>
+              </a:rPr>
+              <a:t> </a:t>
+            </a:r>
+            <a:r>
+              <a:rPr kumimoji="0" lang="en-US" altLang="en-US" sz="1000" b="0" i="0" u="none" strike="noStrike" cap="none" normalizeH="0" baseline="0">
+                <a:ln>
+                  <a:noFill/>
+                </a:ln>
+                <a:solidFill>
+                  <a:srgbClr val="DD4422"/>
+                </a:solidFill>
+                <a:effectLst/>
+                <a:latin typeface="Courier New" panose="02070309020205020404" pitchFamily="49" charset="0"/>
+              </a:rPr>
+              <a:t>"""</a:t>
+            </a:r>
+            <a:r>
+              <a:rPr kumimoji="0" lang="en-US" altLang="en-US" sz="1000" b="0" i="0" u="none" strike="noStrike" cap="none" normalizeH="0" baseline="0">
+                <a:ln>
+                  <a:noFill/>
+                </a:ln>
+                <a:solidFill>
+                  <a:srgbClr val="222222"/>
+                </a:solidFill>
+                <a:effectLst/>
+                <a:latin typeface="Courier New" panose="02070309020205020404" pitchFamily="49" charset="0"/>
+              </a:rPr>
+              <a:t> </a:t>
+            </a:r>
+            <a:r>
+              <a:rPr kumimoji="0" lang="en-US" altLang="en-US" sz="1000" b="1" i="0" u="none" strike="noStrike" cap="none" normalizeH="0" baseline="0">
+                <a:ln>
+                  <a:noFill/>
+                </a:ln>
+                <a:solidFill>
+                  <a:srgbClr val="008800"/>
+                </a:solidFill>
+                <a:effectLst/>
+                <a:latin typeface="Courier New" panose="02070309020205020404" pitchFamily="49" charset="0"/>
+              </a:rPr>
+              <a:t>for</a:t>
+            </a:r>
+            <a:r>
+              <a:rPr kumimoji="0" lang="en-US" altLang="en-US" sz="1000" b="0" i="0" u="none" strike="noStrike" cap="none" normalizeH="0" baseline="0">
+                <a:ln>
+                  <a:noFill/>
+                </a:ln>
+                <a:solidFill>
+                  <a:srgbClr val="222222"/>
+                </a:solidFill>
+                <a:effectLst/>
+                <a:latin typeface="Courier New" panose="02070309020205020404" pitchFamily="49" charset="0"/>
+              </a:rPr>
+              <a:t> item </a:t>
+            </a:r>
+            <a:r>
+              <a:rPr kumimoji="0" lang="en-US" altLang="en-US" sz="1000" b="1" i="0" u="none" strike="noStrike" cap="none" normalizeH="0" baseline="0">
+                <a:ln>
+                  <a:noFill/>
+                </a:ln>
+                <a:solidFill>
+                  <a:srgbClr val="000000"/>
+                </a:solidFill>
+                <a:effectLst/>
+                <a:latin typeface="Courier New" panose="02070309020205020404" pitchFamily="49" charset="0"/>
+              </a:rPr>
+              <a:t>in</a:t>
+            </a:r>
+            <a:r>
+              <a:rPr kumimoji="0" lang="en-US" altLang="en-US" sz="1000" b="0" i="0" u="none" strike="noStrike" cap="none" normalizeH="0" baseline="0">
+                <a:ln>
+                  <a:noFill/>
+                </a:ln>
+                <a:solidFill>
+                  <a:srgbClr val="222222"/>
+                </a:solidFill>
+                <a:effectLst/>
+                <a:latin typeface="Courier New" panose="02070309020205020404" pitchFamily="49" charset="0"/>
+              </a:rPr>
+              <a:t> haystack: </a:t>
+            </a:r>
+            <a:r>
+              <a:rPr kumimoji="0" lang="en-US" altLang="en-US" sz="1000" b="1" i="0" u="none" strike="noStrike" cap="none" normalizeH="0" baseline="0">
+                <a:ln>
+                  <a:noFill/>
+                </a:ln>
+                <a:solidFill>
+                  <a:srgbClr val="008800"/>
+                </a:solidFill>
+                <a:effectLst/>
+                <a:latin typeface="Courier New" panose="02070309020205020404" pitchFamily="49" charset="0"/>
+              </a:rPr>
+              <a:t>if</a:t>
+            </a:r>
+            <a:r>
+              <a:rPr kumimoji="0" lang="en-US" altLang="en-US" sz="1000" b="0" i="0" u="none" strike="noStrike" cap="none" normalizeH="0" baseline="0">
+                <a:ln>
+                  <a:noFill/>
+                </a:ln>
+                <a:solidFill>
+                  <a:srgbClr val="222222"/>
+                </a:solidFill>
+                <a:effectLst/>
+                <a:latin typeface="Courier New" panose="02070309020205020404" pitchFamily="49" charset="0"/>
+              </a:rPr>
+              <a:t> item </a:t>
+            </a:r>
+            <a:r>
+              <a:rPr kumimoji="0" lang="en-US" altLang="en-US" sz="1000" b="0" i="0" u="none" strike="noStrike" cap="none" normalizeH="0" baseline="0">
+                <a:ln>
+                  <a:noFill/>
+                </a:ln>
+                <a:solidFill>
+                  <a:srgbClr val="333333"/>
+                </a:solidFill>
+                <a:effectLst/>
+                <a:latin typeface="Courier New" panose="02070309020205020404" pitchFamily="49" charset="0"/>
+              </a:rPr>
+              <a:t>==</a:t>
+            </a:r>
+            <a:r>
+              <a:rPr kumimoji="0" lang="en-US" altLang="en-US" sz="1000" b="0" i="0" u="none" strike="noStrike" cap="none" normalizeH="0" baseline="0">
+                <a:ln>
+                  <a:noFill/>
+                </a:ln>
+                <a:solidFill>
+                  <a:srgbClr val="222222"/>
+                </a:solidFill>
+                <a:effectLst/>
+                <a:latin typeface="Courier New" panose="02070309020205020404" pitchFamily="49" charset="0"/>
+              </a:rPr>
+              <a:t> needle: </a:t>
+            </a:r>
+            <a:r>
+              <a:rPr kumimoji="0" lang="en-US" altLang="en-US" sz="1000" b="1" i="0" u="none" strike="noStrike" cap="none" normalizeH="0" baseline="0">
+                <a:ln>
+                  <a:noFill/>
+                </a:ln>
+                <a:solidFill>
+                  <a:srgbClr val="008800"/>
+                </a:solidFill>
+                <a:effectLst/>
+                <a:latin typeface="Courier New" panose="02070309020205020404" pitchFamily="49" charset="0"/>
+              </a:rPr>
+              <a:t>break</a:t>
+            </a:r>
+            <a:r>
+              <a:rPr kumimoji="0" lang="en-US" altLang="en-US" sz="1000" b="0" i="0" u="none" strike="noStrike" cap="none" normalizeH="0" baseline="0">
+                <a:ln>
+                  <a:noFill/>
+                </a:ln>
+                <a:solidFill>
+                  <a:srgbClr val="222222"/>
+                </a:solidFill>
+                <a:effectLst/>
+                <a:latin typeface="Courier New" panose="02070309020205020404" pitchFamily="49" charset="0"/>
+              </a:rPr>
+              <a:t> </a:t>
+            </a:r>
+            <a:r>
+              <a:rPr kumimoji="0" lang="en-US" altLang="en-US" sz="1000" b="1" i="0" u="none" strike="noStrike" cap="none" normalizeH="0" baseline="0">
+                <a:ln>
+                  <a:noFill/>
+                </a:ln>
+                <a:solidFill>
+                  <a:srgbClr val="008800"/>
+                </a:solidFill>
+                <a:effectLst/>
+                <a:latin typeface="Courier New" panose="02070309020205020404" pitchFamily="49" charset="0"/>
+              </a:rPr>
+              <a:t>else</a:t>
+            </a:r>
+            <a:r>
+              <a:rPr kumimoji="0" lang="en-US" altLang="en-US" sz="1000" b="0" i="0" u="none" strike="noStrike" cap="none" normalizeH="0" baseline="0">
+                <a:ln>
+                  <a:noFill/>
+                </a:ln>
+                <a:solidFill>
+                  <a:srgbClr val="222222"/>
+                </a:solidFill>
+                <a:effectLst/>
+                <a:latin typeface="Courier New" panose="02070309020205020404" pitchFamily="49" charset="0"/>
+              </a:rPr>
+              <a:t>: </a:t>
+            </a:r>
+            <a:r>
+              <a:rPr kumimoji="0" lang="en-US" altLang="en-US" sz="1000" b="0" i="0" u="none" strike="noStrike" cap="none" normalizeH="0" baseline="0">
+                <a:ln>
+                  <a:noFill/>
+                </a:ln>
+                <a:solidFill>
+                  <a:srgbClr val="888888"/>
+                </a:solidFill>
+                <a:effectLst/>
+                <a:latin typeface="Courier New" panose="02070309020205020404" pitchFamily="49" charset="0"/>
+              </a:rPr>
+              <a:t># The `else` here is a</a:t>
+            </a:r>
+            <a:r>
+              <a:rPr kumimoji="0" lang="en-US" altLang="en-US" sz="1000" b="0" i="0" u="none" strike="noStrike" cap="none" normalizeH="0" baseline="0">
+                <a:ln>
+                  <a:noFill/>
+                </a:ln>
+                <a:solidFill>
+                  <a:srgbClr val="222222"/>
+                </a:solidFill>
+                <a:effectLst/>
+                <a:latin typeface="Courier New" panose="02070309020205020404" pitchFamily="49" charset="0"/>
+              </a:rPr>
+              <a:t> </a:t>
+            </a:r>
+            <a:r>
+              <a:rPr kumimoji="0" lang="en-US" altLang="en-US" sz="1000" b="0" i="0" u="none" strike="noStrike" cap="none" normalizeH="0" baseline="0">
+                <a:ln>
+                  <a:noFill/>
+                </a:ln>
+                <a:solidFill>
+                  <a:srgbClr val="888888"/>
+                </a:solidFill>
+                <a:effectLst/>
+                <a:latin typeface="Courier New" panose="02070309020205020404" pitchFamily="49" charset="0"/>
+              </a:rPr>
+              <a:t># "completion clause" that runs</a:t>
+            </a:r>
+            <a:r>
+              <a:rPr kumimoji="0" lang="en-US" altLang="en-US" sz="1000" b="0" i="0" u="none" strike="noStrike" cap="none" normalizeH="0" baseline="0">
+                <a:ln>
+                  <a:noFill/>
+                </a:ln>
+                <a:solidFill>
+                  <a:srgbClr val="222222"/>
+                </a:solidFill>
+                <a:effectLst/>
+                <a:latin typeface="Courier New" panose="02070309020205020404" pitchFamily="49" charset="0"/>
+              </a:rPr>
+              <a:t> </a:t>
+            </a:r>
+            <a:r>
+              <a:rPr kumimoji="0" lang="en-US" altLang="en-US" sz="1000" b="0" i="0" u="none" strike="noStrike" cap="none" normalizeH="0" baseline="0">
+                <a:ln>
+                  <a:noFill/>
+                </a:ln>
+                <a:solidFill>
+                  <a:srgbClr val="888888"/>
+                </a:solidFill>
+                <a:effectLst/>
+                <a:latin typeface="Courier New" panose="02070309020205020404" pitchFamily="49" charset="0"/>
+              </a:rPr>
+              <a:t># only if the loop ran to completion</a:t>
+            </a:r>
+            <a:r>
+              <a:rPr kumimoji="0" lang="en-US" altLang="en-US" sz="1000" b="0" i="0" u="none" strike="noStrike" cap="none" normalizeH="0" baseline="0">
+                <a:ln>
+                  <a:noFill/>
+                </a:ln>
+                <a:solidFill>
+                  <a:srgbClr val="222222"/>
+                </a:solidFill>
+                <a:effectLst/>
+                <a:latin typeface="Courier New" panose="02070309020205020404" pitchFamily="49" charset="0"/>
+              </a:rPr>
+              <a:t> </a:t>
+            </a:r>
+            <a:r>
+              <a:rPr kumimoji="0" lang="en-US" altLang="en-US" sz="1000" b="0" i="0" u="none" strike="noStrike" cap="none" normalizeH="0" baseline="0">
+                <a:ln>
+                  <a:noFill/>
+                </a:ln>
+                <a:solidFill>
+                  <a:srgbClr val="888888"/>
+                </a:solidFill>
+                <a:effectLst/>
+                <a:latin typeface="Courier New" panose="02070309020205020404" pitchFamily="49" charset="0"/>
+              </a:rPr>
+              <a:t># without hitting a `break` statement.</a:t>
+            </a:r>
+            <a:r>
+              <a:rPr kumimoji="0" lang="en-US" altLang="en-US" sz="1000" b="0" i="0" u="none" strike="noStrike" cap="none" normalizeH="0" baseline="0">
+                <a:ln>
+                  <a:noFill/>
+                </a:ln>
+                <a:solidFill>
+                  <a:srgbClr val="222222"/>
+                </a:solidFill>
+                <a:effectLst/>
+                <a:latin typeface="Courier New" panose="02070309020205020404" pitchFamily="49" charset="0"/>
+              </a:rPr>
+              <a:t> </a:t>
+            </a:r>
+            <a:r>
+              <a:rPr kumimoji="0" lang="en-US" altLang="en-US" sz="1000" b="1" i="0" u="none" strike="noStrike" cap="none" normalizeH="0" baseline="0">
+                <a:ln>
+                  <a:noFill/>
+                </a:ln>
+                <a:solidFill>
+                  <a:srgbClr val="008800"/>
+                </a:solidFill>
+                <a:effectLst/>
+                <a:latin typeface="Courier New" panose="02070309020205020404" pitchFamily="49" charset="0"/>
+              </a:rPr>
+              <a:t>raise</a:t>
+            </a:r>
+            <a:r>
+              <a:rPr kumimoji="0" lang="en-US" altLang="en-US" sz="1000" b="0" i="0" u="none" strike="noStrike" cap="none" normalizeH="0" baseline="0">
+                <a:ln>
+                  <a:noFill/>
+                </a:ln>
+                <a:solidFill>
+                  <a:srgbClr val="222222"/>
+                </a:solidFill>
+                <a:effectLst/>
+                <a:latin typeface="Courier New" panose="02070309020205020404" pitchFamily="49" charset="0"/>
+              </a:rPr>
+              <a:t> </a:t>
+            </a:r>
+            <a:r>
+              <a:rPr kumimoji="0" lang="en-US" altLang="en-US" sz="1000" b="1" i="0" u="none" strike="noStrike" cap="none" normalizeH="0" baseline="0">
+                <a:ln>
+                  <a:noFill/>
+                </a:ln>
+                <a:solidFill>
+                  <a:srgbClr val="FF0000"/>
+                </a:solidFill>
+                <a:effectLst/>
+                <a:latin typeface="Courier New" panose="02070309020205020404" pitchFamily="49" charset="0"/>
+              </a:rPr>
+              <a:t>ValueError</a:t>
+            </a:r>
+            <a:r>
+              <a:rPr kumimoji="0" lang="en-US" altLang="en-US" sz="1000" b="0" i="0" u="none" strike="noStrike" cap="none" normalizeH="0" baseline="0">
+                <a:ln>
+                  <a:noFill/>
+                </a:ln>
+                <a:solidFill>
+                  <a:srgbClr val="222222"/>
+                </a:solidFill>
+                <a:effectLst/>
+                <a:latin typeface="Courier New" panose="02070309020205020404" pitchFamily="49" charset="0"/>
+              </a:rPr>
+              <a:t>('Needle not found') </a:t>
+            </a:r>
+            <a:r>
+              <a:rPr kumimoji="0" lang="en-US" altLang="en-US" sz="1000" b="0" i="0" u="none" strike="noStrike" cap="none" normalizeH="0" baseline="0">
+                <a:ln>
+                  <a:noFill/>
+                </a:ln>
+                <a:solidFill>
+                  <a:srgbClr val="333333"/>
+                </a:solidFill>
+                <a:effectLst/>
+                <a:latin typeface="Courier New" panose="02070309020205020404" pitchFamily="49" charset="0"/>
+              </a:rPr>
+              <a:t>&gt;&gt;&gt;</a:t>
+            </a:r>
+            <a:r>
+              <a:rPr kumimoji="0" lang="en-US" altLang="en-US" sz="1000" b="0" i="0" u="none" strike="noStrike" cap="none" normalizeH="0" baseline="0">
+                <a:ln>
+                  <a:noFill/>
+                </a:ln>
+                <a:solidFill>
+                  <a:srgbClr val="222222"/>
+                </a:solidFill>
+                <a:effectLst/>
+                <a:latin typeface="Courier New" panose="02070309020205020404" pitchFamily="49" charset="0"/>
+              </a:rPr>
+              <a:t> contains([</a:t>
+            </a:r>
+            <a:r>
+              <a:rPr kumimoji="0" lang="en-US" altLang="en-US" sz="1000" b="1" i="0" u="none" strike="noStrike" cap="none" normalizeH="0" baseline="0">
+                <a:ln>
+                  <a:noFill/>
+                </a:ln>
+                <a:solidFill>
+                  <a:srgbClr val="0000DD"/>
+                </a:solidFill>
+                <a:effectLst/>
+                <a:latin typeface="Courier New" panose="02070309020205020404" pitchFamily="49" charset="0"/>
+              </a:rPr>
+              <a:t>23</a:t>
+            </a:r>
+            <a:r>
+              <a:rPr kumimoji="0" lang="en-US" altLang="en-US" sz="1000" b="0" i="0" u="none" strike="noStrike" cap="none" normalizeH="0" baseline="0">
+                <a:ln>
+                  <a:noFill/>
+                </a:ln>
+                <a:solidFill>
+                  <a:srgbClr val="222222"/>
+                </a:solidFill>
+                <a:effectLst/>
+                <a:latin typeface="Courier New" panose="02070309020205020404" pitchFamily="49" charset="0"/>
+              </a:rPr>
+              <a:t>, 'needle', </a:t>
+            </a:r>
+            <a:r>
+              <a:rPr kumimoji="0" lang="en-US" altLang="en-US" sz="1000" b="1" i="0" u="none" strike="noStrike" cap="none" normalizeH="0" baseline="0">
+                <a:ln>
+                  <a:noFill/>
+                </a:ln>
+                <a:solidFill>
+                  <a:srgbClr val="005588"/>
+                </a:solidFill>
+                <a:effectLst/>
+                <a:latin typeface="Courier New" panose="02070309020205020404" pitchFamily="49" charset="0"/>
+              </a:rPr>
+              <a:t>0xbadc0ffee</a:t>
+            </a:r>
+            <a:r>
+              <a:rPr kumimoji="0" lang="en-US" altLang="en-US" sz="1000" b="0" i="0" u="none" strike="noStrike" cap="none" normalizeH="0" baseline="0">
+                <a:ln>
+                  <a:noFill/>
+                </a:ln>
+                <a:solidFill>
+                  <a:srgbClr val="222222"/>
+                </a:solidFill>
+                <a:effectLst/>
+                <a:latin typeface="Courier New" panose="02070309020205020404" pitchFamily="49" charset="0"/>
+              </a:rPr>
+              <a:t>], 'needle') </a:t>
+            </a:r>
+            <a:r>
+              <a:rPr kumimoji="0" lang="en-US" altLang="en-US" sz="1000" b="0" i="0" u="none" strike="noStrike" cap="none" normalizeH="0" baseline="0">
+                <a:ln>
+                  <a:noFill/>
+                </a:ln>
+                <a:solidFill>
+                  <a:srgbClr val="007020"/>
+                </a:solidFill>
+                <a:effectLst/>
+                <a:latin typeface="Courier New" panose="02070309020205020404" pitchFamily="49" charset="0"/>
+              </a:rPr>
+              <a:t>None</a:t>
+            </a:r>
+            <a:r>
+              <a:rPr kumimoji="0" lang="en-US" altLang="en-US" sz="1000" b="0" i="0" u="none" strike="noStrike" cap="none" normalizeH="0" baseline="0">
+                <a:ln>
+                  <a:noFill/>
+                </a:ln>
+                <a:solidFill>
+                  <a:srgbClr val="222222"/>
+                </a:solidFill>
+                <a:effectLst/>
+                <a:latin typeface="Courier New" panose="02070309020205020404" pitchFamily="49" charset="0"/>
+              </a:rPr>
+              <a:t> </a:t>
+            </a:r>
+            <a:r>
+              <a:rPr kumimoji="0" lang="en-US" altLang="en-US" sz="1000" b="0" i="0" u="none" strike="noStrike" cap="none" normalizeH="0" baseline="0">
+                <a:ln>
+                  <a:noFill/>
+                </a:ln>
+                <a:solidFill>
+                  <a:srgbClr val="333333"/>
+                </a:solidFill>
+                <a:effectLst/>
+                <a:latin typeface="Courier New" panose="02070309020205020404" pitchFamily="49" charset="0"/>
+              </a:rPr>
+              <a:t>&gt;&gt;&gt;</a:t>
+            </a:r>
+            <a:r>
+              <a:rPr kumimoji="0" lang="en-US" altLang="en-US" sz="1000" b="0" i="0" u="none" strike="noStrike" cap="none" normalizeH="0" baseline="0">
+                <a:ln>
+                  <a:noFill/>
+                </a:ln>
+                <a:solidFill>
+                  <a:srgbClr val="222222"/>
+                </a:solidFill>
+                <a:effectLst/>
+                <a:latin typeface="Courier New" panose="02070309020205020404" pitchFamily="49" charset="0"/>
+              </a:rPr>
+              <a:t> contains([</a:t>
+            </a:r>
+            <a:r>
+              <a:rPr kumimoji="0" lang="en-US" altLang="en-US" sz="1000" b="1" i="0" u="none" strike="noStrike" cap="none" normalizeH="0" baseline="0">
+                <a:ln>
+                  <a:noFill/>
+                </a:ln>
+                <a:solidFill>
+                  <a:srgbClr val="0000DD"/>
+                </a:solidFill>
+                <a:effectLst/>
+                <a:latin typeface="Courier New" panose="02070309020205020404" pitchFamily="49" charset="0"/>
+              </a:rPr>
+              <a:t>23</a:t>
+            </a:r>
+            <a:r>
+              <a:rPr kumimoji="0" lang="en-US" altLang="en-US" sz="1000" b="0" i="0" u="none" strike="noStrike" cap="none" normalizeH="0" baseline="0">
+                <a:ln>
+                  <a:noFill/>
+                </a:ln>
+                <a:solidFill>
+                  <a:srgbClr val="222222"/>
+                </a:solidFill>
+                <a:effectLst/>
+                <a:latin typeface="Courier New" panose="02070309020205020404" pitchFamily="49" charset="0"/>
+              </a:rPr>
+              <a:t>, </a:t>
+            </a:r>
+            <a:r>
+              <a:rPr kumimoji="0" lang="en-US" altLang="en-US" sz="1000" b="1" i="0" u="none" strike="noStrike" cap="none" normalizeH="0" baseline="0">
+                <a:ln>
+                  <a:noFill/>
+                </a:ln>
+                <a:solidFill>
+                  <a:srgbClr val="0000DD"/>
+                </a:solidFill>
+                <a:effectLst/>
+                <a:latin typeface="Courier New" panose="02070309020205020404" pitchFamily="49" charset="0"/>
+              </a:rPr>
+              <a:t>42</a:t>
+            </a:r>
+            <a:r>
+              <a:rPr kumimoji="0" lang="en-US" altLang="en-US" sz="1000" b="0" i="0" u="none" strike="noStrike" cap="none" normalizeH="0" baseline="0">
+                <a:ln>
+                  <a:noFill/>
+                </a:ln>
+                <a:solidFill>
+                  <a:srgbClr val="222222"/>
+                </a:solidFill>
+                <a:effectLst/>
+                <a:latin typeface="Courier New" panose="02070309020205020404" pitchFamily="49" charset="0"/>
+              </a:rPr>
+              <a:t>, </a:t>
+            </a:r>
+            <a:r>
+              <a:rPr kumimoji="0" lang="en-US" altLang="en-US" sz="1000" b="1" i="0" u="none" strike="noStrike" cap="none" normalizeH="0" baseline="0">
+                <a:ln>
+                  <a:noFill/>
+                </a:ln>
+                <a:solidFill>
+                  <a:srgbClr val="005588"/>
+                </a:solidFill>
+                <a:effectLst/>
+                <a:latin typeface="Courier New" panose="02070309020205020404" pitchFamily="49" charset="0"/>
+              </a:rPr>
+              <a:t>0xbadc0ffee</a:t>
+            </a:r>
+            <a:r>
+              <a:rPr kumimoji="0" lang="en-US" altLang="en-US" sz="1000" b="0" i="0" u="none" strike="noStrike" cap="none" normalizeH="0" baseline="0">
+                <a:ln>
+                  <a:noFill/>
+                </a:ln>
+                <a:solidFill>
+                  <a:srgbClr val="222222"/>
+                </a:solidFill>
+                <a:effectLst/>
+                <a:latin typeface="Courier New" panose="02070309020205020404" pitchFamily="49" charset="0"/>
+              </a:rPr>
+              <a:t>], 'needle') </a:t>
+            </a:r>
+            <a:r>
+              <a:rPr kumimoji="0" lang="en-US" altLang="en-US" sz="1000" b="1" i="0" u="none" strike="noStrike" cap="none" normalizeH="0" baseline="0">
+                <a:ln>
+                  <a:noFill/>
+                </a:ln>
+                <a:solidFill>
+                  <a:srgbClr val="FF0000"/>
+                </a:solidFill>
+                <a:effectLst/>
+                <a:latin typeface="Courier New" panose="02070309020205020404" pitchFamily="49" charset="0"/>
+              </a:rPr>
+              <a:t>ValueError</a:t>
+            </a:r>
+            <a:r>
+              <a:rPr kumimoji="0" lang="en-US" altLang="en-US" sz="1000" b="0" i="0" u="none" strike="noStrike" cap="none" normalizeH="0" baseline="0">
+                <a:ln>
+                  <a:noFill/>
+                </a:ln>
+                <a:solidFill>
+                  <a:srgbClr val="222222"/>
+                </a:solidFill>
+                <a:effectLst/>
+                <a:latin typeface="Courier New" panose="02070309020205020404" pitchFamily="49" charset="0"/>
+              </a:rPr>
+              <a:t>: "Needle not found" </a:t>
+            </a:r>
+            <a:r>
+              <a:rPr kumimoji="0" lang="en-US" altLang="en-US" sz="1000" b="0" i="0" u="none" strike="noStrike" cap="none" normalizeH="0" baseline="0">
+                <a:ln>
+                  <a:noFill/>
+                </a:ln>
+                <a:solidFill>
+                  <a:srgbClr val="888888"/>
+                </a:solidFill>
+                <a:effectLst/>
+                <a:latin typeface="Courier New" panose="02070309020205020404" pitchFamily="49" charset="0"/>
+              </a:rPr>
+              <a:t># Personally, I'm not a fan of the `else`</a:t>
+            </a:r>
+            <a:r>
+              <a:rPr kumimoji="0" lang="en-US" altLang="en-US" sz="1000" b="0" i="0" u="none" strike="noStrike" cap="none" normalizeH="0" baseline="0">
+                <a:ln>
+                  <a:noFill/>
+                </a:ln>
+                <a:solidFill>
+                  <a:srgbClr val="222222"/>
+                </a:solidFill>
+                <a:effectLst/>
+                <a:latin typeface="Courier New" panose="02070309020205020404" pitchFamily="49" charset="0"/>
+              </a:rPr>
+              <a:t> </a:t>
+            </a:r>
+            <a:r>
+              <a:rPr kumimoji="0" lang="en-US" altLang="en-US" sz="1000" b="0" i="0" u="none" strike="noStrike" cap="none" normalizeH="0" baseline="0">
+                <a:ln>
+                  <a:noFill/>
+                </a:ln>
+                <a:solidFill>
+                  <a:srgbClr val="888888"/>
+                </a:solidFill>
+                <a:effectLst/>
+                <a:latin typeface="Courier New" panose="02070309020205020404" pitchFamily="49" charset="0"/>
+              </a:rPr>
+              <a:t># "completion clause" in loops because</a:t>
+            </a:r>
+            <a:r>
+              <a:rPr kumimoji="0" lang="en-US" altLang="en-US" sz="1000" b="0" i="0" u="none" strike="noStrike" cap="none" normalizeH="0" baseline="0">
+                <a:ln>
+                  <a:noFill/>
+                </a:ln>
+                <a:solidFill>
+                  <a:srgbClr val="222222"/>
+                </a:solidFill>
+                <a:effectLst/>
+                <a:latin typeface="Courier New" panose="02070309020205020404" pitchFamily="49" charset="0"/>
+              </a:rPr>
+              <a:t> </a:t>
+            </a:r>
+            <a:r>
+              <a:rPr kumimoji="0" lang="en-US" altLang="en-US" sz="1000" b="0" i="0" u="none" strike="noStrike" cap="none" normalizeH="0" baseline="0">
+                <a:ln>
+                  <a:noFill/>
+                </a:ln>
+                <a:solidFill>
+                  <a:srgbClr val="888888"/>
+                </a:solidFill>
+                <a:effectLst/>
+                <a:latin typeface="Courier New" panose="02070309020205020404" pitchFamily="49" charset="0"/>
+              </a:rPr>
+              <a:t># I find it confusing. I'd rather do</a:t>
+            </a:r>
+            <a:r>
+              <a:rPr kumimoji="0" lang="en-US" altLang="en-US" sz="1000" b="0" i="0" u="none" strike="noStrike" cap="none" normalizeH="0" baseline="0">
+                <a:ln>
+                  <a:noFill/>
+                </a:ln>
+                <a:solidFill>
+                  <a:srgbClr val="222222"/>
+                </a:solidFill>
+                <a:effectLst/>
+                <a:latin typeface="Courier New" panose="02070309020205020404" pitchFamily="49" charset="0"/>
+              </a:rPr>
+              <a:t> </a:t>
+            </a:r>
+            <a:r>
+              <a:rPr kumimoji="0" lang="en-US" altLang="en-US" sz="1000" b="0" i="0" u="none" strike="noStrike" cap="none" normalizeH="0" baseline="0">
+                <a:ln>
+                  <a:noFill/>
+                </a:ln>
+                <a:solidFill>
+                  <a:srgbClr val="888888"/>
+                </a:solidFill>
+                <a:effectLst/>
+                <a:latin typeface="Courier New" panose="02070309020205020404" pitchFamily="49" charset="0"/>
+              </a:rPr>
+              <a:t># something like this:</a:t>
+            </a:r>
+            <a:r>
+              <a:rPr kumimoji="0" lang="en-US" altLang="en-US" sz="1000" b="0" i="0" u="none" strike="noStrike" cap="none" normalizeH="0" baseline="0">
+                <a:ln>
+                  <a:noFill/>
+                </a:ln>
+                <a:solidFill>
+                  <a:srgbClr val="222222"/>
+                </a:solidFill>
+                <a:effectLst/>
+                <a:latin typeface="Courier New" panose="02070309020205020404" pitchFamily="49" charset="0"/>
+              </a:rPr>
+              <a:t> </a:t>
+            </a:r>
+            <a:r>
+              <a:rPr kumimoji="0" lang="en-US" altLang="en-US" sz="1000" b="1" i="0" u="none" strike="noStrike" cap="none" normalizeH="0" baseline="0">
+                <a:ln>
+                  <a:noFill/>
+                </a:ln>
+                <a:solidFill>
+                  <a:srgbClr val="008800"/>
+                </a:solidFill>
+                <a:effectLst/>
+                <a:latin typeface="Courier New" panose="02070309020205020404" pitchFamily="49" charset="0"/>
+              </a:rPr>
+              <a:t>def</a:t>
+            </a:r>
+            <a:r>
+              <a:rPr kumimoji="0" lang="en-US" altLang="en-US" sz="1000" b="0" i="0" u="none" strike="noStrike" cap="none" normalizeH="0" baseline="0">
+                <a:ln>
+                  <a:noFill/>
+                </a:ln>
+                <a:solidFill>
+                  <a:srgbClr val="222222"/>
+                </a:solidFill>
+                <a:effectLst/>
+                <a:latin typeface="Courier New" panose="02070309020205020404" pitchFamily="49" charset="0"/>
+              </a:rPr>
+              <a:t> </a:t>
+            </a:r>
+            <a:r>
+              <a:rPr kumimoji="0" lang="en-US" altLang="en-US" sz="1000" b="1" i="0" u="none" strike="noStrike" cap="none" normalizeH="0" baseline="0">
+                <a:ln>
+                  <a:noFill/>
+                </a:ln>
+                <a:solidFill>
+                  <a:srgbClr val="0066BB"/>
+                </a:solidFill>
+                <a:effectLst/>
+                <a:latin typeface="Courier New" panose="02070309020205020404" pitchFamily="49" charset="0"/>
+              </a:rPr>
+              <a:t>better_contains</a:t>
+            </a:r>
+            <a:r>
+              <a:rPr kumimoji="0" lang="en-US" altLang="en-US" sz="1000" b="0" i="0" u="none" strike="noStrike" cap="none" normalizeH="0" baseline="0">
+                <a:ln>
+                  <a:noFill/>
+                </a:ln>
+                <a:solidFill>
+                  <a:srgbClr val="222222"/>
+                </a:solidFill>
+                <a:effectLst/>
+                <a:latin typeface="Courier New" panose="02070309020205020404" pitchFamily="49" charset="0"/>
+              </a:rPr>
+              <a:t>(haystack, needle): </a:t>
+            </a:r>
+            <a:r>
+              <a:rPr kumimoji="0" lang="en-US" altLang="en-US" sz="1000" b="1" i="0" u="none" strike="noStrike" cap="none" normalizeH="0" baseline="0">
+                <a:ln>
+                  <a:noFill/>
+                </a:ln>
+                <a:solidFill>
+                  <a:srgbClr val="008800"/>
+                </a:solidFill>
+                <a:effectLst/>
+                <a:latin typeface="Courier New" panose="02070309020205020404" pitchFamily="49" charset="0"/>
+              </a:rPr>
+              <a:t>for</a:t>
+            </a:r>
+            <a:r>
+              <a:rPr kumimoji="0" lang="en-US" altLang="en-US" sz="1000" b="0" i="0" u="none" strike="noStrike" cap="none" normalizeH="0" baseline="0">
+                <a:ln>
+                  <a:noFill/>
+                </a:ln>
+                <a:solidFill>
+                  <a:srgbClr val="222222"/>
+                </a:solidFill>
+                <a:effectLst/>
+                <a:latin typeface="Courier New" panose="02070309020205020404" pitchFamily="49" charset="0"/>
+              </a:rPr>
+              <a:t> item </a:t>
+            </a:r>
+            <a:r>
+              <a:rPr kumimoji="0" lang="en-US" altLang="en-US" sz="1000" b="1" i="0" u="none" strike="noStrike" cap="none" normalizeH="0" baseline="0">
+                <a:ln>
+                  <a:noFill/>
+                </a:ln>
+                <a:solidFill>
+                  <a:srgbClr val="000000"/>
+                </a:solidFill>
+                <a:effectLst/>
+                <a:latin typeface="Courier New" panose="02070309020205020404" pitchFamily="49" charset="0"/>
+              </a:rPr>
+              <a:t>in</a:t>
+            </a:r>
+            <a:r>
+              <a:rPr kumimoji="0" lang="en-US" altLang="en-US" sz="1000" b="0" i="0" u="none" strike="noStrike" cap="none" normalizeH="0" baseline="0">
+                <a:ln>
+                  <a:noFill/>
+                </a:ln>
+                <a:solidFill>
+                  <a:srgbClr val="222222"/>
+                </a:solidFill>
+                <a:effectLst/>
+                <a:latin typeface="Courier New" panose="02070309020205020404" pitchFamily="49" charset="0"/>
+              </a:rPr>
+              <a:t> haystack: </a:t>
+            </a:r>
+            <a:r>
+              <a:rPr kumimoji="0" lang="en-US" altLang="en-US" sz="1000" b="1" i="0" u="none" strike="noStrike" cap="none" normalizeH="0" baseline="0">
+                <a:ln>
+                  <a:noFill/>
+                </a:ln>
+                <a:solidFill>
+                  <a:srgbClr val="008800"/>
+                </a:solidFill>
+                <a:effectLst/>
+                <a:latin typeface="Courier New" panose="02070309020205020404" pitchFamily="49" charset="0"/>
+              </a:rPr>
+              <a:t>if</a:t>
+            </a:r>
+            <a:r>
+              <a:rPr kumimoji="0" lang="en-US" altLang="en-US" sz="1000" b="0" i="0" u="none" strike="noStrike" cap="none" normalizeH="0" baseline="0">
+                <a:ln>
+                  <a:noFill/>
+                </a:ln>
+                <a:solidFill>
+                  <a:srgbClr val="222222"/>
+                </a:solidFill>
+                <a:effectLst/>
+                <a:latin typeface="Courier New" panose="02070309020205020404" pitchFamily="49" charset="0"/>
+              </a:rPr>
+              <a:t> item </a:t>
+            </a:r>
+            <a:r>
+              <a:rPr kumimoji="0" lang="en-US" altLang="en-US" sz="1000" b="0" i="0" u="none" strike="noStrike" cap="none" normalizeH="0" baseline="0">
+                <a:ln>
+                  <a:noFill/>
+                </a:ln>
+                <a:solidFill>
+                  <a:srgbClr val="333333"/>
+                </a:solidFill>
+                <a:effectLst/>
+                <a:latin typeface="Courier New" panose="02070309020205020404" pitchFamily="49" charset="0"/>
+              </a:rPr>
+              <a:t>==</a:t>
+            </a:r>
+            <a:r>
+              <a:rPr kumimoji="0" lang="en-US" altLang="en-US" sz="1000" b="0" i="0" u="none" strike="noStrike" cap="none" normalizeH="0" baseline="0">
+                <a:ln>
+                  <a:noFill/>
+                </a:ln>
+                <a:solidFill>
+                  <a:srgbClr val="222222"/>
+                </a:solidFill>
+                <a:effectLst/>
+                <a:latin typeface="Courier New" panose="02070309020205020404" pitchFamily="49" charset="0"/>
+              </a:rPr>
+              <a:t> needle: </a:t>
+            </a:r>
+            <a:r>
+              <a:rPr kumimoji="0" lang="en-US" altLang="en-US" sz="1000" b="1" i="0" u="none" strike="noStrike" cap="none" normalizeH="0" baseline="0">
+                <a:ln>
+                  <a:noFill/>
+                </a:ln>
+                <a:solidFill>
+                  <a:srgbClr val="008800"/>
+                </a:solidFill>
+                <a:effectLst/>
+                <a:latin typeface="Courier New" panose="02070309020205020404" pitchFamily="49" charset="0"/>
+              </a:rPr>
+              <a:t>return</a:t>
+            </a:r>
+            <a:r>
+              <a:rPr kumimoji="0" lang="en-US" altLang="en-US" sz="1000" b="0" i="0" u="none" strike="noStrike" cap="none" normalizeH="0" baseline="0">
+                <a:ln>
+                  <a:noFill/>
+                </a:ln>
+                <a:solidFill>
+                  <a:srgbClr val="222222"/>
+                </a:solidFill>
+                <a:effectLst/>
+                <a:latin typeface="Courier New" panose="02070309020205020404" pitchFamily="49" charset="0"/>
+              </a:rPr>
+              <a:t> </a:t>
+            </a:r>
+            <a:r>
+              <a:rPr kumimoji="0" lang="en-US" altLang="en-US" sz="1000" b="1" i="0" u="none" strike="noStrike" cap="none" normalizeH="0" baseline="0">
+                <a:ln>
+                  <a:noFill/>
+                </a:ln>
+                <a:solidFill>
+                  <a:srgbClr val="008800"/>
+                </a:solidFill>
+                <a:effectLst/>
+                <a:latin typeface="Courier New" panose="02070309020205020404" pitchFamily="49" charset="0"/>
+              </a:rPr>
+              <a:t>raise</a:t>
+            </a:r>
+            <a:r>
+              <a:rPr kumimoji="0" lang="en-US" altLang="en-US" sz="1000" b="0" i="0" u="none" strike="noStrike" cap="none" normalizeH="0" baseline="0">
+                <a:ln>
+                  <a:noFill/>
+                </a:ln>
+                <a:solidFill>
+                  <a:srgbClr val="222222"/>
+                </a:solidFill>
+                <a:effectLst/>
+                <a:latin typeface="Courier New" panose="02070309020205020404" pitchFamily="49" charset="0"/>
+              </a:rPr>
+              <a:t> </a:t>
+            </a:r>
+            <a:r>
+              <a:rPr kumimoji="0" lang="en-US" altLang="en-US" sz="1000" b="1" i="0" u="none" strike="noStrike" cap="none" normalizeH="0" baseline="0">
+                <a:ln>
+                  <a:noFill/>
+                </a:ln>
+                <a:solidFill>
+                  <a:srgbClr val="FF0000"/>
+                </a:solidFill>
+                <a:effectLst/>
+                <a:latin typeface="Courier New" panose="02070309020205020404" pitchFamily="49" charset="0"/>
+              </a:rPr>
+              <a:t>ValueError</a:t>
+            </a:r>
+            <a:r>
+              <a:rPr kumimoji="0" lang="en-US" altLang="en-US" sz="1000" b="0" i="0" u="none" strike="noStrike" cap="none" normalizeH="0" baseline="0">
+                <a:ln>
+                  <a:noFill/>
+                </a:ln>
+                <a:solidFill>
+                  <a:srgbClr val="222222"/>
+                </a:solidFill>
+                <a:effectLst/>
+                <a:latin typeface="Courier New" panose="02070309020205020404" pitchFamily="49" charset="0"/>
+              </a:rPr>
+              <a:t>('Needle not found') </a:t>
+            </a:r>
+            <a:r>
+              <a:rPr kumimoji="0" lang="en-US" altLang="en-US" sz="1000" b="0" i="0" u="none" strike="noStrike" cap="none" normalizeH="0" baseline="0">
+                <a:ln>
+                  <a:noFill/>
+                </a:ln>
+                <a:solidFill>
+                  <a:srgbClr val="888888"/>
+                </a:solidFill>
+                <a:effectLst/>
+                <a:latin typeface="Courier New" panose="02070309020205020404" pitchFamily="49" charset="0"/>
+              </a:rPr>
+              <a:t># Note: Typically you'd write something</a:t>
+            </a:r>
+            <a:r>
+              <a:rPr kumimoji="0" lang="en-US" altLang="en-US" sz="1000" b="0" i="0" u="none" strike="noStrike" cap="none" normalizeH="0" baseline="0">
+                <a:ln>
+                  <a:noFill/>
+                </a:ln>
+                <a:solidFill>
+                  <a:srgbClr val="222222"/>
+                </a:solidFill>
+                <a:effectLst/>
+                <a:latin typeface="Courier New" panose="02070309020205020404" pitchFamily="49" charset="0"/>
+              </a:rPr>
+              <a:t> </a:t>
+            </a:r>
+            <a:r>
+              <a:rPr kumimoji="0" lang="en-US" altLang="en-US" sz="1000" b="0" i="0" u="none" strike="noStrike" cap="none" normalizeH="0" baseline="0">
+                <a:ln>
+                  <a:noFill/>
+                </a:ln>
+                <a:solidFill>
+                  <a:srgbClr val="888888"/>
+                </a:solidFill>
+                <a:effectLst/>
+                <a:latin typeface="Courier New" panose="02070309020205020404" pitchFamily="49" charset="0"/>
+              </a:rPr>
+              <a:t># like this to do a membership test,</a:t>
+            </a:r>
+            <a:r>
+              <a:rPr kumimoji="0" lang="en-US" altLang="en-US" sz="1000" b="0" i="0" u="none" strike="noStrike" cap="none" normalizeH="0" baseline="0">
+                <a:ln>
+                  <a:noFill/>
+                </a:ln>
+                <a:solidFill>
+                  <a:srgbClr val="222222"/>
+                </a:solidFill>
+                <a:effectLst/>
+                <a:latin typeface="Courier New" panose="02070309020205020404" pitchFamily="49" charset="0"/>
+              </a:rPr>
+              <a:t> </a:t>
+            </a:r>
+            <a:r>
+              <a:rPr kumimoji="0" lang="en-US" altLang="en-US" sz="1000" b="0" i="0" u="none" strike="noStrike" cap="none" normalizeH="0" baseline="0">
+                <a:ln>
+                  <a:noFill/>
+                </a:ln>
+                <a:solidFill>
+                  <a:srgbClr val="888888"/>
+                </a:solidFill>
+                <a:effectLst/>
+                <a:latin typeface="Courier New" panose="02070309020205020404" pitchFamily="49" charset="0"/>
+              </a:rPr>
+              <a:t># which is much more Pythonic:</a:t>
+            </a:r>
+            <a:r>
+              <a:rPr kumimoji="0" lang="en-US" altLang="en-US" sz="1000" b="0" i="0" u="none" strike="noStrike" cap="none" normalizeH="0" baseline="0">
+                <a:ln>
+                  <a:noFill/>
+                </a:ln>
+                <a:solidFill>
+                  <a:srgbClr val="222222"/>
+                </a:solidFill>
+                <a:effectLst/>
+                <a:latin typeface="Courier New" panose="02070309020205020404" pitchFamily="49" charset="0"/>
+              </a:rPr>
+              <a:t> </a:t>
+            </a:r>
+            <a:r>
+              <a:rPr kumimoji="0" lang="en-US" altLang="en-US" sz="1000" b="1" i="0" u="none" strike="noStrike" cap="none" normalizeH="0" baseline="0">
+                <a:ln>
+                  <a:noFill/>
+                </a:ln>
+                <a:solidFill>
+                  <a:srgbClr val="008800"/>
+                </a:solidFill>
+                <a:effectLst/>
+                <a:latin typeface="Courier New" panose="02070309020205020404" pitchFamily="49" charset="0"/>
+              </a:rPr>
+              <a:t>if</a:t>
+            </a:r>
+            <a:r>
+              <a:rPr kumimoji="0" lang="en-US" altLang="en-US" sz="1000" b="0" i="0" u="none" strike="noStrike" cap="none" normalizeH="0" baseline="0">
+                <a:ln>
+                  <a:noFill/>
+                </a:ln>
+                <a:solidFill>
+                  <a:srgbClr val="222222"/>
+                </a:solidFill>
+                <a:effectLst/>
+                <a:latin typeface="Courier New" panose="02070309020205020404" pitchFamily="49" charset="0"/>
+              </a:rPr>
+              <a:t> needle </a:t>
+            </a:r>
+            <a:r>
+              <a:rPr kumimoji="0" lang="en-US" altLang="en-US" sz="1000" b="1" i="0" u="none" strike="noStrike" cap="none" normalizeH="0" baseline="0">
+                <a:ln>
+                  <a:noFill/>
+                </a:ln>
+                <a:solidFill>
+                  <a:srgbClr val="000000"/>
+                </a:solidFill>
+                <a:effectLst/>
+                <a:latin typeface="Courier New" panose="02070309020205020404" pitchFamily="49" charset="0"/>
+              </a:rPr>
+              <a:t>not</a:t>
+            </a:r>
+            <a:r>
+              <a:rPr kumimoji="0" lang="en-US" altLang="en-US" sz="1000" b="0" i="0" u="none" strike="noStrike" cap="none" normalizeH="0" baseline="0">
+                <a:ln>
+                  <a:noFill/>
+                </a:ln>
+                <a:solidFill>
+                  <a:srgbClr val="222222"/>
+                </a:solidFill>
+                <a:effectLst/>
+                <a:latin typeface="Courier New" panose="02070309020205020404" pitchFamily="49" charset="0"/>
+              </a:rPr>
+              <a:t> </a:t>
+            </a:r>
+            <a:r>
+              <a:rPr kumimoji="0" lang="en-US" altLang="en-US" sz="1000" b="1" i="0" u="none" strike="noStrike" cap="none" normalizeH="0" baseline="0">
+                <a:ln>
+                  <a:noFill/>
+                </a:ln>
+                <a:solidFill>
+                  <a:srgbClr val="000000"/>
+                </a:solidFill>
+                <a:effectLst/>
+                <a:latin typeface="Courier New" panose="02070309020205020404" pitchFamily="49" charset="0"/>
+              </a:rPr>
+              <a:t>in</a:t>
+            </a:r>
+            <a:r>
+              <a:rPr kumimoji="0" lang="en-US" altLang="en-US" sz="1000" b="0" i="0" u="none" strike="noStrike" cap="none" normalizeH="0" baseline="0">
+                <a:ln>
+                  <a:noFill/>
+                </a:ln>
+                <a:solidFill>
+                  <a:srgbClr val="222222"/>
+                </a:solidFill>
+                <a:effectLst/>
+                <a:latin typeface="Courier New" panose="02070309020205020404" pitchFamily="49" charset="0"/>
+              </a:rPr>
+              <a:t> haystack: </a:t>
+            </a:r>
+            <a:r>
+              <a:rPr kumimoji="0" lang="en-US" altLang="en-US" sz="1000" b="1" i="0" u="none" strike="noStrike" cap="none" normalizeH="0" baseline="0">
+                <a:ln>
+                  <a:noFill/>
+                </a:ln>
+                <a:solidFill>
+                  <a:srgbClr val="008800"/>
+                </a:solidFill>
+                <a:effectLst/>
+                <a:latin typeface="Courier New" panose="02070309020205020404" pitchFamily="49" charset="0"/>
+              </a:rPr>
+              <a:t>raise</a:t>
+            </a:r>
+            <a:r>
+              <a:rPr kumimoji="0" lang="en-US" altLang="en-US" sz="1000" b="0" i="0" u="none" strike="noStrike" cap="none" normalizeH="0" baseline="0">
+                <a:ln>
+                  <a:noFill/>
+                </a:ln>
+                <a:solidFill>
+                  <a:srgbClr val="222222"/>
+                </a:solidFill>
+                <a:effectLst/>
+                <a:latin typeface="Courier New" panose="02070309020205020404" pitchFamily="49" charset="0"/>
+              </a:rPr>
+              <a:t> </a:t>
+            </a:r>
+            <a:r>
+              <a:rPr kumimoji="0" lang="en-US" altLang="en-US" sz="1000" b="1" i="0" u="none" strike="noStrike" cap="none" normalizeH="0" baseline="0">
+                <a:ln>
+                  <a:noFill/>
+                </a:ln>
+                <a:solidFill>
+                  <a:srgbClr val="FF0000"/>
+                </a:solidFill>
+                <a:effectLst/>
+                <a:latin typeface="Courier New" panose="02070309020205020404" pitchFamily="49" charset="0"/>
+              </a:rPr>
+              <a:t>ValueError</a:t>
+            </a:r>
+            <a:r>
+              <a:rPr kumimoji="0" lang="en-US" altLang="en-US" sz="1000" b="0" i="0" u="none" strike="noStrike" cap="none" normalizeH="0" baseline="0">
+                <a:ln>
+                  <a:noFill/>
+                </a:ln>
+                <a:solidFill>
+                  <a:srgbClr val="222222"/>
+                </a:solidFill>
+                <a:effectLst/>
+                <a:latin typeface="Courier New" panose="02070309020205020404" pitchFamily="49" charset="0"/>
+              </a:rPr>
+              <a:t>('Needle not found')</a:t>
+            </a:r>
+            <a:r>
+              <a:rPr kumimoji="0" lang="en-US" altLang="en-US" sz="800" b="0" i="0" u="none" strike="noStrike" cap="none" normalizeH="0" baseline="0">
+                <a:ln>
+                  <a:noFill/>
+                </a:ln>
+                <a:solidFill>
+                  <a:schemeClr val="tx1"/>
+                </a:solidFill>
+                <a:effectLst/>
+              </a:rPr>
+              <a:t> </a:t>
+            </a:r>
+            <a:endParaRPr kumimoji="0" lang="en-US" altLang="en-US" sz="1800" b="0" i="0" u="none" strike="noStrike" cap="none" normalizeH="0" baseline="0">
+              <a:ln>
+                <a:noFill/>
+              </a:ln>
+              <a:solidFill>
+                <a:schemeClr val="tx1"/>
+              </a:solidFill>
+              <a:effectLst/>
+              <a:latin typeface="Arial" panose="020B0604020202020204" pitchFamily="34" charset="0"/>
+            </a:endParaRPr>
+          </a:p>
+        </p:txBody>
+      </p:sp>
+    </p:spTree>
+    <p:extLst>
+      <p:ext uri="{BB962C8B-B14F-4D97-AF65-F5344CB8AC3E}">
+        <p14:creationId xmlns:p14="http://schemas.microsoft.com/office/powerpoint/2010/main" val="1016778438"/>
+      </p:ext>
+    </p:extLst>
+  </p:cSld>
+  <p:clrMapOvr>
+    <a:masterClrMapping/>
+  </p:clrMapOvr>
+</p:sld>
+</file>
+
 <file path=ppt/slides/slide2.xml><?xml version="1.0" encoding="utf-8"?>
 <p:sld xmlns:a="http://schemas.openxmlformats.org/drawingml/2006/main" xmlns:r="http://schemas.openxmlformats.org/officeDocument/2006/relationships" xmlns:p="http://schemas.openxmlformats.org/presentationml/2006/main">
   <p:cSld>
@@ -4602,7 +7087,7 @@
           <a:p>
             <a:r>
               <a:rPr lang="en-US" dirty="0"/>
-              <a:t>Statements to be executed…</a:t>
+              <a:t>   Statements to be executed…</a:t>
             </a:r>
           </a:p>
           <a:p>
@@ -4632,7 +7117,7 @@
           <a:p>
             <a:r>
               <a:rPr lang="en-US" dirty="0"/>
-              <a:t>Statements to be executed…</a:t>
+              <a:t>   Statements to be executed…</a:t>
             </a:r>
           </a:p>
           <a:p>
@@ -4719,7 +7204,12 @@
             <p:ph idx="1"/>
           </p:nvPr>
         </p:nvSpPr>
-        <p:spPr/>
+        <p:spPr>
+          <a:xfrm>
+            <a:off x="1264328" y="1792649"/>
+            <a:ext cx="10515600" cy="4351338"/>
+          </a:xfrm>
+        </p:spPr>
         <p:txBody>
           <a:bodyPr>
             <a:normAutofit lnSpcReduction="10000"/>
@@ -4749,7 +7239,15 @@
             </a:pPr>
             <a:r>
               <a:rPr lang="en-US" dirty="0"/>
-              <a:t> if b&gt;a:</a:t>
+              <a:t> </a:t>
+            </a:r>
+            <a:r>
+              <a:rPr lang="en-US" b="1" dirty="0"/>
+              <a:t>if</a:t>
+            </a:r>
+            <a:r>
+              <a:rPr lang="en-US" dirty="0"/>
+              <a:t> b&gt;a:</a:t>
             </a:r>
           </a:p>
           <a:p>
@@ -4772,8 +7270,12 @@
               <a:buNone/>
             </a:pPr>
             <a:r>
+              <a:rPr lang="en-US" b="1" dirty="0"/>
+              <a:t>If </a:t>
+            </a:r>
+            <a:r>
               <a:rPr lang="en-US" dirty="0"/>
-              <a:t>If a&gt;b:</a:t>
+              <a:t>a&gt;b:</a:t>
             </a:r>
           </a:p>
           <a:p>
@@ -4790,8 +7292,12 @@
               <a:buNone/>
             </a:pPr>
             <a:r>
+              <a:rPr lang="en-US" b="1" dirty="0"/>
+              <a:t>else</a:t>
+            </a:r>
+            <a:r>
               <a:rPr lang="en-US" dirty="0"/>
-              <a:t> else:</a:t>
+              <a:t>:</a:t>
             </a:r>
           </a:p>
           <a:p>
@@ -4822,7 +7328,7 @@
         </p:nvCxnSpPr>
         <p:spPr>
           <a:xfrm>
-            <a:off x="719091" y="3968318"/>
+            <a:off x="1411549" y="3968318"/>
             <a:ext cx="9641150" cy="0"/>
           </a:xfrm>
           <a:prstGeom prst="line">
@@ -4919,98 +7425,116 @@
             <p:ph idx="1"/>
           </p:nvPr>
         </p:nvSpPr>
-        <p:spPr/>
+        <p:spPr>
+          <a:xfrm>
+            <a:off x="1370860" y="1690688"/>
+            <a:ext cx="10515600" cy="4351338"/>
+          </a:xfrm>
+        </p:spPr>
         <p:txBody>
           <a:bodyPr>
-            <a:normAutofit lnSpcReduction="10000"/>
+            <a:normAutofit/>
           </a:bodyPr>
           <a:lstStyle/>
           <a:p>
-            <a:pPr marL="0" indent="0">
-              <a:buNone/>
-            </a:pPr>
-            <a:r>
-              <a:rPr lang="en-US" dirty="0"/>
-              <a:t> a=10</a:t>
-            </a:r>
-          </a:p>
-          <a:p>
-            <a:pPr marL="0" indent="0">
-              <a:buNone/>
-            </a:pPr>
-            <a:r>
-              <a:rPr lang="en-US" dirty="0"/>
-              <a:t> b=20</a:t>
-            </a:r>
-          </a:p>
-          <a:p>
-            <a:pPr marL="0" indent="0">
-              <a:buNone/>
-            </a:pPr>
-            <a:r>
-              <a:rPr lang="en-US" dirty="0"/>
-              <a:t> c=30</a:t>
-            </a:r>
-          </a:p>
-          <a:p>
-            <a:pPr marL="0" indent="0">
-              <a:buNone/>
-            </a:pPr>
-            <a:r>
-              <a:rPr lang="en-US" dirty="0"/>
-              <a:t>  if (a&gt;b) &amp; (a&gt;c):</a:t>
-            </a:r>
-          </a:p>
-          <a:p>
-            <a:pPr marL="0" indent="0">
-              <a:buNone/>
-            </a:pPr>
-            <a:r>
-              <a:rPr lang="en-US" dirty="0"/>
-              <a:t>      print(“a is the greatest”)</a:t>
-            </a:r>
-          </a:p>
-          <a:p>
-            <a:pPr marL="0" indent="0">
-              <a:buNone/>
+            <a:pPr>
+              <a:buFont typeface="Wingdings" panose="05000000000000000000" pitchFamily="2" charset="2"/>
+              <a:buChar char="Ø"/>
             </a:pPr>
             <a:r>
               <a:rPr lang="en-US" dirty="0"/>
               <a:t> </a:t>
             </a:r>
             <a:r>
-              <a:rPr lang="en-US" dirty="0" err="1"/>
+              <a:rPr lang="en-US" sz="2400" dirty="0"/>
+              <a:t>a=10</a:t>
+            </a:r>
+          </a:p>
+          <a:p>
+            <a:pPr>
+              <a:buFont typeface="Wingdings" panose="05000000000000000000" pitchFamily="2" charset="2"/>
+              <a:buChar char="Ø"/>
+            </a:pPr>
+            <a:r>
+              <a:rPr lang="en-US" sz="2400" dirty="0"/>
+              <a:t> b=20</a:t>
+            </a:r>
+          </a:p>
+          <a:p>
+            <a:pPr>
+              <a:buFont typeface="Wingdings" panose="05000000000000000000" pitchFamily="2" charset="2"/>
+              <a:buChar char="Ø"/>
+            </a:pPr>
+            <a:r>
+              <a:rPr lang="en-US" sz="2400" dirty="0"/>
+              <a:t> c=30</a:t>
+            </a:r>
+          </a:p>
+          <a:p>
+            <a:pPr>
+              <a:buFont typeface="Wingdings" panose="05000000000000000000" pitchFamily="2" charset="2"/>
+              <a:buChar char="Ø"/>
+            </a:pPr>
+            <a:r>
+              <a:rPr lang="en-US" sz="2400" dirty="0"/>
+              <a:t>  if (a&gt;b) &amp; (a&gt;c):</a:t>
+            </a:r>
+          </a:p>
+          <a:p>
+            <a:pPr>
+              <a:buFont typeface="Wingdings" panose="05000000000000000000" pitchFamily="2" charset="2"/>
+              <a:buChar char="Ø"/>
+            </a:pPr>
+            <a:r>
+              <a:rPr lang="en-US" sz="2400" dirty="0"/>
+              <a:t>      print(“a is the greatest”)</a:t>
+            </a:r>
+          </a:p>
+          <a:p>
+            <a:pPr>
+              <a:buFont typeface="Wingdings" panose="05000000000000000000" pitchFamily="2" charset="2"/>
+              <a:buChar char="Ø"/>
+            </a:pPr>
+            <a:r>
+              <a:rPr lang="en-US" sz="2400" dirty="0"/>
+              <a:t> </a:t>
+            </a:r>
+            <a:r>
+              <a:rPr lang="en-US" sz="2400" dirty="0" err="1"/>
               <a:t>elif</a:t>
             </a:r>
             <a:r>
-              <a:rPr lang="en-US" dirty="0"/>
+              <a:rPr lang="en-US" sz="2400" dirty="0"/>
               <a:t> (b&gt;a) &amp; (b&gt;c):</a:t>
             </a:r>
           </a:p>
           <a:p>
-            <a:pPr marL="0" indent="0">
-              <a:buNone/>
+            <a:pPr>
+              <a:buFont typeface="Wingdings" panose="05000000000000000000" pitchFamily="2" charset="2"/>
+              <a:buChar char="Ø"/>
             </a:pPr>
             <a:r>
-              <a:rPr lang="en-US" dirty="0"/>
+              <a:rPr lang="en-US" sz="2400" dirty="0"/>
               <a:t>       print(“b is the greatest”)</a:t>
             </a:r>
           </a:p>
           <a:p>
-            <a:pPr marL="0" indent="0">
-              <a:buNone/>
+            <a:pPr>
+              <a:buFont typeface="Wingdings" panose="05000000000000000000" pitchFamily="2" charset="2"/>
+              <a:buChar char="Ø"/>
             </a:pPr>
             <a:r>
-              <a:rPr lang="en-US" dirty="0"/>
+              <a:rPr lang="en-US" sz="2400" dirty="0"/>
               <a:t> else:</a:t>
             </a:r>
           </a:p>
           <a:p>
-            <a:pPr marL="0" indent="0">
-              <a:buNone/>
+            <a:pPr>
+              <a:buFont typeface="Wingdings" panose="05000000000000000000" pitchFamily="2" charset="2"/>
+              <a:buChar char="Ø"/>
             </a:pPr>
             <a:r>
-              <a:rPr lang="en-US" dirty="0"/>
+              <a:rPr lang="en-US" sz="2400" dirty="0"/>
               <a:t>  print(“c is the greatest”)</a:t>
             </a:r>
           </a:p>
@@ -5051,7 +7575,7 @@
           <p:cNvPr id="2" name="Title 1">
             <a:extLst>
               <a:ext uri="{FF2B5EF4-FFF2-40B4-BE49-F238E27FC236}">
-                <a16:creationId xmlns:a16="http://schemas.microsoft.com/office/drawing/2014/main" id="{0AD95CC9-3589-4002-8DE5-47A93BDF373B}"/>
+                <a16:creationId xmlns:a16="http://schemas.microsoft.com/office/drawing/2014/main" id="{1828041B-BC21-4C03-96A2-9B882CACECEA}"/>
               </a:ext>
             </a:extLst>
           </p:cNvPr>
@@ -5062,146 +7586,245 @@
             <p:ph type="title"/>
           </p:nvPr>
         </p:nvSpPr>
-        <p:spPr/>
-        <p:txBody>
-          <a:bodyPr/>
-          <a:lstStyle/>
-          <a:p>
-            <a:r>
-              <a:rPr lang="en-US" dirty="0"/>
-              <a:t>If with Tuple</a:t>
-            </a:r>
-            <a:endParaRPr lang="en-IN" dirty="0"/>
-          </a:p>
-        </p:txBody>
-      </p:sp>
-      <p:sp>
-        <p:nvSpPr>
-          <p:cNvPr id="3" name="Content Placeholder 2">
-            <a:extLst>
-              <a:ext uri="{FF2B5EF4-FFF2-40B4-BE49-F238E27FC236}">
-                <a16:creationId xmlns:a16="http://schemas.microsoft.com/office/drawing/2014/main" id="{9704E145-B36F-4757-9377-0867071089A5}"/>
-              </a:ext>
-            </a:extLst>
-          </p:cNvPr>
-          <p:cNvSpPr>
-            <a:spLocks noGrp="1"/>
-          </p:cNvSpPr>
-          <p:nvPr>
-            <p:ph idx="1"/>
-          </p:nvPr>
-        </p:nvSpPr>
-        <p:spPr/>
-        <p:txBody>
-          <a:bodyPr/>
-          <a:lstStyle/>
-          <a:p>
-            <a:pPr marL="0" indent="0">
-              <a:buNone/>
-            </a:pPr>
-            <a:r>
-              <a:rPr lang="en-US" b="1" dirty="0"/>
-              <a:t>#if with tuple</a:t>
-            </a:r>
-          </a:p>
-          <a:p>
-            <a:pPr marL="0" indent="0">
-              <a:buNone/>
-            </a:pPr>
-            <a:r>
-              <a:rPr lang="en-US" dirty="0"/>
-              <a:t> tup1=(‘</a:t>
-            </a:r>
-            <a:r>
-              <a:rPr lang="en-US" dirty="0" err="1"/>
-              <a:t>a’,’b’,’c</a:t>
-            </a:r>
-            <a:r>
-              <a:rPr lang="en-US" dirty="0"/>
-              <a:t>’)</a:t>
-            </a:r>
-          </a:p>
-          <a:p>
-            <a:pPr marL="0" indent="0">
-              <a:buNone/>
-            </a:pPr>
-            <a:r>
-              <a:rPr lang="en-US" dirty="0"/>
-              <a:t> if ‘a’ in tup1:</a:t>
-            </a:r>
-          </a:p>
-          <a:p>
-            <a:pPr marL="0" indent="0">
-              <a:buNone/>
-            </a:pPr>
-            <a:r>
-              <a:rPr lang="en-US" dirty="0"/>
-              <a:t>     print(“value a is present in tup1”)</a:t>
-            </a:r>
-          </a:p>
-          <a:p>
-            <a:pPr marL="0" indent="0">
-              <a:buNone/>
-            </a:pPr>
-            <a:r>
-              <a:rPr lang="en-US" dirty="0"/>
-              <a:t> else:</a:t>
-            </a:r>
-          </a:p>
-          <a:p>
-            <a:pPr marL="0" indent="0">
-              <a:buNone/>
-            </a:pPr>
-            <a:r>
-              <a:rPr lang="en-US" dirty="0"/>
-              <a:t>     print(“value a is not present in tup1”)</a:t>
-            </a:r>
-            <a:endParaRPr lang="en-IN" dirty="0"/>
-          </a:p>
-        </p:txBody>
-      </p:sp>
-      <p:cxnSp>
-        <p:nvCxnSpPr>
-          <p:cNvPr id="5" name="Straight Connector 4">
-            <a:extLst>
-              <a:ext uri="{FF2B5EF4-FFF2-40B4-BE49-F238E27FC236}">
-                <a16:creationId xmlns:a16="http://schemas.microsoft.com/office/drawing/2014/main" id="{D05A1D68-B527-4798-85C0-5F21033A294E}"/>
-              </a:ext>
-            </a:extLst>
-          </p:cNvPr>
-          <p:cNvCxnSpPr>
-            <a:cxnSpLocks/>
-          </p:cNvCxnSpPr>
-          <p:nvPr/>
-        </p:nvCxnSpPr>
         <p:spPr>
           <a:xfrm>
-            <a:off x="838200" y="1313895"/>
-            <a:ext cx="10214499" cy="0"/>
+            <a:off x="838200" y="365125"/>
+            <a:ext cx="10515600" cy="487131"/>
           </a:xfrm>
-          <a:prstGeom prst="line">
+        </p:spPr>
+        <p:txBody>
+          <a:bodyPr>
+            <a:normAutofit fontScale="90000"/>
+          </a:bodyPr>
+          <a:lstStyle/>
+          <a:p>
+            <a:r>
+              <a:rPr lang="en-US" dirty="0"/>
+              <a:t>Example</a:t>
+            </a:r>
+            <a:endParaRPr lang="en-IN" dirty="0"/>
+          </a:p>
+        </p:txBody>
+      </p:sp>
+      <p:sp>
+        <p:nvSpPr>
+          <p:cNvPr id="6" name="TextBox 5">
+            <a:extLst>
+              <a:ext uri="{FF2B5EF4-FFF2-40B4-BE49-F238E27FC236}">
+                <a16:creationId xmlns:a16="http://schemas.microsoft.com/office/drawing/2014/main" id="{B6679C27-B768-4EBD-9238-5E436F773982}"/>
+              </a:ext>
+            </a:extLst>
+          </p:cNvPr>
+          <p:cNvSpPr txBox="1"/>
+          <p:nvPr/>
+        </p:nvSpPr>
+        <p:spPr>
+          <a:xfrm>
+            <a:off x="1094172" y="1579225"/>
+            <a:ext cx="6094520" cy="3970318"/>
+          </a:xfrm>
+          <a:prstGeom prst="rect">
             <a:avLst/>
           </a:prstGeom>
+          <a:noFill/>
         </p:spPr>
-        <p:style>
-          <a:lnRef idx="3">
-            <a:schemeClr val="dk1"/>
-          </a:lnRef>
-          <a:fillRef idx="0">
-            <a:schemeClr val="dk1"/>
-          </a:fillRef>
-          <a:effectRef idx="2">
-            <a:schemeClr val="dk1"/>
-          </a:effectRef>
-          <a:fontRef idx="minor">
-            <a:schemeClr val="tx1"/>
-          </a:fontRef>
-        </p:style>
-      </p:cxnSp>
+        <p:txBody>
+          <a:bodyPr wrap="square">
+            <a:spAutoFit/>
+          </a:bodyPr>
+          <a:lstStyle/>
+          <a:p>
+            <a:r>
+              <a:rPr lang="en-IN" dirty="0" err="1"/>
+              <a:t>indian</a:t>
+            </a:r>
+            <a:r>
+              <a:rPr lang="en-IN" dirty="0"/>
+              <a:t>=["samosa","</a:t>
+            </a:r>
+            <a:r>
+              <a:rPr lang="en-IN" dirty="0" err="1"/>
+              <a:t>daal</a:t>
+            </a:r>
+            <a:r>
+              <a:rPr lang="en-IN" dirty="0"/>
+              <a:t>","naan"]</a:t>
+            </a:r>
+          </a:p>
+          <a:p>
+            <a:r>
+              <a:rPr lang="en-IN" dirty="0" err="1"/>
+              <a:t>chinese</a:t>
+            </a:r>
+            <a:r>
+              <a:rPr lang="en-IN" dirty="0"/>
+              <a:t>=["egg </a:t>
+            </a:r>
+            <a:r>
+              <a:rPr lang="en-IN" dirty="0" err="1"/>
+              <a:t>role","pot</a:t>
+            </a:r>
+            <a:r>
+              <a:rPr lang="en-IN" dirty="0"/>
+              <a:t> </a:t>
+            </a:r>
+            <a:r>
+              <a:rPr lang="en-IN" dirty="0" err="1"/>
+              <a:t>sticker","fried</a:t>
+            </a:r>
+            <a:r>
+              <a:rPr lang="en-IN" dirty="0"/>
+              <a:t> rice"]</a:t>
+            </a:r>
+          </a:p>
+          <a:p>
+            <a:r>
+              <a:rPr lang="en-IN" dirty="0" err="1"/>
+              <a:t>italian</a:t>
+            </a:r>
+            <a:r>
+              <a:rPr lang="en-IN" dirty="0"/>
+              <a:t>=["pizza","pasta","</a:t>
+            </a:r>
+            <a:r>
+              <a:rPr lang="en-IN" dirty="0" err="1"/>
+              <a:t>resotto</a:t>
+            </a:r>
+            <a:r>
+              <a:rPr lang="en-IN" dirty="0"/>
+              <a:t>"]</a:t>
+            </a:r>
+          </a:p>
+          <a:p>
+            <a:endParaRPr lang="en-IN" dirty="0"/>
+          </a:p>
+          <a:p>
+            <a:r>
+              <a:rPr lang="en-IN" dirty="0"/>
+              <a:t>dish =input("Enter dish name :")</a:t>
+            </a:r>
+          </a:p>
+          <a:p>
+            <a:endParaRPr lang="en-IN" dirty="0"/>
+          </a:p>
+          <a:p>
+            <a:r>
+              <a:rPr lang="en-IN" dirty="0"/>
+              <a:t>if dish in </a:t>
+            </a:r>
+            <a:r>
+              <a:rPr lang="en-IN" dirty="0" err="1"/>
+              <a:t>indian</a:t>
+            </a:r>
+            <a:r>
+              <a:rPr lang="en-IN" dirty="0"/>
+              <a:t>:</a:t>
+            </a:r>
+          </a:p>
+          <a:p>
+            <a:r>
+              <a:rPr lang="en-IN" dirty="0"/>
+              <a:t>    print("</a:t>
+            </a:r>
+            <a:r>
+              <a:rPr lang="en-IN" dirty="0" err="1"/>
+              <a:t>indian</a:t>
+            </a:r>
+            <a:r>
+              <a:rPr lang="en-IN" dirty="0"/>
+              <a:t>")</a:t>
+            </a:r>
+          </a:p>
+          <a:p>
+            <a:r>
+              <a:rPr lang="en-IN" dirty="0" err="1"/>
+              <a:t>elif</a:t>
+            </a:r>
+            <a:r>
+              <a:rPr lang="en-IN" dirty="0"/>
+              <a:t> dish in </a:t>
+            </a:r>
+            <a:r>
+              <a:rPr lang="en-IN" dirty="0" err="1"/>
+              <a:t>chinese</a:t>
+            </a:r>
+            <a:r>
+              <a:rPr lang="en-IN" dirty="0"/>
+              <a:t>:</a:t>
+            </a:r>
+          </a:p>
+          <a:p>
+            <a:r>
+              <a:rPr lang="en-IN" dirty="0"/>
+              <a:t>    print("</a:t>
+            </a:r>
+            <a:r>
+              <a:rPr lang="en-IN" dirty="0" err="1"/>
+              <a:t>chinese</a:t>
+            </a:r>
+            <a:r>
+              <a:rPr lang="en-IN" dirty="0"/>
+              <a:t>")</a:t>
+            </a:r>
+          </a:p>
+          <a:p>
+            <a:r>
+              <a:rPr lang="en-IN" dirty="0" err="1"/>
+              <a:t>elif</a:t>
+            </a:r>
+            <a:r>
+              <a:rPr lang="en-IN" dirty="0"/>
+              <a:t> dish in </a:t>
+            </a:r>
+            <a:r>
+              <a:rPr lang="en-IN" dirty="0" err="1"/>
+              <a:t>italian</a:t>
+            </a:r>
+            <a:r>
+              <a:rPr lang="en-IN" dirty="0"/>
+              <a:t>:</a:t>
+            </a:r>
+          </a:p>
+          <a:p>
+            <a:r>
+              <a:rPr lang="en-IN" dirty="0"/>
+              <a:t>    print("</a:t>
+            </a:r>
+            <a:r>
+              <a:rPr lang="en-IN" dirty="0" err="1"/>
+              <a:t>italian</a:t>
+            </a:r>
+            <a:r>
+              <a:rPr lang="en-IN" dirty="0"/>
+              <a:t>")</a:t>
+            </a:r>
+          </a:p>
+          <a:p>
+            <a:r>
+              <a:rPr lang="en-IN" dirty="0"/>
+              <a:t>else:</a:t>
+            </a:r>
+          </a:p>
+          <a:p>
+            <a:r>
+              <a:rPr lang="en-IN" dirty="0"/>
+              <a:t>    print("I </a:t>
+            </a:r>
+            <a:r>
+              <a:rPr lang="en-IN" dirty="0" err="1"/>
+              <a:t>dont</a:t>
+            </a:r>
+            <a:r>
+              <a:rPr lang="en-IN" dirty="0"/>
+              <a:t> know")</a:t>
+            </a:r>
+          </a:p>
+        </p:txBody>
+      </p:sp>
     </p:spTree>
     <p:extLst>
       <p:ext uri="{BB962C8B-B14F-4D97-AF65-F5344CB8AC3E}">
-        <p14:creationId xmlns:p14="http://schemas.microsoft.com/office/powerpoint/2010/main" val="1994473468"/>
+        <p14:creationId xmlns:p14="http://schemas.microsoft.com/office/powerpoint/2010/main" val="2667650816"/>
       </p:ext>
     </p:extLst>
   </p:cSld>
@@ -5233,7 +7856,7 @@
           <p:cNvPr id="2" name="Title 1">
             <a:extLst>
               <a:ext uri="{FF2B5EF4-FFF2-40B4-BE49-F238E27FC236}">
-                <a16:creationId xmlns:a16="http://schemas.microsoft.com/office/drawing/2014/main" id="{64E85D43-61D4-4868-90AA-4214C2FF01BE}"/>
+                <a16:creationId xmlns:a16="http://schemas.microsoft.com/office/drawing/2014/main" id="{D634483B-88F5-47A5-A86B-10BB901CE7E8}"/>
               </a:ext>
             </a:extLst>
           </p:cNvPr>
@@ -5244,135 +7867,241 @@
             <p:ph type="title"/>
           </p:nvPr>
         </p:nvSpPr>
-        <p:spPr/>
-        <p:txBody>
-          <a:bodyPr/>
-          <a:lstStyle/>
-          <a:p>
-            <a:r>
-              <a:rPr lang="en-US" dirty="0"/>
-              <a:t>If with List</a:t>
-            </a:r>
-            <a:endParaRPr lang="en-IN" dirty="0"/>
-          </a:p>
-        </p:txBody>
-      </p:sp>
-      <p:sp>
-        <p:nvSpPr>
-          <p:cNvPr id="3" name="Content Placeholder 2">
-            <a:extLst>
-              <a:ext uri="{FF2B5EF4-FFF2-40B4-BE49-F238E27FC236}">
-                <a16:creationId xmlns:a16="http://schemas.microsoft.com/office/drawing/2014/main" id="{C113D25F-D660-4DEB-A07B-739EE945F109}"/>
-              </a:ext>
-            </a:extLst>
-          </p:cNvPr>
-          <p:cNvSpPr>
-            <a:spLocks noGrp="1"/>
-          </p:cNvSpPr>
-          <p:nvPr>
-            <p:ph idx="1"/>
-          </p:nvPr>
-        </p:nvSpPr>
-        <p:spPr/>
-        <p:txBody>
-          <a:bodyPr/>
-          <a:lstStyle/>
-          <a:p>
-            <a:pPr marL="0" indent="0">
-              <a:buNone/>
-            </a:pPr>
-            <a:r>
-              <a:rPr lang="en-US" b="1" dirty="0"/>
-              <a:t>#if with List</a:t>
-            </a:r>
-          </a:p>
-          <a:p>
-            <a:pPr marL="0" indent="0">
-              <a:buNone/>
-            </a:pPr>
-            <a:r>
-              <a:rPr lang="en-US" dirty="0"/>
-              <a:t> l1=[‘</a:t>
-            </a:r>
-            <a:r>
-              <a:rPr lang="en-US" dirty="0" err="1"/>
-              <a:t>a’,’b’,’c</a:t>
-            </a:r>
-            <a:r>
-              <a:rPr lang="en-US" dirty="0"/>
-              <a:t>’]</a:t>
-            </a:r>
-          </a:p>
-          <a:p>
-            <a:pPr marL="0" indent="0">
-              <a:buNone/>
-            </a:pPr>
-            <a:r>
-              <a:rPr lang="en-US" dirty="0"/>
-              <a:t> if l1[1]=‘b’:</a:t>
-            </a:r>
-          </a:p>
-          <a:p>
-            <a:pPr marL="0" indent="0">
-              <a:buNone/>
-            </a:pPr>
-            <a:r>
-              <a:rPr lang="en-US" dirty="0"/>
-              <a:t>     l1[1]=‘z’</a:t>
-            </a:r>
-          </a:p>
-          <a:p>
-            <a:pPr marL="0" indent="0">
-              <a:buNone/>
-            </a:pPr>
-            <a:r>
-              <a:rPr lang="en-US" dirty="0"/>
-              <a:t>     print(l1)</a:t>
-            </a:r>
-            <a:endParaRPr lang="en-IN" dirty="0"/>
-          </a:p>
-        </p:txBody>
-      </p:sp>
-      <p:cxnSp>
-        <p:nvCxnSpPr>
-          <p:cNvPr id="5" name="Straight Connector 4">
-            <a:extLst>
-              <a:ext uri="{FF2B5EF4-FFF2-40B4-BE49-F238E27FC236}">
-                <a16:creationId xmlns:a16="http://schemas.microsoft.com/office/drawing/2014/main" id="{9E9AB2ED-2693-4F3C-B474-4E5991BA10E3}"/>
-              </a:ext>
-            </a:extLst>
-          </p:cNvPr>
-          <p:cNvCxnSpPr/>
-          <p:nvPr/>
-        </p:nvCxnSpPr>
         <p:spPr>
           <a:xfrm>
-            <a:off x="838200" y="1420427"/>
-            <a:ext cx="8731928" cy="0"/>
+            <a:off x="838200" y="365125"/>
+            <a:ext cx="10515600" cy="380599"/>
           </a:xfrm>
-          <a:prstGeom prst="line">
+        </p:spPr>
+        <p:txBody>
+          <a:bodyPr>
+            <a:normAutofit fontScale="90000"/>
+          </a:bodyPr>
+          <a:lstStyle/>
+          <a:p>
+            <a:r>
+              <a:rPr lang="en-US" dirty="0"/>
+              <a:t>Example</a:t>
+            </a:r>
+            <a:endParaRPr lang="en-IN" dirty="0"/>
+          </a:p>
+        </p:txBody>
+      </p:sp>
+      <p:sp>
+        <p:nvSpPr>
+          <p:cNvPr id="6" name="TextBox 5">
+            <a:extLst>
+              <a:ext uri="{FF2B5EF4-FFF2-40B4-BE49-F238E27FC236}">
+                <a16:creationId xmlns:a16="http://schemas.microsoft.com/office/drawing/2014/main" id="{800E059A-C422-46C7-AC43-DA9B74AFB5A0}"/>
+              </a:ext>
+            </a:extLst>
+          </p:cNvPr>
+          <p:cNvSpPr txBox="1"/>
+          <p:nvPr/>
+        </p:nvSpPr>
+        <p:spPr>
+          <a:xfrm>
+            <a:off x="1005395" y="1166842"/>
+            <a:ext cx="4117021" cy="4524315"/>
+          </a:xfrm>
+          <a:prstGeom prst="rect">
             <a:avLst/>
           </a:prstGeom>
+          <a:noFill/>
         </p:spPr>
-        <p:style>
-          <a:lnRef idx="3">
-            <a:schemeClr val="dk1"/>
-          </a:lnRef>
-          <a:fillRef idx="0">
-            <a:schemeClr val="dk1"/>
-          </a:fillRef>
-          <a:effectRef idx="2">
-            <a:schemeClr val="dk1"/>
-          </a:effectRef>
-          <a:fontRef idx="minor">
-            <a:schemeClr val="tx1"/>
-          </a:fontRef>
-        </p:style>
-      </p:cxnSp>
+        <p:txBody>
+          <a:bodyPr wrap="square">
+            <a:spAutoFit/>
+          </a:bodyPr>
+          <a:lstStyle/>
+          <a:p>
+            <a:r>
+              <a:rPr lang="en-IN" dirty="0">
+                <a:solidFill>
+                  <a:srgbClr val="FF0000"/>
+                </a:solidFill>
+              </a:rPr>
+              <a:t># Different ways to test multiple</a:t>
+            </a:r>
+          </a:p>
+          <a:p>
+            <a:r>
+              <a:rPr lang="en-IN" dirty="0">
+                <a:solidFill>
+                  <a:srgbClr val="FF0000"/>
+                </a:solidFill>
+              </a:rPr>
+              <a:t># flags at once in Python</a:t>
+            </a:r>
+          </a:p>
+          <a:p>
+            <a:r>
+              <a:rPr lang="en-IN" dirty="0"/>
+              <a:t>x, y, z = 0, 1, 0</a:t>
+            </a:r>
+          </a:p>
+          <a:p>
+            <a:endParaRPr lang="en-IN" dirty="0"/>
+          </a:p>
+          <a:p>
+            <a:r>
+              <a:rPr lang="en-IN" dirty="0"/>
+              <a:t>if x == 1 or y == 1 or z == 1:</a:t>
+            </a:r>
+          </a:p>
+          <a:p>
+            <a:r>
+              <a:rPr lang="en-IN" dirty="0"/>
+              <a:t>    print('passed')</a:t>
+            </a:r>
+          </a:p>
+          <a:p>
+            <a:endParaRPr lang="en-IN" dirty="0"/>
+          </a:p>
+          <a:p>
+            <a:r>
+              <a:rPr lang="en-IN" dirty="0"/>
+              <a:t>if 1 in (x, y, z):</a:t>
+            </a:r>
+          </a:p>
+          <a:p>
+            <a:r>
+              <a:rPr lang="en-IN" dirty="0"/>
+              <a:t>    print('passed')</a:t>
+            </a:r>
+          </a:p>
+          <a:p>
+            <a:endParaRPr lang="en-IN" dirty="0"/>
+          </a:p>
+          <a:p>
+            <a:r>
+              <a:rPr lang="en-IN" dirty="0">
+                <a:solidFill>
+                  <a:srgbClr val="FF0000"/>
+                </a:solidFill>
+              </a:rPr>
+              <a:t># These only test for truthiness:</a:t>
+            </a:r>
+          </a:p>
+          <a:p>
+            <a:r>
+              <a:rPr lang="en-IN" dirty="0"/>
+              <a:t>if x or y or z:</a:t>
+            </a:r>
+          </a:p>
+          <a:p>
+            <a:r>
+              <a:rPr lang="en-IN" dirty="0"/>
+              <a:t>    print('passed')</a:t>
+            </a:r>
+          </a:p>
+          <a:p>
+            <a:endParaRPr lang="en-IN" dirty="0"/>
+          </a:p>
+          <a:p>
+            <a:r>
+              <a:rPr lang="en-IN" dirty="0"/>
+              <a:t>if any((x, y, z)):</a:t>
+            </a:r>
+          </a:p>
+          <a:p>
+            <a:r>
+              <a:rPr lang="en-IN" dirty="0"/>
+              <a:t>    print('passed')</a:t>
+            </a:r>
+          </a:p>
+        </p:txBody>
+      </p:sp>
+      <p:sp>
+        <p:nvSpPr>
+          <p:cNvPr id="3" name="TextBox 2">
+            <a:extLst>
+              <a:ext uri="{FF2B5EF4-FFF2-40B4-BE49-F238E27FC236}">
+                <a16:creationId xmlns:a16="http://schemas.microsoft.com/office/drawing/2014/main" id="{AA8D150A-28F0-4921-AB27-ED3190B83D4A}"/>
+              </a:ext>
+            </a:extLst>
+          </p:cNvPr>
+          <p:cNvSpPr txBox="1"/>
+          <p:nvPr/>
+        </p:nvSpPr>
+        <p:spPr>
+          <a:xfrm>
+            <a:off x="6019060" y="1260629"/>
+            <a:ext cx="3352906" cy="2308324"/>
+          </a:xfrm>
+          <a:prstGeom prst="rect">
+            <a:avLst/>
+          </a:prstGeom>
+          <a:noFill/>
+        </p:spPr>
+        <p:txBody>
+          <a:bodyPr wrap="none" rtlCol="0">
+            <a:spAutoFit/>
+          </a:bodyPr>
+          <a:lstStyle/>
+          <a:p>
+            <a:r>
+              <a:rPr lang="en-US" dirty="0"/>
+              <a:t> print(“What is your age ?:”)</a:t>
+            </a:r>
+          </a:p>
+          <a:p>
+            <a:r>
+              <a:rPr lang="en-US" dirty="0"/>
+              <a:t> age=int(input())</a:t>
+            </a:r>
+          </a:p>
+          <a:p>
+            <a:r>
+              <a:rPr lang="en-US" dirty="0"/>
+              <a:t> if(age&lt;18):</a:t>
+            </a:r>
+          </a:p>
+          <a:p>
+            <a:r>
+              <a:rPr lang="en-US" dirty="0"/>
+              <a:t>   print(“You cannot drive”)</a:t>
+            </a:r>
+          </a:p>
+          <a:p>
+            <a:r>
+              <a:rPr lang="en-US" dirty="0"/>
+              <a:t> </a:t>
+            </a:r>
+            <a:r>
+              <a:rPr lang="en-US" dirty="0" err="1"/>
+              <a:t>elif</a:t>
+            </a:r>
+            <a:r>
+              <a:rPr lang="en-US" dirty="0"/>
+              <a:t> age==18:</a:t>
+            </a:r>
+          </a:p>
+          <a:p>
+            <a:r>
+              <a:rPr lang="en-US" dirty="0"/>
+              <a:t>   print(“We will think about you”)</a:t>
+            </a:r>
+          </a:p>
+          <a:p>
+            <a:r>
+              <a:rPr lang="en-US" dirty="0"/>
+              <a:t>Else:</a:t>
+            </a:r>
+          </a:p>
+          <a:p>
+            <a:r>
+              <a:rPr lang="en-US" dirty="0"/>
+              <a:t>   print(“You can drive”)</a:t>
+            </a:r>
+            <a:endParaRPr lang="en-IN" dirty="0"/>
+          </a:p>
+        </p:txBody>
+      </p:sp>
     </p:spTree>
     <p:extLst>
       <p:ext uri="{BB962C8B-B14F-4D97-AF65-F5344CB8AC3E}">
-        <p14:creationId xmlns:p14="http://schemas.microsoft.com/office/powerpoint/2010/main" val="1626895828"/>
+        <p14:creationId xmlns:p14="http://schemas.microsoft.com/office/powerpoint/2010/main" val="3971622128"/>
       </p:ext>
     </p:extLst>
   </p:cSld>
@@ -5404,7 +8133,7 @@
           <p:cNvPr id="2" name="Title 1">
             <a:extLst>
               <a:ext uri="{FF2B5EF4-FFF2-40B4-BE49-F238E27FC236}">
-                <a16:creationId xmlns:a16="http://schemas.microsoft.com/office/drawing/2014/main" id="{4A999D56-9977-457B-A14B-263A4A7B3427}"/>
+                <a16:creationId xmlns:a16="http://schemas.microsoft.com/office/drawing/2014/main" id="{0466C54D-4B44-4190-B90B-C3AC08B7123F}"/>
               </a:ext>
             </a:extLst>
           </p:cNvPr>
@@ -5415,14 +8144,21 @@
             <p:ph type="title"/>
           </p:nvPr>
         </p:nvSpPr>
-        <p:spPr/>
-        <p:txBody>
-          <a:bodyPr/>
+        <p:spPr>
+          <a:xfrm>
+            <a:off x="527482" y="229416"/>
+            <a:ext cx="10515600" cy="398355"/>
+          </a:xfrm>
+        </p:spPr>
+        <p:txBody>
+          <a:bodyPr>
+            <a:normAutofit fontScale="90000"/>
+          </a:bodyPr>
           <a:lstStyle/>
           <a:p>
             <a:r>
               <a:rPr lang="en-US" dirty="0"/>
-              <a:t>If with Dictionary</a:t>
+              <a:t>Exercise</a:t>
             </a:r>
             <a:endParaRPr lang="en-IN" dirty="0"/>
           </a:p>
@@ -5433,7 +8169,7 @@
           <p:cNvPr id="3" name="Content Placeholder 2">
             <a:extLst>
               <a:ext uri="{FF2B5EF4-FFF2-40B4-BE49-F238E27FC236}">
-                <a16:creationId xmlns:a16="http://schemas.microsoft.com/office/drawing/2014/main" id="{31850E06-E21C-4984-83D3-EADC925A57A3}"/>
+                <a16:creationId xmlns:a16="http://schemas.microsoft.com/office/drawing/2014/main" id="{467C7AFE-72D5-4290-A91E-ED34C7E1C25A}"/>
               </a:ext>
             </a:extLst>
           </p:cNvPr>
@@ -5444,26 +8180,71 @@
             <p:ph idx="1"/>
           </p:nvPr>
         </p:nvSpPr>
-        <p:spPr/>
-        <p:txBody>
-          <a:bodyPr/>
+        <p:spPr>
+          <a:xfrm>
+            <a:off x="199008" y="745725"/>
+            <a:ext cx="4444013" cy="2876364"/>
+          </a:xfrm>
+        </p:spPr>
+        <p:txBody>
+          <a:bodyPr>
+            <a:normAutofit/>
+          </a:bodyPr>
           <a:lstStyle/>
           <a:p>
+            <a:r>
+              <a:rPr lang="en-US" sz="2000" dirty="0"/>
+              <a:t>Create Faulty Calculator:</a:t>
+            </a:r>
+          </a:p>
+          <a:p>
+            <a:r>
+              <a:rPr lang="en-US" sz="2000" dirty="0"/>
+              <a:t>Design a Faulty calculator which will correctly solve all the problems except the following ones: 45*3=555, 56+9=77, 56/6=4. Your program should take operator and the two numbers as input from the user and then return the result.</a:t>
+            </a:r>
+          </a:p>
+          <a:p>
             <a:pPr marL="0" indent="0">
               <a:buNone/>
             </a:pPr>
-            <a:r>
-              <a:rPr lang="en-US" b="1" dirty="0"/>
-              <a:t>#if with Dictionary</a:t>
-            </a:r>
-          </a:p>
+            <a:endParaRPr lang="en-IN" sz="3500" dirty="0"/>
+          </a:p>
+        </p:txBody>
+      </p:sp>
+      <p:sp>
+        <p:nvSpPr>
+          <p:cNvPr id="5" name="TextBox 4">
+            <a:extLst>
+              <a:ext uri="{FF2B5EF4-FFF2-40B4-BE49-F238E27FC236}">
+                <a16:creationId xmlns:a16="http://schemas.microsoft.com/office/drawing/2014/main" id="{9C61E11E-33AD-4A2C-9644-7224D7AD4219}"/>
+              </a:ext>
+            </a:extLst>
+          </p:cNvPr>
+          <p:cNvSpPr txBox="1"/>
+          <p:nvPr/>
+        </p:nvSpPr>
+        <p:spPr>
+          <a:xfrm>
+            <a:off x="4781737" y="279190"/>
+            <a:ext cx="3976823" cy="5478423"/>
+          </a:xfrm>
+          <a:prstGeom prst="rect">
+            <a:avLst/>
+          </a:prstGeom>
+          <a:noFill/>
+        </p:spPr>
+        <p:txBody>
+          <a:bodyPr wrap="square">
+            <a:spAutoFit/>
+          </a:bodyPr>
+          <a:lstStyle/>
           <a:p>
             <a:pPr marL="0" indent="0">
               <a:buNone/>
             </a:pPr>
             <a:r>
-              <a:rPr lang="en-US" dirty="0"/>
-              <a:t> d1={“k1”:10,”k2”:20,”k3”:30}</a:t>
+              <a:rPr lang="en-IN" sz="1400" dirty="0"/>
+              <a:t>list1=[45,3]</a:t>
             </a:r>
           </a:p>
           <a:p>
@@ -5471,8 +8252,8 @@
               <a:buNone/>
             </a:pPr>
             <a:r>
-              <a:rPr lang="en-US" dirty="0"/>
-              <a:t> print(d1)</a:t>
+              <a:rPr lang="en-IN" sz="1400" dirty="0"/>
+              <a:t>list2=[56,9]</a:t>
             </a:r>
           </a:p>
           <a:p>
@@ -5480,8 +8261,8 @@
               <a:buNone/>
             </a:pPr>
             <a:r>
-              <a:rPr lang="en-US" dirty="0"/>
-              <a:t> if d1[“k3”]==30:</a:t>
+              <a:rPr lang="en-IN" sz="1400" dirty="0"/>
+              <a:t>list3=[56,6]</a:t>
             </a:r>
           </a:p>
           <a:p>
@@ -5489,8 +8270,8 @@
               <a:buNone/>
             </a:pPr>
             <a:r>
-              <a:rPr lang="en-US" dirty="0"/>
-              <a:t>     d1[“k3”]=d1[“k3”]+100</a:t>
+              <a:rPr lang="en-IN" sz="1400" dirty="0"/>
+              <a:t>operation=input("enter the operation::+,-,*,/::\n")</a:t>
             </a:r>
           </a:p>
           <a:p>
@@ -5498,19 +8279,399 @@
               <a:buNone/>
             </a:pPr>
             <a:r>
-              <a:rPr lang="en-US" dirty="0"/>
-              <a:t>      print(d1)</a:t>
-            </a:r>
-            <a:endParaRPr lang="en-IN" dirty="0"/>
+              <a:rPr lang="en-IN" sz="1400" dirty="0"/>
+              <a:t>num1=int(input("num1:"))</a:t>
+            </a:r>
+          </a:p>
+          <a:p>
+            <a:pPr marL="0" indent="0">
+              <a:buNone/>
+            </a:pPr>
+            <a:r>
+              <a:rPr lang="en-IN" sz="1400" dirty="0"/>
+              <a:t>num2=int(input("num2:"))</a:t>
+            </a:r>
+          </a:p>
+          <a:p>
+            <a:pPr marL="0" indent="0">
+              <a:buNone/>
+            </a:pPr>
+            <a:r>
+              <a:rPr lang="en-IN" sz="1400" dirty="0"/>
+              <a:t>if operation=="*":</a:t>
+            </a:r>
+          </a:p>
+          <a:p>
+            <a:pPr marL="0" indent="0">
+              <a:buNone/>
+            </a:pPr>
+            <a:r>
+              <a:rPr lang="en-IN" sz="1400" dirty="0"/>
+              <a:t>    if num1 and num2 in list1:</a:t>
+            </a:r>
+          </a:p>
+          <a:p>
+            <a:pPr marL="0" indent="0">
+              <a:buNone/>
+            </a:pPr>
+            <a:r>
+              <a:rPr lang="en-IN" sz="1400" dirty="0"/>
+              <a:t>        print("result:555")</a:t>
+            </a:r>
+          </a:p>
+          <a:p>
+            <a:pPr marL="0" indent="0">
+              <a:buNone/>
+            </a:pPr>
+            <a:r>
+              <a:rPr lang="en-IN" sz="1400" dirty="0"/>
+              <a:t>    else:</a:t>
+            </a:r>
+          </a:p>
+          <a:p>
+            <a:pPr marL="0" indent="0">
+              <a:buNone/>
+            </a:pPr>
+            <a:r>
+              <a:rPr lang="en-IN" sz="1400" dirty="0"/>
+              <a:t>        print("result:",num1*num2)</a:t>
+            </a:r>
+          </a:p>
+          <a:p>
+            <a:pPr marL="0" indent="0">
+              <a:buNone/>
+            </a:pPr>
+            <a:r>
+              <a:rPr lang="en-IN" sz="1400" dirty="0" err="1"/>
+              <a:t>elif</a:t>
+            </a:r>
+            <a:r>
+              <a:rPr lang="en-IN" sz="1400" dirty="0"/>
+              <a:t> operation=="-":</a:t>
+            </a:r>
+          </a:p>
+          <a:p>
+            <a:pPr marL="0" indent="0">
+              <a:buNone/>
+            </a:pPr>
+            <a:r>
+              <a:rPr lang="en-IN" sz="1400" dirty="0"/>
+              <a:t>    print("result:",num1-num2)</a:t>
+            </a:r>
+          </a:p>
+          <a:p>
+            <a:pPr marL="0" indent="0">
+              <a:buNone/>
+            </a:pPr>
+            <a:r>
+              <a:rPr lang="en-IN" sz="1400" dirty="0" err="1"/>
+              <a:t>elif</a:t>
+            </a:r>
+            <a:r>
+              <a:rPr lang="en-IN" sz="1400" dirty="0"/>
+              <a:t> operation=="+":</a:t>
+            </a:r>
+          </a:p>
+          <a:p>
+            <a:pPr marL="0" indent="0">
+              <a:buNone/>
+            </a:pPr>
+            <a:r>
+              <a:rPr lang="en-IN" sz="1400" dirty="0"/>
+              <a:t>    if num1 and num2 in list2:</a:t>
+            </a:r>
+          </a:p>
+          <a:p>
+            <a:pPr marL="0" indent="0">
+              <a:buNone/>
+            </a:pPr>
+            <a:r>
+              <a:rPr lang="en-IN" sz="1400" dirty="0"/>
+              <a:t>        print("result:77")</a:t>
+            </a:r>
+          </a:p>
+          <a:p>
+            <a:pPr marL="0" indent="0">
+              <a:buNone/>
+            </a:pPr>
+            <a:r>
+              <a:rPr lang="en-IN" sz="1400" dirty="0"/>
+              <a:t>    else:</a:t>
+            </a:r>
+          </a:p>
+          <a:p>
+            <a:pPr marL="0" indent="0">
+              <a:buNone/>
+            </a:pPr>
+            <a:r>
+              <a:rPr lang="en-IN" sz="1400" dirty="0"/>
+              <a:t>        print("result:",num1+num2)</a:t>
+            </a:r>
+          </a:p>
+          <a:p>
+            <a:pPr marL="0" indent="0">
+              <a:buNone/>
+            </a:pPr>
+            <a:r>
+              <a:rPr lang="en-IN" sz="1400" dirty="0" err="1"/>
+              <a:t>elif</a:t>
+            </a:r>
+            <a:r>
+              <a:rPr lang="en-IN" sz="1400" dirty="0"/>
+              <a:t> operation=="/":</a:t>
+            </a:r>
+          </a:p>
+          <a:p>
+            <a:pPr marL="0" indent="0">
+              <a:buNone/>
+            </a:pPr>
+            <a:r>
+              <a:rPr lang="en-IN" sz="1400" dirty="0"/>
+              <a:t>    if num1 and num2 in list3:</a:t>
+            </a:r>
+          </a:p>
+          <a:p>
+            <a:pPr marL="0" indent="0">
+              <a:buNone/>
+            </a:pPr>
+            <a:r>
+              <a:rPr lang="en-IN" sz="1400" dirty="0"/>
+              <a:t>        print("result:4")</a:t>
+            </a:r>
+          </a:p>
+          <a:p>
+            <a:pPr marL="0" indent="0">
+              <a:buNone/>
+            </a:pPr>
+            <a:r>
+              <a:rPr lang="en-IN" sz="1400" dirty="0"/>
+              <a:t>    else:</a:t>
+            </a:r>
+          </a:p>
+          <a:p>
+            <a:pPr marL="0" indent="0">
+              <a:buNone/>
+            </a:pPr>
+            <a:r>
+              <a:rPr lang="en-IN" sz="1400" dirty="0"/>
+              <a:t>        print("result:",num1/num2)</a:t>
+            </a:r>
+          </a:p>
+          <a:p>
+            <a:pPr marL="0" indent="0">
+              <a:buNone/>
+            </a:pPr>
+            <a:r>
+              <a:rPr lang="en-IN" sz="1400" dirty="0"/>
+              <a:t>else:</a:t>
+            </a:r>
+          </a:p>
+          <a:p>
+            <a:pPr marL="0" indent="0">
+              <a:buNone/>
+            </a:pPr>
+            <a:r>
+              <a:rPr lang="en-IN" sz="1400" dirty="0"/>
+              <a:t>    print("operation is not available")</a:t>
+            </a:r>
+          </a:p>
+        </p:txBody>
+      </p:sp>
+      <p:sp>
+        <p:nvSpPr>
+          <p:cNvPr id="9" name="TextBox 8">
+            <a:extLst>
+              <a:ext uri="{FF2B5EF4-FFF2-40B4-BE49-F238E27FC236}">
+                <a16:creationId xmlns:a16="http://schemas.microsoft.com/office/drawing/2014/main" id="{1A445BDC-E855-4996-BFA6-049FE8D0DF95}"/>
+              </a:ext>
+            </a:extLst>
+          </p:cNvPr>
+          <p:cNvSpPr txBox="1"/>
+          <p:nvPr/>
+        </p:nvSpPr>
+        <p:spPr>
+          <a:xfrm>
+            <a:off x="8682361" y="178109"/>
+            <a:ext cx="3669433" cy="6247864"/>
+          </a:xfrm>
+          <a:prstGeom prst="rect">
+            <a:avLst/>
+          </a:prstGeom>
+          <a:noFill/>
+        </p:spPr>
+        <p:txBody>
+          <a:bodyPr wrap="square">
+            <a:spAutoFit/>
+          </a:bodyPr>
+          <a:lstStyle/>
+          <a:p>
+            <a:r>
+              <a:rPr lang="en-IN" sz="1600" dirty="0"/>
+              <a:t>num1=int(input("enter 1st no. "))</a:t>
+            </a:r>
+          </a:p>
+          <a:p>
+            <a:r>
+              <a:rPr lang="en-IN" sz="1600" dirty="0"/>
+              <a:t>num2=int(input("enter the 2nd no. "))</a:t>
+            </a:r>
+          </a:p>
+          <a:p>
+            <a:r>
+              <a:rPr lang="en-IN" sz="1600" dirty="0"/>
+              <a:t>print("chose operation\</a:t>
+            </a:r>
+            <a:r>
+              <a:rPr lang="en-IN" sz="1600" dirty="0" err="1"/>
+              <a:t>n","press</a:t>
+            </a:r>
+            <a:r>
+              <a:rPr lang="en-IN" sz="1600" dirty="0"/>
+              <a:t> + for addition, - for </a:t>
+            </a:r>
+            <a:r>
+              <a:rPr lang="en-IN" sz="1600" dirty="0" err="1"/>
+              <a:t>substraction</a:t>
+            </a:r>
+            <a:r>
+              <a:rPr lang="en-IN" sz="1600" dirty="0"/>
+              <a:t>,  * for multiplication, / for division")</a:t>
+            </a:r>
+          </a:p>
+          <a:p>
+            <a:r>
+              <a:rPr lang="en-IN" sz="1600" dirty="0"/>
+              <a:t>operator=input()</a:t>
+            </a:r>
+          </a:p>
+          <a:p>
+            <a:r>
+              <a:rPr lang="en-IN" sz="1600" dirty="0"/>
+              <a:t>if num1==45 and num2==3 and operator=="*":</a:t>
+            </a:r>
+          </a:p>
+          <a:p>
+            <a:r>
+              <a:rPr lang="en-IN" sz="1600" dirty="0"/>
+              <a:t>    print("555")</a:t>
+            </a:r>
+          </a:p>
+          <a:p>
+            <a:r>
+              <a:rPr lang="en-IN" sz="1600" dirty="0" err="1"/>
+              <a:t>elif</a:t>
+            </a:r>
+            <a:r>
+              <a:rPr lang="en-IN" sz="1600" dirty="0"/>
+              <a:t> num1==56 and num2==9 and operator=="+":</a:t>
+            </a:r>
+          </a:p>
+          <a:p>
+            <a:r>
+              <a:rPr lang="en-IN" sz="1600" dirty="0"/>
+              <a:t>    print("77")</a:t>
+            </a:r>
+          </a:p>
+          <a:p>
+            <a:r>
+              <a:rPr lang="en-IN" sz="1600" dirty="0" err="1"/>
+              <a:t>elif</a:t>
+            </a:r>
+            <a:r>
+              <a:rPr lang="en-IN" sz="1600" dirty="0"/>
+              <a:t> num1==56 and num2==6 and operator=="/":</a:t>
+            </a:r>
+          </a:p>
+          <a:p>
+            <a:r>
+              <a:rPr lang="en-IN" sz="1600" dirty="0"/>
+              <a:t>    print("4")</a:t>
+            </a:r>
+          </a:p>
+          <a:p>
+            <a:r>
+              <a:rPr lang="en-IN" sz="1600" dirty="0" err="1"/>
+              <a:t>elif</a:t>
+            </a:r>
+            <a:r>
+              <a:rPr lang="en-IN" sz="1600" dirty="0"/>
+              <a:t> operator=="+":</a:t>
+            </a:r>
+          </a:p>
+          <a:p>
+            <a:r>
+              <a:rPr lang="en-IN" sz="1600" dirty="0"/>
+              <a:t>    print(num1+num2)</a:t>
+            </a:r>
+          </a:p>
+          <a:p>
+            <a:r>
+              <a:rPr lang="en-IN" sz="1600" dirty="0" err="1"/>
+              <a:t>elif</a:t>
+            </a:r>
+            <a:r>
+              <a:rPr lang="en-IN" sz="1600" dirty="0"/>
+              <a:t> operator=="-":</a:t>
+            </a:r>
+          </a:p>
+          <a:p>
+            <a:r>
+              <a:rPr lang="en-IN" sz="1600" dirty="0"/>
+              <a:t>    print(num1-num2)</a:t>
+            </a:r>
+          </a:p>
+          <a:p>
+            <a:r>
+              <a:rPr lang="en-IN" sz="1600" dirty="0" err="1"/>
+              <a:t>elif</a:t>
+            </a:r>
+            <a:r>
+              <a:rPr lang="en-IN" sz="1600" dirty="0"/>
+              <a:t> operator=="*":</a:t>
+            </a:r>
+          </a:p>
+          <a:p>
+            <a:r>
+              <a:rPr lang="en-IN" sz="1600" dirty="0"/>
+              <a:t>    print(num1*num2)</a:t>
+            </a:r>
+          </a:p>
+          <a:p>
+            <a:r>
+              <a:rPr lang="en-IN" sz="1600" dirty="0" err="1"/>
+              <a:t>elif</a:t>
+            </a:r>
+            <a:r>
+              <a:rPr lang="en-IN" sz="1600" dirty="0"/>
+              <a:t> operator=="/":</a:t>
+            </a:r>
+          </a:p>
+          <a:p>
+            <a:r>
+              <a:rPr lang="en-IN" sz="1600" dirty="0"/>
+              <a:t>    print(num1/num2)</a:t>
+            </a:r>
+          </a:p>
+          <a:p>
+            <a:r>
+              <a:rPr lang="en-IN" sz="1600" dirty="0"/>
+              <a:t>else:</a:t>
+            </a:r>
+          </a:p>
+          <a:p>
+            <a:r>
+              <a:rPr lang="en-IN" sz="1600" dirty="0"/>
+              <a:t>    print("unexpected error")</a:t>
+            </a:r>
           </a:p>
         </p:txBody>
       </p:sp>
       <p:cxnSp>
         <p:nvCxnSpPr>
-          <p:cNvPr id="5" name="Straight Connector 4">
-            <a:extLst>
-              <a:ext uri="{FF2B5EF4-FFF2-40B4-BE49-F238E27FC236}">
-                <a16:creationId xmlns:a16="http://schemas.microsoft.com/office/drawing/2014/main" id="{2EEF2E1A-5287-4EE6-82F9-915A562F02CC}"/>
+          <p:cNvPr id="11" name="Straight Connector 10">
+            <a:extLst>
+              <a:ext uri="{FF2B5EF4-FFF2-40B4-BE49-F238E27FC236}">
+                <a16:creationId xmlns:a16="http://schemas.microsoft.com/office/drawing/2014/main" id="{6670206B-2658-488A-A715-8E6793E448D5}"/>
               </a:ext>
             </a:extLst>
           </p:cNvPr>
@@ -5519,21 +8680,57 @@
         </p:nvCxnSpPr>
         <p:spPr>
           <a:xfrm>
-            <a:off x="838200" y="1464816"/>
-            <a:ext cx="9033769" cy="0"/>
+            <a:off x="8682362" y="39949"/>
+            <a:ext cx="0" cy="6778101"/>
           </a:xfrm>
           <a:prstGeom prst="line">
             <a:avLst/>
           </a:prstGeom>
         </p:spPr>
         <p:style>
-          <a:lnRef idx="3">
+          <a:lnRef idx="1">
             <a:schemeClr val="dk1"/>
           </a:lnRef>
           <a:fillRef idx="0">
             <a:schemeClr val="dk1"/>
           </a:fillRef>
-          <a:effectRef idx="2">
+          <a:effectRef idx="0">
+            <a:schemeClr val="dk1"/>
+          </a:effectRef>
+          <a:fontRef idx="minor">
+            <a:schemeClr val="tx1"/>
+          </a:fontRef>
+        </p:style>
+      </p:cxnSp>
+      <p:cxnSp>
+        <p:nvCxnSpPr>
+          <p:cNvPr id="13" name="Straight Connector 12">
+            <a:extLst>
+              <a:ext uri="{FF2B5EF4-FFF2-40B4-BE49-F238E27FC236}">
+                <a16:creationId xmlns:a16="http://schemas.microsoft.com/office/drawing/2014/main" id="{9DDD4A56-6384-4591-807C-AF36BF61419B}"/>
+              </a:ext>
+            </a:extLst>
+          </p:cNvPr>
+          <p:cNvCxnSpPr/>
+          <p:nvPr/>
+        </p:nvCxnSpPr>
+        <p:spPr>
+          <a:xfrm>
+            <a:off x="4643021" y="39949"/>
+            <a:ext cx="0" cy="6778101"/>
+          </a:xfrm>
+          <a:prstGeom prst="line">
+            <a:avLst/>
+          </a:prstGeom>
+        </p:spPr>
+        <p:style>
+          <a:lnRef idx="1">
+            <a:schemeClr val="dk1"/>
+          </a:lnRef>
+          <a:fillRef idx="0">
+            <a:schemeClr val="dk1"/>
+          </a:fillRef>
+          <a:effectRef idx="0">
             <a:schemeClr val="dk1"/>
           </a:effectRef>
           <a:fontRef idx="minor">
@@ -5544,7 +8741,371 @@
     </p:spTree>
     <p:extLst>
       <p:ext uri="{BB962C8B-B14F-4D97-AF65-F5344CB8AC3E}">
-        <p14:creationId xmlns:p14="http://schemas.microsoft.com/office/powerpoint/2010/main" val="2352014591"/>
+        <p14:creationId xmlns:p14="http://schemas.microsoft.com/office/powerpoint/2010/main" val="1137138626"/>
+      </p:ext>
+    </p:extLst>
+  </p:cSld>
+  <p:clrMapOvr>
+    <a:masterClrMapping/>
+  </p:clrMapOvr>
+</p:sld>
+</file>
+
+<file path=ppt/slides/slide9.xml><?xml version="1.0" encoding="utf-8"?>
+<p:sld xmlns:a="http://schemas.openxmlformats.org/drawingml/2006/main" xmlns:r="http://schemas.openxmlformats.org/officeDocument/2006/relationships" xmlns:p="http://schemas.openxmlformats.org/presentationml/2006/main">
+  <p:cSld>
+    <p:spTree>
+      <p:nvGrpSpPr>
+        <p:cNvPr id="1" name=""/>
+        <p:cNvGrpSpPr/>
+        <p:nvPr/>
+      </p:nvGrpSpPr>
+      <p:grpSpPr>
+        <a:xfrm>
+          <a:off x="0" y="0"/>
+          <a:ext cx="0" cy="0"/>
+          <a:chOff x="0" y="0"/>
+          <a:chExt cx="0" cy="0"/>
+        </a:xfrm>
+      </p:grpSpPr>
+      <p:sp>
+        <p:nvSpPr>
+          <p:cNvPr id="2" name="Title 1">
+            <a:extLst>
+              <a:ext uri="{FF2B5EF4-FFF2-40B4-BE49-F238E27FC236}">
+                <a16:creationId xmlns:a16="http://schemas.microsoft.com/office/drawing/2014/main" id="{A0F41D22-9629-45FB-A755-F1C0A5516305}"/>
+              </a:ext>
+            </a:extLst>
+          </p:cNvPr>
+          <p:cNvSpPr>
+            <a:spLocks noGrp="1"/>
+          </p:cNvSpPr>
+          <p:nvPr>
+            <p:ph type="title"/>
+          </p:nvPr>
+        </p:nvSpPr>
+        <p:spPr>
+          <a:xfrm>
+            <a:off x="838200" y="365125"/>
+            <a:ext cx="10515600" cy="380599"/>
+          </a:xfrm>
+        </p:spPr>
+        <p:txBody>
+          <a:bodyPr>
+            <a:normAutofit fontScale="90000"/>
+          </a:bodyPr>
+          <a:lstStyle/>
+          <a:p>
+            <a:r>
+              <a:rPr lang="en-US" dirty="0"/>
+              <a:t>Exercise:</a:t>
+            </a:r>
+            <a:endParaRPr lang="en-IN" dirty="0"/>
+          </a:p>
+        </p:txBody>
+      </p:sp>
+      <p:sp>
+        <p:nvSpPr>
+          <p:cNvPr id="3" name="Content Placeholder 2">
+            <a:extLst>
+              <a:ext uri="{FF2B5EF4-FFF2-40B4-BE49-F238E27FC236}">
+                <a16:creationId xmlns:a16="http://schemas.microsoft.com/office/drawing/2014/main" id="{C7E05AEF-8294-4CA6-BBDE-B9F2F9682DA1}"/>
+              </a:ext>
+            </a:extLst>
+          </p:cNvPr>
+          <p:cNvSpPr>
+            <a:spLocks noGrp="1"/>
+          </p:cNvSpPr>
+          <p:nvPr>
+            <p:ph idx="1"/>
+          </p:nvPr>
+        </p:nvSpPr>
+        <p:spPr>
+          <a:xfrm>
+            <a:off x="727969" y="1029810"/>
+            <a:ext cx="11390050" cy="5828190"/>
+          </a:xfrm>
+        </p:spPr>
+        <p:txBody>
+          <a:bodyPr>
+            <a:normAutofit/>
+          </a:bodyPr>
+          <a:lstStyle/>
+          <a:p>
+            <a:r>
+              <a:rPr lang="en-US" dirty="0"/>
+              <a:t>Write a program to take input of number from the user and guess the right number given and limit the no of guess.</a:t>
+            </a:r>
+          </a:p>
+          <a:p>
+            <a:pPr marL="457200" lvl="1" indent="0">
+              <a:buNone/>
+            </a:pPr>
+            <a:r>
+              <a:rPr lang="en-US" sz="1400" dirty="0"/>
+              <a:t>&gt;&gt;</a:t>
+            </a:r>
+            <a:r>
+              <a:rPr lang="en-US" sz="1600" dirty="0"/>
+              <a:t>n=10</a:t>
+            </a:r>
+          </a:p>
+          <a:p>
+            <a:pPr marL="457200" lvl="1" indent="0">
+              <a:buNone/>
+            </a:pPr>
+            <a:r>
+              <a:rPr lang="en-US" sz="1600" dirty="0"/>
+              <a:t>&gt;&gt;</a:t>
+            </a:r>
+            <a:r>
+              <a:rPr lang="en-US" sz="1600" dirty="0" err="1"/>
+              <a:t>number_of_guesses</a:t>
+            </a:r>
+            <a:r>
+              <a:rPr lang="en-US" sz="1600" dirty="0"/>
+              <a:t>=1</a:t>
+            </a:r>
+          </a:p>
+          <a:p>
+            <a:pPr marL="457200" lvl="1" indent="0">
+              <a:buNone/>
+            </a:pPr>
+            <a:r>
+              <a:rPr lang="en-US" sz="1600" dirty="0"/>
+              <a:t>&gt;&gt;print(“Number of guesses is limited to only 5 times:”)</a:t>
+            </a:r>
+          </a:p>
+          <a:p>
+            <a:pPr marL="457200" lvl="1" indent="0">
+              <a:buNone/>
+            </a:pPr>
+            <a:r>
+              <a:rPr lang="en-US" sz="1600" dirty="0"/>
+              <a:t>&gt;&gt;</a:t>
+            </a:r>
+            <a:r>
+              <a:rPr lang="en-US" sz="1600" b="1" dirty="0"/>
+              <a:t>while</a:t>
+            </a:r>
+            <a:r>
+              <a:rPr lang="en-US" sz="1600" dirty="0"/>
+              <a:t>(</a:t>
+            </a:r>
+            <a:r>
+              <a:rPr lang="en-US" sz="1600" dirty="0" err="1"/>
+              <a:t>number_of_guesses</a:t>
+            </a:r>
+            <a:r>
+              <a:rPr lang="en-US" sz="1600" dirty="0"/>
+              <a:t>&lt;=5):</a:t>
+            </a:r>
+          </a:p>
+          <a:p>
+            <a:pPr marL="457200" lvl="1" indent="0">
+              <a:buNone/>
+            </a:pPr>
+            <a:r>
+              <a:rPr lang="en-US" sz="1600" dirty="0"/>
+              <a:t>      </a:t>
+            </a:r>
+            <a:r>
+              <a:rPr lang="en-US" sz="1600" dirty="0" err="1"/>
+              <a:t>guess_number</a:t>
+            </a:r>
+            <a:r>
+              <a:rPr lang="en-US" sz="1600" dirty="0"/>
+              <a:t>=int(input(“Guess the number :\n”))</a:t>
+            </a:r>
+          </a:p>
+          <a:p>
+            <a:pPr marL="457200" lvl="1" indent="0">
+              <a:buNone/>
+            </a:pPr>
+            <a:r>
+              <a:rPr lang="en-US" sz="1600" dirty="0"/>
+              <a:t>      if </a:t>
+            </a:r>
+            <a:r>
+              <a:rPr lang="en-US" sz="1600" dirty="0" err="1"/>
+              <a:t>guess_number</a:t>
+            </a:r>
+            <a:r>
+              <a:rPr lang="en-US" sz="1600" dirty="0"/>
+              <a:t>&lt;10:</a:t>
+            </a:r>
+          </a:p>
+          <a:p>
+            <a:pPr marL="457200" lvl="1" indent="0">
+              <a:buNone/>
+            </a:pPr>
+            <a:r>
+              <a:rPr lang="en-US" sz="1600" dirty="0"/>
+              <a:t>         print(“you enter less number ,please input greater number.\n”)</a:t>
+            </a:r>
+          </a:p>
+          <a:p>
+            <a:pPr marL="457200" lvl="1" indent="0">
+              <a:buNone/>
+            </a:pPr>
+            <a:r>
+              <a:rPr lang="en-US" sz="1600" dirty="0"/>
+              <a:t>    </a:t>
+            </a:r>
+            <a:r>
+              <a:rPr lang="en-US" sz="1600" dirty="0" err="1"/>
+              <a:t>elif</a:t>
+            </a:r>
+            <a:r>
+              <a:rPr lang="en-US" sz="1600" dirty="0"/>
+              <a:t> </a:t>
+            </a:r>
+            <a:r>
+              <a:rPr lang="en-US" sz="1600" dirty="0" err="1"/>
+              <a:t>guess_number</a:t>
+            </a:r>
+            <a:r>
+              <a:rPr lang="en-US" sz="1600" dirty="0"/>
+              <a:t>&gt;10:</a:t>
+            </a:r>
+          </a:p>
+          <a:p>
+            <a:pPr marL="457200" lvl="1" indent="0">
+              <a:buNone/>
+            </a:pPr>
+            <a:r>
+              <a:rPr lang="en-US" sz="1600" dirty="0"/>
+              <a:t>        print(“you enter greater number ,please input smaller number.\n”)</a:t>
+            </a:r>
+          </a:p>
+          <a:p>
+            <a:pPr marL="457200" lvl="1" indent="0">
+              <a:buNone/>
+            </a:pPr>
+            <a:r>
+              <a:rPr lang="en-US" sz="1600" dirty="0"/>
+              <a:t>   else:</a:t>
+            </a:r>
+          </a:p>
+          <a:p>
+            <a:pPr marL="457200" lvl="1" indent="0">
+              <a:buNone/>
+            </a:pPr>
+            <a:r>
+              <a:rPr lang="en-US" sz="1600" dirty="0"/>
+              <a:t>      print(“You Won.\n”)</a:t>
+            </a:r>
+          </a:p>
+          <a:p>
+            <a:pPr marL="457200" lvl="1" indent="0">
+              <a:buNone/>
+            </a:pPr>
+            <a:r>
+              <a:rPr lang="en-US" sz="1600" dirty="0"/>
+              <a:t>       print(</a:t>
+            </a:r>
+            <a:r>
+              <a:rPr lang="en-US" sz="1600" dirty="0" err="1"/>
+              <a:t>number_of_guesses</a:t>
+            </a:r>
+            <a:r>
+              <a:rPr lang="en-US" sz="1600" dirty="0"/>
+              <a:t>,” no. of guesses you took to finish.”)</a:t>
+            </a:r>
+          </a:p>
+          <a:p>
+            <a:pPr marL="457200" lvl="1" indent="0">
+              <a:buNone/>
+            </a:pPr>
+            <a:r>
+              <a:rPr lang="en-US" sz="1600" dirty="0"/>
+              <a:t>        </a:t>
+            </a:r>
+            <a:r>
+              <a:rPr lang="en-US" sz="1600" b="1" dirty="0"/>
+              <a:t>break</a:t>
+            </a:r>
+          </a:p>
+          <a:p>
+            <a:pPr marL="457200" lvl="1" indent="0">
+              <a:buNone/>
+            </a:pPr>
+            <a:r>
+              <a:rPr lang="en-US" sz="1600" dirty="0"/>
+              <a:t>&gt;&gt;print(5 - </a:t>
+            </a:r>
+            <a:r>
+              <a:rPr lang="en-US" sz="1600" dirty="0" err="1"/>
+              <a:t>number_of_guesses</a:t>
+            </a:r>
+            <a:r>
+              <a:rPr lang="en-US" sz="1600" dirty="0"/>
+              <a:t>,” </a:t>
+            </a:r>
+            <a:r>
+              <a:rPr lang="en-US" sz="1600" dirty="0" err="1"/>
+              <a:t>no.of</a:t>
+            </a:r>
+            <a:r>
+              <a:rPr lang="en-US" sz="1600" dirty="0"/>
+              <a:t> guesses left.”)</a:t>
+            </a:r>
+          </a:p>
+          <a:p>
+            <a:pPr marL="457200" lvl="1" indent="0">
+              <a:buNone/>
+            </a:pPr>
+            <a:r>
+              <a:rPr lang="en-US" sz="1600" dirty="0"/>
+              <a:t>&gt;&gt;</a:t>
+            </a:r>
+            <a:r>
+              <a:rPr lang="en-US" sz="1600" dirty="0" err="1"/>
+              <a:t>number_of_guesses</a:t>
+            </a:r>
+            <a:r>
+              <a:rPr lang="en-US" sz="1600" dirty="0"/>
+              <a:t>=number_of_guesses+1</a:t>
+            </a:r>
+          </a:p>
+          <a:p>
+            <a:pPr marL="457200" lvl="1" indent="0">
+              <a:buNone/>
+            </a:pPr>
+            <a:r>
+              <a:rPr lang="en-US" sz="1600" dirty="0"/>
+              <a:t>&gt;&gt;if(</a:t>
+            </a:r>
+            <a:r>
+              <a:rPr lang="en-US" sz="1600" dirty="0" err="1"/>
+              <a:t>number_of_guesses</a:t>
+            </a:r>
+            <a:r>
+              <a:rPr lang="en-US" sz="1600" dirty="0"/>
+              <a:t>&gt;5):</a:t>
+            </a:r>
+          </a:p>
+          <a:p>
+            <a:pPr marL="457200" lvl="1" indent="0">
+              <a:buNone/>
+            </a:pPr>
+            <a:r>
+              <a:rPr lang="en-US" sz="1600" dirty="0"/>
+              <a:t>       print(“GAME OVER”)</a:t>
+            </a:r>
+          </a:p>
+          <a:p>
+            <a:pPr marL="0" indent="0">
+              <a:buNone/>
+            </a:pPr>
+            <a:endParaRPr lang="en-IN" sz="1800" dirty="0"/>
+          </a:p>
+        </p:txBody>
+      </p:sp>
+    </p:spTree>
+    <p:extLst>
+      <p:ext uri="{BB962C8B-B14F-4D97-AF65-F5344CB8AC3E}">
+        <p14:creationId xmlns:p14="http://schemas.microsoft.com/office/powerpoint/2010/main" val="3805098950"/>
       </p:ext>
     </p:extLst>
   </p:cSld>

--- a/Python-Slides/Conditional-Statements-Session#8.pptx
+++ b/Python-Slides/Conditional-Statements-Session#8.pptx
@@ -20,6 +20,7 @@
     <p:sldId id="268" r:id="rId14"/>
     <p:sldId id="269" r:id="rId15"/>
     <p:sldId id="270" r:id="rId16"/>
+    <p:sldId id="271" r:id="rId17"/>
   </p:sldIdLst>
   <p:sldSz cx="12192000" cy="6858000"/>
   <p:notesSz cx="6858000" cy="9144000"/>
@@ -275,7 +276,7 @@
           <a:p>
             <a:fld id="{2E1D1B89-DD55-4FBE-8F98-F8E3D60F8009}" type="datetimeFigureOut">
               <a:rPr lang="en-IN" smtClean="0"/>
-              <a:t>15-08-2021</a:t>
+              <a:t>25-08-2021</a:t>
             </a:fld>
             <a:endParaRPr lang="en-IN"/>
           </a:p>
@@ -475,7 +476,7 @@
           <a:p>
             <a:fld id="{2E1D1B89-DD55-4FBE-8F98-F8E3D60F8009}" type="datetimeFigureOut">
               <a:rPr lang="en-IN" smtClean="0"/>
-              <a:t>15-08-2021</a:t>
+              <a:t>25-08-2021</a:t>
             </a:fld>
             <a:endParaRPr lang="en-IN"/>
           </a:p>
@@ -685,7 +686,7 @@
           <a:p>
             <a:fld id="{2E1D1B89-DD55-4FBE-8F98-F8E3D60F8009}" type="datetimeFigureOut">
               <a:rPr lang="en-IN" smtClean="0"/>
-              <a:t>15-08-2021</a:t>
+              <a:t>25-08-2021</a:t>
             </a:fld>
             <a:endParaRPr lang="en-IN"/>
           </a:p>
@@ -885,7 +886,7 @@
           <a:p>
             <a:fld id="{2E1D1B89-DD55-4FBE-8F98-F8E3D60F8009}" type="datetimeFigureOut">
               <a:rPr lang="en-IN" smtClean="0"/>
-              <a:t>15-08-2021</a:t>
+              <a:t>25-08-2021</a:t>
             </a:fld>
             <a:endParaRPr lang="en-IN"/>
           </a:p>
@@ -1161,7 +1162,7 @@
           <a:p>
             <a:fld id="{2E1D1B89-DD55-4FBE-8F98-F8E3D60F8009}" type="datetimeFigureOut">
               <a:rPr lang="en-IN" smtClean="0"/>
-              <a:t>15-08-2021</a:t>
+              <a:t>25-08-2021</a:t>
             </a:fld>
             <a:endParaRPr lang="en-IN"/>
           </a:p>
@@ -1429,7 +1430,7 @@
           <a:p>
             <a:fld id="{2E1D1B89-DD55-4FBE-8F98-F8E3D60F8009}" type="datetimeFigureOut">
               <a:rPr lang="en-IN" smtClean="0"/>
-              <a:t>15-08-2021</a:t>
+              <a:t>25-08-2021</a:t>
             </a:fld>
             <a:endParaRPr lang="en-IN"/>
           </a:p>
@@ -1844,7 +1845,7 @@
           <a:p>
             <a:fld id="{2E1D1B89-DD55-4FBE-8F98-F8E3D60F8009}" type="datetimeFigureOut">
               <a:rPr lang="en-IN" smtClean="0"/>
-              <a:t>15-08-2021</a:t>
+              <a:t>25-08-2021</a:t>
             </a:fld>
             <a:endParaRPr lang="en-IN"/>
           </a:p>
@@ -1986,7 +1987,7 @@
           <a:p>
             <a:fld id="{2E1D1B89-DD55-4FBE-8F98-F8E3D60F8009}" type="datetimeFigureOut">
               <a:rPr lang="en-IN" smtClean="0"/>
-              <a:t>15-08-2021</a:t>
+              <a:t>25-08-2021</a:t>
             </a:fld>
             <a:endParaRPr lang="en-IN"/>
           </a:p>
@@ -2099,7 +2100,7 @@
           <a:p>
             <a:fld id="{2E1D1B89-DD55-4FBE-8F98-F8E3D60F8009}" type="datetimeFigureOut">
               <a:rPr lang="en-IN" smtClean="0"/>
-              <a:t>15-08-2021</a:t>
+              <a:t>25-08-2021</a:t>
             </a:fld>
             <a:endParaRPr lang="en-IN"/>
           </a:p>
@@ -2412,7 +2413,7 @@
           <a:p>
             <a:fld id="{2E1D1B89-DD55-4FBE-8F98-F8E3D60F8009}" type="datetimeFigureOut">
               <a:rPr lang="en-IN" smtClean="0"/>
-              <a:t>15-08-2021</a:t>
+              <a:t>25-08-2021</a:t>
             </a:fld>
             <a:endParaRPr lang="en-IN"/>
           </a:p>
@@ -2701,7 +2702,7 @@
           <a:p>
             <a:fld id="{2E1D1B89-DD55-4FBE-8F98-F8E3D60F8009}" type="datetimeFigureOut">
               <a:rPr lang="en-IN" smtClean="0"/>
-              <a:t>15-08-2021</a:t>
+              <a:t>25-08-2021</a:t>
             </a:fld>
             <a:endParaRPr lang="en-IN"/>
           </a:p>
@@ -2944,7 +2945,7 @@
           <a:p>
             <a:fld id="{2E1D1B89-DD55-4FBE-8F98-F8E3D60F8009}" type="datetimeFigureOut">
               <a:rPr lang="en-IN" smtClean="0"/>
-              <a:t>15-08-2021</a:t>
+              <a:t>25-08-2021</a:t>
             </a:fld>
             <a:endParaRPr lang="en-IN"/>
           </a:p>
@@ -5246,8 +5247,8 @@
         </p:nvSpPr>
         <p:spPr bwMode="auto">
           <a:xfrm>
-            <a:off x="1065320" y="860936"/>
-            <a:ext cx="5568696" cy="2308324"/>
+            <a:off x="648069" y="389779"/>
+            <a:ext cx="8034292" cy="5170646"/>
           </a:xfrm>
           <a:prstGeom prst="rect">
             <a:avLst/>
@@ -5312,7 +5313,7 @@
               <a:tabLst/>
             </a:pPr>
             <a:r>
-              <a:rPr kumimoji="0" lang="en-US" altLang="en-US" sz="1000" b="0" i="0" u="none" strike="noStrike" cap="none" normalizeH="0" baseline="0">
+              <a:rPr kumimoji="0" lang="en-US" altLang="en-US" sz="1400" b="0" i="0" u="none" strike="noStrike" cap="none" normalizeH="0" baseline="0" dirty="0">
                 <a:ln>
                   <a:noFill/>
                 </a:ln>
@@ -5325,7 +5326,7 @@
               <a:t># Python's `for` and `while` loops</a:t>
             </a:r>
             <a:r>
-              <a:rPr kumimoji="0" lang="en-US" altLang="en-US" sz="1000" b="0" i="0" u="none" strike="noStrike" cap="none" normalizeH="0" baseline="0">
+              <a:rPr kumimoji="0" lang="en-US" altLang="en-US" sz="1400" b="0" i="0" u="none" strike="noStrike" cap="none" normalizeH="0" baseline="0" dirty="0">
                 <a:ln>
                   <a:noFill/>
                 </a:ln>
@@ -5338,7 +5339,7 @@
               <a:t> </a:t>
             </a:r>
             <a:r>
-              <a:rPr kumimoji="0" lang="en-US" altLang="en-US" sz="1000" b="0" i="0" u="none" strike="noStrike" cap="none" normalizeH="0" baseline="0">
+              <a:rPr kumimoji="0" lang="en-US" altLang="en-US" sz="1400" b="0" i="0" u="none" strike="noStrike" cap="none" normalizeH="0" baseline="0" dirty="0">
                 <a:ln>
                   <a:noFill/>
                 </a:ln>
@@ -5351,7 +5352,7 @@
               <a:t># support an `else` clause that executes</a:t>
             </a:r>
             <a:r>
-              <a:rPr kumimoji="0" lang="en-US" altLang="en-US" sz="1000" b="0" i="0" u="none" strike="noStrike" cap="none" normalizeH="0" baseline="0">
+              <a:rPr kumimoji="0" lang="en-US" altLang="en-US" sz="1400" b="0" i="0" u="none" strike="noStrike" cap="none" normalizeH="0" baseline="0" dirty="0">
                 <a:ln>
                   <a:noFill/>
                 </a:ln>
@@ -5364,7 +5365,7 @@
               <a:t> </a:t>
             </a:r>
             <a:r>
-              <a:rPr kumimoji="0" lang="en-US" altLang="en-US" sz="1000" b="0" i="0" u="none" strike="noStrike" cap="none" normalizeH="0" baseline="0">
+              <a:rPr kumimoji="0" lang="en-US" altLang="en-US" sz="1400" b="0" i="0" u="none" strike="noStrike" cap="none" normalizeH="0" baseline="0" dirty="0">
                 <a:ln>
                   <a:noFill/>
                 </a:ln>
@@ -5377,7 +5378,7 @@
               <a:t># only if the loops terminates without</a:t>
             </a:r>
             <a:r>
-              <a:rPr kumimoji="0" lang="en-US" altLang="en-US" sz="1000" b="0" i="0" u="none" strike="noStrike" cap="none" normalizeH="0" baseline="0">
+              <a:rPr kumimoji="0" lang="en-US" altLang="en-US" sz="1400" b="0" i="0" u="none" strike="noStrike" cap="none" normalizeH="0" baseline="0" dirty="0">
                 <a:ln>
                   <a:noFill/>
                 </a:ln>
@@ -5390,7 +5391,7 @@
               <a:t> </a:t>
             </a:r>
             <a:r>
-              <a:rPr kumimoji="0" lang="en-US" altLang="en-US" sz="1000" b="0" i="0" u="none" strike="noStrike" cap="none" normalizeH="0" baseline="0">
+              <a:rPr kumimoji="0" lang="en-US" altLang="en-US" sz="1400" b="0" i="0" u="none" strike="noStrike" cap="none" normalizeH="0" baseline="0" dirty="0">
                 <a:ln>
                   <a:noFill/>
                 </a:ln>
@@ -5403,7 +5404,7 @@
               <a:t># hitting a `break` statement.</a:t>
             </a:r>
             <a:r>
-              <a:rPr kumimoji="0" lang="en-US" altLang="en-US" sz="1000" b="0" i="0" u="none" strike="noStrike" cap="none" normalizeH="0" baseline="0">
+              <a:rPr kumimoji="0" lang="en-US" altLang="en-US" sz="1400" b="0" i="0" u="none" strike="noStrike" cap="none" normalizeH="0" baseline="0" dirty="0">
                 <a:ln>
                   <a:noFill/>
                 </a:ln>
@@ -5416,7 +5417,7 @@
               <a:t> </a:t>
             </a:r>
             <a:r>
-              <a:rPr kumimoji="0" lang="en-US" altLang="en-US" sz="1000" b="1" i="0" u="none" strike="noStrike" cap="none" normalizeH="0" baseline="0">
+              <a:rPr kumimoji="0" lang="en-US" altLang="en-US" sz="1400" b="1" i="0" u="none" strike="noStrike" cap="none" normalizeH="0" baseline="0" dirty="0">
                 <a:ln>
                   <a:noFill/>
                 </a:ln>
@@ -5429,7 +5430,7 @@
               <a:t>def</a:t>
             </a:r>
             <a:r>
-              <a:rPr kumimoji="0" lang="en-US" altLang="en-US" sz="1000" b="0" i="0" u="none" strike="noStrike" cap="none" normalizeH="0" baseline="0">
+              <a:rPr kumimoji="0" lang="en-US" altLang="en-US" sz="1400" b="0" i="0" u="none" strike="noStrike" cap="none" normalizeH="0" baseline="0" dirty="0">
                 <a:ln>
                   <a:noFill/>
                 </a:ln>
@@ -5442,7 +5443,7 @@
               <a:t> </a:t>
             </a:r>
             <a:r>
-              <a:rPr kumimoji="0" lang="en-US" altLang="en-US" sz="1000" b="1" i="0" u="none" strike="noStrike" cap="none" normalizeH="0" baseline="0">
+              <a:rPr kumimoji="0" lang="en-US" altLang="en-US" sz="1400" b="1" i="0" u="none" strike="noStrike" cap="none" normalizeH="0" baseline="0" dirty="0">
                 <a:ln>
                   <a:noFill/>
                 </a:ln>
@@ -5455,7 +5456,7 @@
               <a:t>contains</a:t>
             </a:r>
             <a:r>
-              <a:rPr kumimoji="0" lang="en-US" altLang="en-US" sz="1000" b="0" i="0" u="none" strike="noStrike" cap="none" normalizeH="0" baseline="0">
+              <a:rPr kumimoji="0" lang="en-US" altLang="en-US" sz="1400" b="0" i="0" u="none" strike="noStrike" cap="none" normalizeH="0" baseline="0" dirty="0">
                 <a:ln>
                   <a:noFill/>
                 </a:ln>
@@ -5467,8 +5468,26 @@
               </a:rPr>
               <a:t>(haystack, needle): </a:t>
             </a:r>
-            <a:r>
-              <a:rPr kumimoji="0" lang="en-US" altLang="en-US" sz="1000" b="0" i="0" u="none" strike="noStrike" cap="none" normalizeH="0" baseline="0">
+          </a:p>
+          <a:p>
+            <a:pPr marL="0" marR="0" lvl="0" indent="0" algn="l" defTabSz="914400" rtl="0" eaLnBrk="0" fontAlgn="base" latinLnBrk="0" hangingPunct="0">
+              <a:lnSpc>
+                <a:spcPct val="100000"/>
+              </a:lnSpc>
+              <a:spcBef>
+                <a:spcPct val="0"/>
+              </a:spcBef>
+              <a:spcAft>
+                <a:spcPct val="0"/>
+              </a:spcAft>
+              <a:buClrTx/>
+              <a:buSzTx/>
+              <a:buFontTx/>
+              <a:buNone/>
+              <a:tabLst/>
+            </a:pPr>
+            <a:r>
+              <a:rPr kumimoji="0" lang="en-US" altLang="en-US" sz="1400" b="0" i="0" u="none" strike="noStrike" cap="none" normalizeH="0" baseline="0" dirty="0">
                 <a:ln>
                   <a:noFill/>
                 </a:ln>
@@ -5481,7 +5500,7 @@
               <a:t>"""</a:t>
             </a:r>
             <a:r>
-              <a:rPr kumimoji="0" lang="en-US" altLang="en-US" sz="1000" b="0" i="0" u="none" strike="noStrike" cap="none" normalizeH="0" baseline="0">
+              <a:rPr kumimoji="0" lang="en-US" altLang="en-US" sz="1400" b="0" i="0" u="none" strike="noStrike" cap="none" normalizeH="0" baseline="0" dirty="0">
                 <a:ln>
                   <a:noFill/>
                 </a:ln>
@@ -5494,7 +5513,7 @@
               <a:t> </a:t>
             </a:r>
             <a:r>
-              <a:rPr kumimoji="0" lang="en-US" altLang="en-US" sz="1000" b="0" i="0" u="none" strike="noStrike" cap="none" normalizeH="0" baseline="0">
+              <a:rPr kumimoji="0" lang="en-US" altLang="en-US" sz="1400" b="0" i="0" u="none" strike="noStrike" cap="none" normalizeH="0" baseline="0" dirty="0">
                 <a:ln>
                   <a:noFill/>
                 </a:ln>
@@ -5504,10 +5523,36 @@
                 <a:effectLst/>
                 <a:latin typeface="Courier New" panose="02070309020205020404" pitchFamily="49" charset="0"/>
               </a:rPr>
-              <a:t>Throw a ValueError if `needle` not</a:t>
-            </a:r>
-            <a:r>
-              <a:rPr kumimoji="0" lang="en-US" altLang="en-US" sz="1000" b="0" i="0" u="none" strike="noStrike" cap="none" normalizeH="0" baseline="0">
+              <a:t>Throw a </a:t>
+            </a:r>
+            <a:r>
+              <a:rPr kumimoji="0" lang="en-US" altLang="en-US" sz="1400" b="0" i="0" u="none" strike="noStrike" cap="none" normalizeH="0" baseline="0" dirty="0" err="1">
+                <a:ln>
+                  <a:noFill/>
+                </a:ln>
+                <a:solidFill>
+                  <a:srgbClr val="DD4422"/>
+                </a:solidFill>
+                <a:effectLst/>
+                <a:latin typeface="Courier New" panose="02070309020205020404" pitchFamily="49" charset="0"/>
+              </a:rPr>
+              <a:t>ValueError</a:t>
+            </a:r>
+            <a:r>
+              <a:rPr kumimoji="0" lang="en-US" altLang="en-US" sz="1400" b="0" i="0" u="none" strike="noStrike" cap="none" normalizeH="0" baseline="0" dirty="0">
+                <a:ln>
+                  <a:noFill/>
+                </a:ln>
+                <a:solidFill>
+                  <a:srgbClr val="DD4422"/>
+                </a:solidFill>
+                <a:effectLst/>
+                <a:latin typeface="Courier New" panose="02070309020205020404" pitchFamily="49" charset="0"/>
+              </a:rPr>
+              <a:t> if `needle` not</a:t>
+            </a:r>
+            <a:r>
+              <a:rPr kumimoji="0" lang="en-US" altLang="en-US" sz="1400" b="0" i="0" u="none" strike="noStrike" cap="none" normalizeH="0" baseline="0" dirty="0">
                 <a:ln>
                   <a:noFill/>
                 </a:ln>
@@ -5520,7 +5565,7 @@
               <a:t> </a:t>
             </a:r>
             <a:r>
-              <a:rPr kumimoji="0" lang="en-US" altLang="en-US" sz="1000" b="0" i="0" u="none" strike="noStrike" cap="none" normalizeH="0" baseline="0">
+              <a:rPr kumimoji="0" lang="en-US" altLang="en-US" sz="1400" b="0" i="0" u="none" strike="noStrike" cap="none" normalizeH="0" baseline="0" dirty="0">
                 <a:ln>
                   <a:noFill/>
                 </a:ln>
@@ -5533,7 +5578,7 @@
               <a:t>in `haystack`.</a:t>
             </a:r>
             <a:r>
-              <a:rPr kumimoji="0" lang="en-US" altLang="en-US" sz="1000" b="0" i="0" u="none" strike="noStrike" cap="none" normalizeH="0" baseline="0">
+              <a:rPr kumimoji="0" lang="en-US" altLang="en-US" sz="1400" b="0" i="0" u="none" strike="noStrike" cap="none" normalizeH="0" baseline="0" dirty="0">
                 <a:ln>
                   <a:noFill/>
                 </a:ln>
@@ -5546,7 +5591,7 @@
               <a:t> </a:t>
             </a:r>
             <a:r>
-              <a:rPr kumimoji="0" lang="en-US" altLang="en-US" sz="1000" b="0" i="0" u="none" strike="noStrike" cap="none" normalizeH="0" baseline="0">
+              <a:rPr kumimoji="0" lang="en-US" altLang="en-US" sz="1400" b="0" i="0" u="none" strike="noStrike" cap="none" normalizeH="0" baseline="0" dirty="0">
                 <a:ln>
                   <a:noFill/>
                 </a:ln>
@@ -5559,7 +5604,7 @@
               <a:t>"""</a:t>
             </a:r>
             <a:r>
-              <a:rPr kumimoji="0" lang="en-US" altLang="en-US" sz="1000" b="0" i="0" u="none" strike="noStrike" cap="none" normalizeH="0" baseline="0">
+              <a:rPr kumimoji="0" lang="en-US" altLang="en-US" sz="1400" b="0" i="0" u="none" strike="noStrike" cap="none" normalizeH="0" baseline="0" dirty="0">
                 <a:ln>
                   <a:noFill/>
                 </a:ln>
@@ -5571,8 +5616,26 @@
               </a:rPr>
               <a:t> </a:t>
             </a:r>
-            <a:r>
-              <a:rPr kumimoji="0" lang="en-US" altLang="en-US" sz="1000" b="1" i="0" u="none" strike="noStrike" cap="none" normalizeH="0" baseline="0">
+          </a:p>
+          <a:p>
+            <a:pPr marL="0" marR="0" lvl="0" indent="0" algn="l" defTabSz="914400" rtl="0" eaLnBrk="0" fontAlgn="base" latinLnBrk="0" hangingPunct="0">
+              <a:lnSpc>
+                <a:spcPct val="100000"/>
+              </a:lnSpc>
+              <a:spcBef>
+                <a:spcPct val="0"/>
+              </a:spcBef>
+              <a:spcAft>
+                <a:spcPct val="0"/>
+              </a:spcAft>
+              <a:buClrTx/>
+              <a:buSzTx/>
+              <a:buFontTx/>
+              <a:buNone/>
+              <a:tabLst/>
+            </a:pPr>
+            <a:r>
+              <a:rPr kumimoji="0" lang="en-US" altLang="en-US" sz="1400" b="1" i="0" u="none" strike="noStrike" cap="none" normalizeH="0" baseline="0" dirty="0">
                 <a:ln>
                   <a:noFill/>
                 </a:ln>
@@ -5585,7 +5648,7 @@
               <a:t>for</a:t>
             </a:r>
             <a:r>
-              <a:rPr kumimoji="0" lang="en-US" altLang="en-US" sz="1000" b="0" i="0" u="none" strike="noStrike" cap="none" normalizeH="0" baseline="0">
+              <a:rPr kumimoji="0" lang="en-US" altLang="en-US" sz="1400" b="0" i="0" u="none" strike="noStrike" cap="none" normalizeH="0" baseline="0" dirty="0">
                 <a:ln>
                   <a:noFill/>
                 </a:ln>
@@ -5598,7 +5661,7 @@
               <a:t> item </a:t>
             </a:r>
             <a:r>
-              <a:rPr kumimoji="0" lang="en-US" altLang="en-US" sz="1000" b="1" i="0" u="none" strike="noStrike" cap="none" normalizeH="0" baseline="0">
+              <a:rPr kumimoji="0" lang="en-US" altLang="en-US" sz="1400" b="1" i="0" u="none" strike="noStrike" cap="none" normalizeH="0" baseline="0" dirty="0">
                 <a:ln>
                   <a:noFill/>
                 </a:ln>
@@ -5611,7 +5674,7 @@
               <a:t>in</a:t>
             </a:r>
             <a:r>
-              <a:rPr kumimoji="0" lang="en-US" altLang="en-US" sz="1000" b="0" i="0" u="none" strike="noStrike" cap="none" normalizeH="0" baseline="0">
+              <a:rPr kumimoji="0" lang="en-US" altLang="en-US" sz="1400" b="0" i="0" u="none" strike="noStrike" cap="none" normalizeH="0" baseline="0" dirty="0">
                 <a:ln>
                   <a:noFill/>
                 </a:ln>
@@ -5623,8 +5686,26 @@
               </a:rPr>
               <a:t> haystack: </a:t>
             </a:r>
-            <a:r>
-              <a:rPr kumimoji="0" lang="en-US" altLang="en-US" sz="1000" b="1" i="0" u="none" strike="noStrike" cap="none" normalizeH="0" baseline="0">
+          </a:p>
+          <a:p>
+            <a:pPr marL="0" marR="0" lvl="0" indent="0" algn="l" defTabSz="914400" rtl="0" eaLnBrk="0" fontAlgn="base" latinLnBrk="0" hangingPunct="0">
+              <a:lnSpc>
+                <a:spcPct val="100000"/>
+              </a:lnSpc>
+              <a:spcBef>
+                <a:spcPct val="0"/>
+              </a:spcBef>
+              <a:spcAft>
+                <a:spcPct val="0"/>
+              </a:spcAft>
+              <a:buClrTx/>
+              <a:buSzTx/>
+              <a:buFontTx/>
+              <a:buNone/>
+              <a:tabLst/>
+            </a:pPr>
+            <a:r>
+              <a:rPr kumimoji="0" lang="en-US" altLang="en-US" sz="1400" b="1" i="0" u="none" strike="noStrike" cap="none" normalizeH="0" baseline="0" dirty="0">
                 <a:ln>
                   <a:noFill/>
                 </a:ln>
@@ -5637,7 +5718,7 @@
               <a:t>if</a:t>
             </a:r>
             <a:r>
-              <a:rPr kumimoji="0" lang="en-US" altLang="en-US" sz="1000" b="0" i="0" u="none" strike="noStrike" cap="none" normalizeH="0" baseline="0">
+              <a:rPr kumimoji="0" lang="en-US" altLang="en-US" sz="1400" b="0" i="0" u="none" strike="noStrike" cap="none" normalizeH="0" baseline="0" dirty="0">
                 <a:ln>
                   <a:noFill/>
                 </a:ln>
@@ -5650,7 +5731,7 @@
               <a:t> item </a:t>
             </a:r>
             <a:r>
-              <a:rPr kumimoji="0" lang="en-US" altLang="en-US" sz="1000" b="0" i="0" u="none" strike="noStrike" cap="none" normalizeH="0" baseline="0">
+              <a:rPr kumimoji="0" lang="en-US" altLang="en-US" sz="1400" b="0" i="0" u="none" strike="noStrike" cap="none" normalizeH="0" baseline="0" dirty="0">
                 <a:ln>
                   <a:noFill/>
                 </a:ln>
@@ -5663,7 +5744,7 @@
               <a:t>==</a:t>
             </a:r>
             <a:r>
-              <a:rPr kumimoji="0" lang="en-US" altLang="en-US" sz="1000" b="0" i="0" u="none" strike="noStrike" cap="none" normalizeH="0" baseline="0">
+              <a:rPr kumimoji="0" lang="en-US" altLang="en-US" sz="1400" b="0" i="0" u="none" strike="noStrike" cap="none" normalizeH="0" baseline="0" dirty="0">
                 <a:ln>
                   <a:noFill/>
                 </a:ln>
@@ -5675,8 +5756,26 @@
               </a:rPr>
               <a:t> needle: </a:t>
             </a:r>
-            <a:r>
-              <a:rPr kumimoji="0" lang="en-US" altLang="en-US" sz="1000" b="1" i="0" u="none" strike="noStrike" cap="none" normalizeH="0" baseline="0">
+          </a:p>
+          <a:p>
+            <a:pPr marL="0" marR="0" lvl="0" indent="0" algn="l" defTabSz="914400" rtl="0" eaLnBrk="0" fontAlgn="base" latinLnBrk="0" hangingPunct="0">
+              <a:lnSpc>
+                <a:spcPct val="100000"/>
+              </a:lnSpc>
+              <a:spcBef>
+                <a:spcPct val="0"/>
+              </a:spcBef>
+              <a:spcAft>
+                <a:spcPct val="0"/>
+              </a:spcAft>
+              <a:buClrTx/>
+              <a:buSzTx/>
+              <a:buFontTx/>
+              <a:buNone/>
+              <a:tabLst/>
+            </a:pPr>
+            <a:r>
+              <a:rPr kumimoji="0" lang="en-US" altLang="en-US" sz="1400" b="1" i="0" u="none" strike="noStrike" cap="none" normalizeH="0" baseline="0" dirty="0">
                 <a:ln>
                   <a:noFill/>
                 </a:ln>
@@ -5689,7 +5788,7 @@
               <a:t>break</a:t>
             </a:r>
             <a:r>
-              <a:rPr kumimoji="0" lang="en-US" altLang="en-US" sz="1000" b="0" i="0" u="none" strike="noStrike" cap="none" normalizeH="0" baseline="0">
+              <a:rPr kumimoji="0" lang="en-US" altLang="en-US" sz="1400" b="0" i="0" u="none" strike="noStrike" cap="none" normalizeH="0" baseline="0" dirty="0">
                 <a:ln>
                   <a:noFill/>
                 </a:ln>
@@ -5701,8 +5800,26 @@
               </a:rPr>
               <a:t> </a:t>
             </a:r>
-            <a:r>
-              <a:rPr kumimoji="0" lang="en-US" altLang="en-US" sz="1000" b="1" i="0" u="none" strike="noStrike" cap="none" normalizeH="0" baseline="0">
+          </a:p>
+          <a:p>
+            <a:pPr marL="0" marR="0" lvl="0" indent="0" algn="l" defTabSz="914400" rtl="0" eaLnBrk="0" fontAlgn="base" latinLnBrk="0" hangingPunct="0">
+              <a:lnSpc>
+                <a:spcPct val="100000"/>
+              </a:lnSpc>
+              <a:spcBef>
+                <a:spcPct val="0"/>
+              </a:spcBef>
+              <a:spcAft>
+                <a:spcPct val="0"/>
+              </a:spcAft>
+              <a:buClrTx/>
+              <a:buSzTx/>
+              <a:buFontTx/>
+              <a:buNone/>
+              <a:tabLst/>
+            </a:pPr>
+            <a:r>
+              <a:rPr kumimoji="0" lang="en-US" altLang="en-US" sz="1400" b="1" i="0" u="none" strike="noStrike" cap="none" normalizeH="0" baseline="0" dirty="0">
                 <a:ln>
                   <a:noFill/>
                 </a:ln>
@@ -5715,7 +5832,7 @@
               <a:t>else</a:t>
             </a:r>
             <a:r>
-              <a:rPr kumimoji="0" lang="en-US" altLang="en-US" sz="1000" b="0" i="0" u="none" strike="noStrike" cap="none" normalizeH="0" baseline="0">
+              <a:rPr kumimoji="0" lang="en-US" altLang="en-US" sz="1400" b="0" i="0" u="none" strike="noStrike" cap="none" normalizeH="0" baseline="0" dirty="0">
                 <a:ln>
                   <a:noFill/>
                 </a:ln>
@@ -5728,7 +5845,7 @@
               <a:t>: </a:t>
             </a:r>
             <a:r>
-              <a:rPr kumimoji="0" lang="en-US" altLang="en-US" sz="1000" b="0" i="0" u="none" strike="noStrike" cap="none" normalizeH="0" baseline="0">
+              <a:rPr kumimoji="0" lang="en-US" altLang="en-US" sz="1400" b="0" i="0" u="none" strike="noStrike" cap="none" normalizeH="0" baseline="0" dirty="0">
                 <a:ln>
                   <a:noFill/>
                 </a:ln>
@@ -5741,7 +5858,7 @@
               <a:t># The `else` here is a</a:t>
             </a:r>
             <a:r>
-              <a:rPr kumimoji="0" lang="en-US" altLang="en-US" sz="1000" b="0" i="0" u="none" strike="noStrike" cap="none" normalizeH="0" baseline="0">
+              <a:rPr kumimoji="0" lang="en-US" altLang="en-US" sz="1400" b="0" i="0" u="none" strike="noStrike" cap="none" normalizeH="0" baseline="0" dirty="0">
                 <a:ln>
                   <a:noFill/>
                 </a:ln>
@@ -5754,7 +5871,7 @@
               <a:t> </a:t>
             </a:r>
             <a:r>
-              <a:rPr kumimoji="0" lang="en-US" altLang="en-US" sz="1000" b="0" i="0" u="none" strike="noStrike" cap="none" normalizeH="0" baseline="0">
+              <a:rPr kumimoji="0" lang="en-US" altLang="en-US" sz="1400" b="0" i="0" u="none" strike="noStrike" cap="none" normalizeH="0" baseline="0" dirty="0">
                 <a:ln>
                   <a:noFill/>
                 </a:ln>
@@ -5767,7 +5884,7 @@
               <a:t># "completion clause" that runs</a:t>
             </a:r>
             <a:r>
-              <a:rPr kumimoji="0" lang="en-US" altLang="en-US" sz="1000" b="0" i="0" u="none" strike="noStrike" cap="none" normalizeH="0" baseline="0">
+              <a:rPr kumimoji="0" lang="en-US" altLang="en-US" sz="1400" b="0" i="0" u="none" strike="noStrike" cap="none" normalizeH="0" baseline="0" dirty="0">
                 <a:ln>
                   <a:noFill/>
                 </a:ln>
@@ -5780,7 +5897,7 @@
               <a:t> </a:t>
             </a:r>
             <a:r>
-              <a:rPr kumimoji="0" lang="en-US" altLang="en-US" sz="1000" b="0" i="0" u="none" strike="noStrike" cap="none" normalizeH="0" baseline="0">
+              <a:rPr kumimoji="0" lang="en-US" altLang="en-US" sz="1400" b="0" i="0" u="none" strike="noStrike" cap="none" normalizeH="0" baseline="0" dirty="0">
                 <a:ln>
                   <a:noFill/>
                 </a:ln>
@@ -5793,7 +5910,7 @@
               <a:t># only if the loop ran to completion</a:t>
             </a:r>
             <a:r>
-              <a:rPr kumimoji="0" lang="en-US" altLang="en-US" sz="1000" b="0" i="0" u="none" strike="noStrike" cap="none" normalizeH="0" baseline="0">
+              <a:rPr kumimoji="0" lang="en-US" altLang="en-US" sz="1400" b="0" i="0" u="none" strike="noStrike" cap="none" normalizeH="0" baseline="0" dirty="0">
                 <a:ln>
                   <a:noFill/>
                 </a:ln>
@@ -5806,7 +5923,7 @@
               <a:t> </a:t>
             </a:r>
             <a:r>
-              <a:rPr kumimoji="0" lang="en-US" altLang="en-US" sz="1000" b="0" i="0" u="none" strike="noStrike" cap="none" normalizeH="0" baseline="0">
+              <a:rPr kumimoji="0" lang="en-US" altLang="en-US" sz="1400" b="0" i="0" u="none" strike="noStrike" cap="none" normalizeH="0" baseline="0" dirty="0">
                 <a:ln>
                   <a:noFill/>
                 </a:ln>
@@ -5819,7 +5936,7 @@
               <a:t># without hitting a `break` statement.</a:t>
             </a:r>
             <a:r>
-              <a:rPr kumimoji="0" lang="en-US" altLang="en-US" sz="1000" b="0" i="0" u="none" strike="noStrike" cap="none" normalizeH="0" baseline="0">
+              <a:rPr kumimoji="0" lang="en-US" altLang="en-US" sz="1400" b="0" i="0" u="none" strike="noStrike" cap="none" normalizeH="0" baseline="0" dirty="0">
                 <a:ln>
                   <a:noFill/>
                 </a:ln>
@@ -5831,8 +5948,26 @@
               </a:rPr>
               <a:t> </a:t>
             </a:r>
-            <a:r>
-              <a:rPr kumimoji="0" lang="en-US" altLang="en-US" sz="1000" b="1" i="0" u="none" strike="noStrike" cap="none" normalizeH="0" baseline="0">
+          </a:p>
+          <a:p>
+            <a:pPr marL="0" marR="0" lvl="0" indent="0" algn="l" defTabSz="914400" rtl="0" eaLnBrk="0" fontAlgn="base" latinLnBrk="0" hangingPunct="0">
+              <a:lnSpc>
+                <a:spcPct val="100000"/>
+              </a:lnSpc>
+              <a:spcBef>
+                <a:spcPct val="0"/>
+              </a:spcBef>
+              <a:spcAft>
+                <a:spcPct val="0"/>
+              </a:spcAft>
+              <a:buClrTx/>
+              <a:buSzTx/>
+              <a:buFontTx/>
+              <a:buNone/>
+              <a:tabLst/>
+            </a:pPr>
+            <a:r>
+              <a:rPr kumimoji="0" lang="en-US" altLang="en-US" sz="1400" b="1" i="0" u="none" strike="noStrike" cap="none" normalizeH="0" baseline="0" dirty="0">
                 <a:ln>
                   <a:noFill/>
                 </a:ln>
@@ -5845,7 +5980,7 @@
               <a:t>raise</a:t>
             </a:r>
             <a:r>
-              <a:rPr kumimoji="0" lang="en-US" altLang="en-US" sz="1000" b="0" i="0" u="none" strike="noStrike" cap="none" normalizeH="0" baseline="0">
+              <a:rPr kumimoji="0" lang="en-US" altLang="en-US" sz="1400" b="0" i="0" u="none" strike="noStrike" cap="none" normalizeH="0" baseline="0" dirty="0">
                 <a:ln>
                   <a:noFill/>
                 </a:ln>
@@ -5858,7 +5993,7 @@
               <a:t> </a:t>
             </a:r>
             <a:r>
-              <a:rPr kumimoji="0" lang="en-US" altLang="en-US" sz="1000" b="1" i="0" u="none" strike="noStrike" cap="none" normalizeH="0" baseline="0">
+              <a:rPr kumimoji="0" lang="en-US" altLang="en-US" sz="1400" b="1" i="0" u="none" strike="noStrike" cap="none" normalizeH="0" baseline="0" dirty="0" err="1">
                 <a:ln>
                   <a:noFill/>
                 </a:ln>
@@ -5871,7 +6006,7 @@
               <a:t>ValueError</a:t>
             </a:r>
             <a:r>
-              <a:rPr kumimoji="0" lang="en-US" altLang="en-US" sz="1000" b="0" i="0" u="none" strike="noStrike" cap="none" normalizeH="0" baseline="0">
+              <a:rPr kumimoji="0" lang="en-US" altLang="en-US" sz="1400" b="0" i="0" u="none" strike="noStrike" cap="none" normalizeH="0" baseline="0" dirty="0">
                 <a:ln>
                   <a:noFill/>
                 </a:ln>
@@ -5881,10 +6016,28 @@
                 <a:effectLst/>
                 <a:latin typeface="Courier New" panose="02070309020205020404" pitchFamily="49" charset="0"/>
               </a:rPr>
-              <a:t>('Needle not found') </a:t>
-            </a:r>
-            <a:r>
-              <a:rPr kumimoji="0" lang="en-US" altLang="en-US" sz="1000" b="0" i="0" u="none" strike="noStrike" cap="none" normalizeH="0" baseline="0">
+              <a:t>('Needle not found’) </a:t>
+            </a:r>
+          </a:p>
+          <a:p>
+            <a:pPr marL="0" marR="0" lvl="0" indent="0" algn="l" defTabSz="914400" rtl="0" eaLnBrk="0" fontAlgn="base" latinLnBrk="0" hangingPunct="0">
+              <a:lnSpc>
+                <a:spcPct val="100000"/>
+              </a:lnSpc>
+              <a:spcBef>
+                <a:spcPct val="0"/>
+              </a:spcBef>
+              <a:spcAft>
+                <a:spcPct val="0"/>
+              </a:spcAft>
+              <a:buClrTx/>
+              <a:buSzTx/>
+              <a:buFontTx/>
+              <a:buNone/>
+              <a:tabLst/>
+            </a:pPr>
+            <a:r>
+              <a:rPr kumimoji="0" lang="en-US" altLang="en-US" sz="1400" b="0" i="0" u="none" strike="noStrike" cap="none" normalizeH="0" baseline="0" dirty="0">
                 <a:ln>
                   <a:noFill/>
                 </a:ln>
@@ -5897,7 +6050,7 @@
               <a:t>&gt;&gt;&gt;</a:t>
             </a:r>
             <a:r>
-              <a:rPr kumimoji="0" lang="en-US" altLang="en-US" sz="1000" b="0" i="0" u="none" strike="noStrike" cap="none" normalizeH="0" baseline="0">
+              <a:rPr kumimoji="0" lang="en-US" altLang="en-US" sz="1400" b="0" i="0" u="none" strike="noStrike" cap="none" normalizeH="0" baseline="0" dirty="0">
                 <a:ln>
                   <a:noFill/>
                 </a:ln>
@@ -5910,7 +6063,7 @@
               <a:t> contains([</a:t>
             </a:r>
             <a:r>
-              <a:rPr kumimoji="0" lang="en-US" altLang="en-US" sz="1000" b="1" i="0" u="none" strike="noStrike" cap="none" normalizeH="0" baseline="0">
+              <a:rPr kumimoji="0" lang="en-US" altLang="en-US" sz="1400" b="1" i="0" u="none" strike="noStrike" cap="none" normalizeH="0" baseline="0" dirty="0">
                 <a:ln>
                   <a:noFill/>
                 </a:ln>
@@ -5923,7 +6076,7 @@
               <a:t>23</a:t>
             </a:r>
             <a:r>
-              <a:rPr kumimoji="0" lang="en-US" altLang="en-US" sz="1000" b="0" i="0" u="none" strike="noStrike" cap="none" normalizeH="0" baseline="0">
+              <a:rPr kumimoji="0" lang="en-US" altLang="en-US" sz="1400" b="0" i="0" u="none" strike="noStrike" cap="none" normalizeH="0" baseline="0" dirty="0">
                 <a:ln>
                   <a:noFill/>
                 </a:ln>
@@ -5936,7 +6089,7 @@
               <a:t>, 'needle', </a:t>
             </a:r>
             <a:r>
-              <a:rPr kumimoji="0" lang="en-US" altLang="en-US" sz="1000" b="1" i="0" u="none" strike="noStrike" cap="none" normalizeH="0" baseline="0">
+              <a:rPr kumimoji="0" lang="en-US" altLang="en-US" sz="1400" b="1" i="0" u="none" strike="noStrike" cap="none" normalizeH="0" baseline="0" dirty="0">
                 <a:ln>
                   <a:noFill/>
                 </a:ln>
@@ -5949,7 +6102,7 @@
               <a:t>0xbadc0ffee</a:t>
             </a:r>
             <a:r>
-              <a:rPr kumimoji="0" lang="en-US" altLang="en-US" sz="1000" b="0" i="0" u="none" strike="noStrike" cap="none" normalizeH="0" baseline="0">
+              <a:rPr kumimoji="0" lang="en-US" altLang="en-US" sz="1400" b="0" i="0" u="none" strike="noStrike" cap="none" normalizeH="0" baseline="0" dirty="0">
                 <a:ln>
                   <a:noFill/>
                 </a:ln>
@@ -5959,23 +6112,189 @@
                 <a:effectLst/>
                 <a:latin typeface="Courier New" panose="02070309020205020404" pitchFamily="49" charset="0"/>
               </a:rPr>
+              <a:t>], 'needle’) </a:t>
+            </a:r>
+          </a:p>
+          <a:p>
+            <a:pPr marL="0" marR="0" lvl="0" indent="0" algn="l" defTabSz="914400" rtl="0" eaLnBrk="0" fontAlgn="base" latinLnBrk="0" hangingPunct="0">
+              <a:lnSpc>
+                <a:spcPct val="100000"/>
+              </a:lnSpc>
+              <a:spcBef>
+                <a:spcPct val="0"/>
+              </a:spcBef>
+              <a:spcAft>
+                <a:spcPct val="0"/>
+              </a:spcAft>
+              <a:buClrTx/>
+              <a:buSzTx/>
+              <a:buFontTx/>
+              <a:buNone/>
+              <a:tabLst/>
+            </a:pPr>
+            <a:r>
+              <a:rPr kumimoji="0" lang="en-US" altLang="en-US" sz="1400" b="0" i="0" u="none" strike="noStrike" cap="none" normalizeH="0" baseline="0" dirty="0">
+                <a:ln>
+                  <a:noFill/>
+                </a:ln>
+                <a:solidFill>
+                  <a:srgbClr val="007020"/>
+                </a:solidFill>
+                <a:effectLst/>
+                <a:latin typeface="Courier New" panose="02070309020205020404" pitchFamily="49" charset="0"/>
+              </a:rPr>
+              <a:t>None</a:t>
+            </a:r>
+            <a:r>
+              <a:rPr kumimoji="0" lang="en-US" altLang="en-US" sz="1400" b="0" i="0" u="none" strike="noStrike" cap="none" normalizeH="0" baseline="0" dirty="0">
+                <a:ln>
+                  <a:noFill/>
+                </a:ln>
+                <a:solidFill>
+                  <a:srgbClr val="222222"/>
+                </a:solidFill>
+                <a:effectLst/>
+                <a:latin typeface="Courier New" panose="02070309020205020404" pitchFamily="49" charset="0"/>
+              </a:rPr>
+              <a:t> </a:t>
+            </a:r>
+          </a:p>
+          <a:p>
+            <a:pPr marL="0" marR="0" lvl="0" indent="0" algn="l" defTabSz="914400" rtl="0" eaLnBrk="0" fontAlgn="base" latinLnBrk="0" hangingPunct="0">
+              <a:lnSpc>
+                <a:spcPct val="100000"/>
+              </a:lnSpc>
+              <a:spcBef>
+                <a:spcPct val="0"/>
+              </a:spcBef>
+              <a:spcAft>
+                <a:spcPct val="0"/>
+              </a:spcAft>
+              <a:buClrTx/>
+              <a:buSzTx/>
+              <a:buFontTx/>
+              <a:buNone/>
+              <a:tabLst/>
+            </a:pPr>
+            <a:r>
+              <a:rPr kumimoji="0" lang="en-US" altLang="en-US" sz="1400" b="0" i="0" u="none" strike="noStrike" cap="none" normalizeH="0" baseline="0" dirty="0">
+                <a:ln>
+                  <a:noFill/>
+                </a:ln>
+                <a:solidFill>
+                  <a:srgbClr val="333333"/>
+                </a:solidFill>
+                <a:effectLst/>
+                <a:latin typeface="Courier New" panose="02070309020205020404" pitchFamily="49" charset="0"/>
+              </a:rPr>
+              <a:t>&gt;&gt;&gt;</a:t>
+            </a:r>
+            <a:r>
+              <a:rPr kumimoji="0" lang="en-US" altLang="en-US" sz="1400" b="0" i="0" u="none" strike="noStrike" cap="none" normalizeH="0" baseline="0" dirty="0">
+                <a:ln>
+                  <a:noFill/>
+                </a:ln>
+                <a:solidFill>
+                  <a:srgbClr val="222222"/>
+                </a:solidFill>
+                <a:effectLst/>
+                <a:latin typeface="Courier New" panose="02070309020205020404" pitchFamily="49" charset="0"/>
+              </a:rPr>
+              <a:t> contains([</a:t>
+            </a:r>
+            <a:r>
+              <a:rPr kumimoji="0" lang="en-US" altLang="en-US" sz="1400" b="1" i="0" u="none" strike="noStrike" cap="none" normalizeH="0" baseline="0" dirty="0">
+                <a:ln>
+                  <a:noFill/>
+                </a:ln>
+                <a:solidFill>
+                  <a:srgbClr val="0000DD"/>
+                </a:solidFill>
+                <a:effectLst/>
+                <a:latin typeface="Courier New" panose="02070309020205020404" pitchFamily="49" charset="0"/>
+              </a:rPr>
+              <a:t>23</a:t>
+            </a:r>
+            <a:r>
+              <a:rPr kumimoji="0" lang="en-US" altLang="en-US" sz="1400" b="0" i="0" u="none" strike="noStrike" cap="none" normalizeH="0" baseline="0" dirty="0">
+                <a:ln>
+                  <a:noFill/>
+                </a:ln>
+                <a:solidFill>
+                  <a:srgbClr val="222222"/>
+                </a:solidFill>
+                <a:effectLst/>
+                <a:latin typeface="Courier New" panose="02070309020205020404" pitchFamily="49" charset="0"/>
+              </a:rPr>
+              <a:t>, </a:t>
+            </a:r>
+            <a:r>
+              <a:rPr kumimoji="0" lang="en-US" altLang="en-US" sz="1400" b="1" i="0" u="none" strike="noStrike" cap="none" normalizeH="0" baseline="0" dirty="0">
+                <a:ln>
+                  <a:noFill/>
+                </a:ln>
+                <a:solidFill>
+                  <a:srgbClr val="0000DD"/>
+                </a:solidFill>
+                <a:effectLst/>
+                <a:latin typeface="Courier New" panose="02070309020205020404" pitchFamily="49" charset="0"/>
+              </a:rPr>
+              <a:t>42</a:t>
+            </a:r>
+            <a:r>
+              <a:rPr kumimoji="0" lang="en-US" altLang="en-US" sz="1400" b="0" i="0" u="none" strike="noStrike" cap="none" normalizeH="0" baseline="0" dirty="0">
+                <a:ln>
+                  <a:noFill/>
+                </a:ln>
+                <a:solidFill>
+                  <a:srgbClr val="222222"/>
+                </a:solidFill>
+                <a:effectLst/>
+                <a:latin typeface="Courier New" panose="02070309020205020404" pitchFamily="49" charset="0"/>
+              </a:rPr>
+              <a:t>, </a:t>
+            </a:r>
+            <a:r>
+              <a:rPr kumimoji="0" lang="en-US" altLang="en-US" sz="1400" b="1" i="0" u="none" strike="noStrike" cap="none" normalizeH="0" baseline="0" dirty="0">
+                <a:ln>
+                  <a:noFill/>
+                </a:ln>
+                <a:solidFill>
+                  <a:srgbClr val="005588"/>
+                </a:solidFill>
+                <a:effectLst/>
+                <a:latin typeface="Courier New" panose="02070309020205020404" pitchFamily="49" charset="0"/>
+              </a:rPr>
+              <a:t>0xbadc0ffee</a:t>
+            </a:r>
+            <a:r>
+              <a:rPr kumimoji="0" lang="en-US" altLang="en-US" sz="1400" b="0" i="0" u="none" strike="noStrike" cap="none" normalizeH="0" baseline="0" dirty="0">
+                <a:ln>
+                  <a:noFill/>
+                </a:ln>
+                <a:solidFill>
+                  <a:srgbClr val="222222"/>
+                </a:solidFill>
+                <a:effectLst/>
+                <a:latin typeface="Courier New" panose="02070309020205020404" pitchFamily="49" charset="0"/>
+              </a:rPr>
               <a:t>], 'needle') </a:t>
             </a:r>
             <a:r>
-              <a:rPr kumimoji="0" lang="en-US" altLang="en-US" sz="1000" b="0" i="0" u="none" strike="noStrike" cap="none" normalizeH="0" baseline="0">
-                <a:ln>
-                  <a:noFill/>
-                </a:ln>
-                <a:solidFill>
-                  <a:srgbClr val="007020"/>
-                </a:solidFill>
-                <a:effectLst/>
-                <a:latin typeface="Courier New" panose="02070309020205020404" pitchFamily="49" charset="0"/>
-              </a:rPr>
-              <a:t>None</a:t>
-            </a:r>
-            <a:r>
-              <a:rPr kumimoji="0" lang="en-US" altLang="en-US" sz="1000" b="0" i="0" u="none" strike="noStrike" cap="none" normalizeH="0" baseline="0">
+              <a:rPr kumimoji="0" lang="en-US" altLang="en-US" sz="1400" b="1" i="0" u="none" strike="noStrike" cap="none" normalizeH="0" baseline="0" dirty="0" err="1">
+                <a:ln>
+                  <a:noFill/>
+                </a:ln>
+                <a:solidFill>
+                  <a:srgbClr val="FF0000"/>
+                </a:solidFill>
+                <a:effectLst/>
+                <a:latin typeface="Courier New" panose="02070309020205020404" pitchFamily="49" charset="0"/>
+              </a:rPr>
+              <a:t>ValueError</a:t>
+            </a:r>
+            <a:r>
+              <a:rPr kumimoji="0" lang="en-US" altLang="en-US" sz="1400" b="0" i="0" u="none" strike="noStrike" cap="none" normalizeH="0" baseline="0" dirty="0">
                 <a:ln>
                   <a:noFill/>
                 </a:ln>
@@ -5985,10 +6304,347 @@
                 <a:effectLst/>
                 <a:latin typeface="Courier New" panose="02070309020205020404" pitchFamily="49" charset="0"/>
               </a:rPr>
+              <a:t>: </a:t>
+            </a:r>
+          </a:p>
+          <a:p>
+            <a:pPr marL="0" marR="0" lvl="0" indent="0" algn="l" defTabSz="914400" rtl="0" eaLnBrk="0" fontAlgn="base" latinLnBrk="0" hangingPunct="0">
+              <a:lnSpc>
+                <a:spcPct val="100000"/>
+              </a:lnSpc>
+              <a:spcBef>
+                <a:spcPct val="0"/>
+              </a:spcBef>
+              <a:spcAft>
+                <a:spcPct val="0"/>
+              </a:spcAft>
+              <a:buClrTx/>
+              <a:buSzTx/>
+              <a:buFontTx/>
+              <a:buNone/>
+              <a:tabLst/>
+            </a:pPr>
+            <a:r>
+              <a:rPr kumimoji="0" lang="en-US" altLang="en-US" sz="1400" b="0" i="0" u="none" strike="noStrike" cap="none" normalizeH="0" baseline="0" dirty="0">
+                <a:ln>
+                  <a:noFill/>
+                </a:ln>
+                <a:solidFill>
+                  <a:srgbClr val="222222"/>
+                </a:solidFill>
+                <a:effectLst/>
+                <a:latin typeface="Courier New" panose="02070309020205020404" pitchFamily="49" charset="0"/>
+              </a:rPr>
+              <a:t>"Needle not found" </a:t>
+            </a:r>
+          </a:p>
+          <a:p>
+            <a:pPr marL="0" marR="0" lvl="0" indent="0" algn="l" defTabSz="914400" rtl="0" eaLnBrk="0" fontAlgn="base" latinLnBrk="0" hangingPunct="0">
+              <a:lnSpc>
+                <a:spcPct val="100000"/>
+              </a:lnSpc>
+              <a:spcBef>
+                <a:spcPct val="0"/>
+              </a:spcBef>
+              <a:spcAft>
+                <a:spcPct val="0"/>
+              </a:spcAft>
+              <a:buClrTx/>
+              <a:buSzTx/>
+              <a:buFontTx/>
+              <a:buNone/>
+              <a:tabLst/>
+            </a:pPr>
+            <a:r>
+              <a:rPr kumimoji="0" lang="en-US" altLang="en-US" sz="1400" b="0" i="0" u="none" strike="noStrike" cap="none" normalizeH="0" baseline="0" dirty="0">
+                <a:ln>
+                  <a:noFill/>
+                </a:ln>
+                <a:solidFill>
+                  <a:srgbClr val="888888"/>
+                </a:solidFill>
+                <a:effectLst/>
+                <a:latin typeface="Courier New" panose="02070309020205020404" pitchFamily="49" charset="0"/>
+              </a:rPr>
+              <a:t># Personally, I'm not a fan of the `else`</a:t>
+            </a:r>
+            <a:r>
+              <a:rPr kumimoji="0" lang="en-US" altLang="en-US" sz="1400" b="0" i="0" u="none" strike="noStrike" cap="none" normalizeH="0" baseline="0" dirty="0">
+                <a:ln>
+                  <a:noFill/>
+                </a:ln>
+                <a:solidFill>
+                  <a:srgbClr val="222222"/>
+                </a:solidFill>
+                <a:effectLst/>
+                <a:latin typeface="Courier New" panose="02070309020205020404" pitchFamily="49" charset="0"/>
+              </a:rPr>
               <a:t> </a:t>
             </a:r>
             <a:r>
-              <a:rPr kumimoji="0" lang="en-US" altLang="en-US" sz="1000" b="0" i="0" u="none" strike="noStrike" cap="none" normalizeH="0" baseline="0">
+              <a:rPr kumimoji="0" lang="en-US" altLang="en-US" sz="1400" b="0" i="0" u="none" strike="noStrike" cap="none" normalizeH="0" baseline="0" dirty="0">
+                <a:ln>
+                  <a:noFill/>
+                </a:ln>
+                <a:solidFill>
+                  <a:srgbClr val="888888"/>
+                </a:solidFill>
+                <a:effectLst/>
+                <a:latin typeface="Courier New" panose="02070309020205020404" pitchFamily="49" charset="0"/>
+              </a:rPr>
+              <a:t># "completion clause" in loops because</a:t>
+            </a:r>
+            <a:r>
+              <a:rPr kumimoji="0" lang="en-US" altLang="en-US" sz="1400" b="0" i="0" u="none" strike="noStrike" cap="none" normalizeH="0" baseline="0" dirty="0">
+                <a:ln>
+                  <a:noFill/>
+                </a:ln>
+                <a:solidFill>
+                  <a:srgbClr val="222222"/>
+                </a:solidFill>
+                <a:effectLst/>
+                <a:latin typeface="Courier New" panose="02070309020205020404" pitchFamily="49" charset="0"/>
+              </a:rPr>
+              <a:t> </a:t>
+            </a:r>
+            <a:r>
+              <a:rPr kumimoji="0" lang="en-US" altLang="en-US" sz="1400" b="0" i="0" u="none" strike="noStrike" cap="none" normalizeH="0" baseline="0" dirty="0">
+                <a:ln>
+                  <a:noFill/>
+                </a:ln>
+                <a:solidFill>
+                  <a:srgbClr val="888888"/>
+                </a:solidFill>
+                <a:effectLst/>
+                <a:latin typeface="Courier New" panose="02070309020205020404" pitchFamily="49" charset="0"/>
+              </a:rPr>
+              <a:t># I find it confusing. I'd rather do</a:t>
+            </a:r>
+            <a:r>
+              <a:rPr kumimoji="0" lang="en-US" altLang="en-US" sz="1400" b="0" i="0" u="none" strike="noStrike" cap="none" normalizeH="0" baseline="0" dirty="0">
+                <a:ln>
+                  <a:noFill/>
+                </a:ln>
+                <a:solidFill>
+                  <a:srgbClr val="222222"/>
+                </a:solidFill>
+                <a:effectLst/>
+                <a:latin typeface="Courier New" panose="02070309020205020404" pitchFamily="49" charset="0"/>
+              </a:rPr>
+              <a:t> </a:t>
+            </a:r>
+            <a:r>
+              <a:rPr kumimoji="0" lang="en-US" altLang="en-US" sz="1400" b="0" i="0" u="none" strike="noStrike" cap="none" normalizeH="0" baseline="0" dirty="0">
+                <a:ln>
+                  <a:noFill/>
+                </a:ln>
+                <a:solidFill>
+                  <a:srgbClr val="888888"/>
+                </a:solidFill>
+                <a:effectLst/>
+                <a:latin typeface="Courier New" panose="02070309020205020404" pitchFamily="49" charset="0"/>
+              </a:rPr>
+              <a:t># something like this:</a:t>
+            </a:r>
+            <a:r>
+              <a:rPr kumimoji="0" lang="en-US" altLang="en-US" sz="1400" b="0" i="0" u="none" strike="noStrike" cap="none" normalizeH="0" baseline="0" dirty="0">
+                <a:ln>
+                  <a:noFill/>
+                </a:ln>
+                <a:solidFill>
+                  <a:srgbClr val="222222"/>
+                </a:solidFill>
+                <a:effectLst/>
+                <a:latin typeface="Courier New" panose="02070309020205020404" pitchFamily="49" charset="0"/>
+              </a:rPr>
+              <a:t> </a:t>
+            </a:r>
+          </a:p>
+          <a:p>
+            <a:pPr marL="0" marR="0" lvl="0" indent="0" algn="l" defTabSz="914400" rtl="0" eaLnBrk="0" fontAlgn="base" latinLnBrk="0" hangingPunct="0">
+              <a:lnSpc>
+                <a:spcPct val="100000"/>
+              </a:lnSpc>
+              <a:spcBef>
+                <a:spcPct val="0"/>
+              </a:spcBef>
+              <a:spcAft>
+                <a:spcPct val="0"/>
+              </a:spcAft>
+              <a:buClrTx/>
+              <a:buSzTx/>
+              <a:buFontTx/>
+              <a:buNone/>
+              <a:tabLst/>
+            </a:pPr>
+            <a:r>
+              <a:rPr kumimoji="0" lang="en-US" altLang="en-US" sz="1400" b="1" i="0" u="none" strike="noStrike" cap="none" normalizeH="0" baseline="0" dirty="0">
+                <a:ln>
+                  <a:noFill/>
+                </a:ln>
+                <a:solidFill>
+                  <a:srgbClr val="008800"/>
+                </a:solidFill>
+                <a:effectLst/>
+                <a:latin typeface="Courier New" panose="02070309020205020404" pitchFamily="49" charset="0"/>
+              </a:rPr>
+              <a:t>def</a:t>
+            </a:r>
+            <a:r>
+              <a:rPr kumimoji="0" lang="en-US" altLang="en-US" sz="1400" b="0" i="0" u="none" strike="noStrike" cap="none" normalizeH="0" baseline="0" dirty="0">
+                <a:ln>
+                  <a:noFill/>
+                </a:ln>
+                <a:solidFill>
+                  <a:srgbClr val="222222"/>
+                </a:solidFill>
+                <a:effectLst/>
+                <a:latin typeface="Courier New" panose="02070309020205020404" pitchFamily="49" charset="0"/>
+              </a:rPr>
+              <a:t> </a:t>
+            </a:r>
+            <a:r>
+              <a:rPr kumimoji="0" lang="en-US" altLang="en-US" sz="1400" b="1" i="0" u="none" strike="noStrike" cap="none" normalizeH="0" baseline="0" dirty="0" err="1">
+                <a:ln>
+                  <a:noFill/>
+                </a:ln>
+                <a:solidFill>
+                  <a:srgbClr val="0066BB"/>
+                </a:solidFill>
+                <a:effectLst/>
+                <a:latin typeface="Courier New" panose="02070309020205020404" pitchFamily="49" charset="0"/>
+              </a:rPr>
+              <a:t>better_contains</a:t>
+            </a:r>
+            <a:r>
+              <a:rPr kumimoji="0" lang="en-US" altLang="en-US" sz="1400" b="0" i="0" u="none" strike="noStrike" cap="none" normalizeH="0" baseline="0" dirty="0">
+                <a:ln>
+                  <a:noFill/>
+                </a:ln>
+                <a:solidFill>
+                  <a:srgbClr val="222222"/>
+                </a:solidFill>
+                <a:effectLst/>
+                <a:latin typeface="Courier New" panose="02070309020205020404" pitchFamily="49" charset="0"/>
+              </a:rPr>
+              <a:t>(haystack, needle): </a:t>
+            </a:r>
+          </a:p>
+          <a:p>
+            <a:pPr marL="0" marR="0" lvl="0" indent="0" algn="l" defTabSz="914400" rtl="0" eaLnBrk="0" fontAlgn="base" latinLnBrk="0" hangingPunct="0">
+              <a:lnSpc>
+                <a:spcPct val="100000"/>
+              </a:lnSpc>
+              <a:spcBef>
+                <a:spcPct val="0"/>
+              </a:spcBef>
+              <a:spcAft>
+                <a:spcPct val="0"/>
+              </a:spcAft>
+              <a:buClrTx/>
+              <a:buSzTx/>
+              <a:buFontTx/>
+              <a:buNone/>
+              <a:tabLst/>
+            </a:pPr>
+            <a:r>
+              <a:rPr kumimoji="0" lang="en-US" altLang="en-US" sz="1400" b="1" i="0" u="none" strike="noStrike" cap="none" normalizeH="0" baseline="0" dirty="0">
+                <a:ln>
+                  <a:noFill/>
+                </a:ln>
+                <a:solidFill>
+                  <a:srgbClr val="008800"/>
+                </a:solidFill>
+                <a:effectLst/>
+                <a:latin typeface="Courier New" panose="02070309020205020404" pitchFamily="49" charset="0"/>
+              </a:rPr>
+              <a:t>for</a:t>
+            </a:r>
+            <a:r>
+              <a:rPr kumimoji="0" lang="en-US" altLang="en-US" sz="1400" b="0" i="0" u="none" strike="noStrike" cap="none" normalizeH="0" baseline="0" dirty="0">
+                <a:ln>
+                  <a:noFill/>
+                </a:ln>
+                <a:solidFill>
+                  <a:srgbClr val="222222"/>
+                </a:solidFill>
+                <a:effectLst/>
+                <a:latin typeface="Courier New" panose="02070309020205020404" pitchFamily="49" charset="0"/>
+              </a:rPr>
+              <a:t> item </a:t>
+            </a:r>
+            <a:r>
+              <a:rPr kumimoji="0" lang="en-US" altLang="en-US" sz="1400" b="1" i="0" u="none" strike="noStrike" cap="none" normalizeH="0" baseline="0" dirty="0">
+                <a:ln>
+                  <a:noFill/>
+                </a:ln>
+                <a:solidFill>
+                  <a:srgbClr val="000000"/>
+                </a:solidFill>
+                <a:effectLst/>
+                <a:latin typeface="Courier New" panose="02070309020205020404" pitchFamily="49" charset="0"/>
+              </a:rPr>
+              <a:t>in</a:t>
+            </a:r>
+            <a:r>
+              <a:rPr kumimoji="0" lang="en-US" altLang="en-US" sz="1400" b="0" i="0" u="none" strike="noStrike" cap="none" normalizeH="0" baseline="0" dirty="0">
+                <a:ln>
+                  <a:noFill/>
+                </a:ln>
+                <a:solidFill>
+                  <a:srgbClr val="222222"/>
+                </a:solidFill>
+                <a:effectLst/>
+                <a:latin typeface="Courier New" panose="02070309020205020404" pitchFamily="49" charset="0"/>
+              </a:rPr>
+              <a:t> haystack: </a:t>
+            </a:r>
+          </a:p>
+          <a:p>
+            <a:pPr marL="0" marR="0" lvl="0" indent="0" algn="l" defTabSz="914400" rtl="0" eaLnBrk="0" fontAlgn="base" latinLnBrk="0" hangingPunct="0">
+              <a:lnSpc>
+                <a:spcPct val="100000"/>
+              </a:lnSpc>
+              <a:spcBef>
+                <a:spcPct val="0"/>
+              </a:spcBef>
+              <a:spcAft>
+                <a:spcPct val="0"/>
+              </a:spcAft>
+              <a:buClrTx/>
+              <a:buSzTx/>
+              <a:buFontTx/>
+              <a:buNone/>
+              <a:tabLst/>
+            </a:pPr>
+            <a:r>
+              <a:rPr kumimoji="0" lang="en-US" altLang="en-US" sz="1400" b="1" i="0" u="none" strike="noStrike" cap="none" normalizeH="0" baseline="0" dirty="0">
+                <a:ln>
+                  <a:noFill/>
+                </a:ln>
+                <a:solidFill>
+                  <a:srgbClr val="008800"/>
+                </a:solidFill>
+                <a:effectLst/>
+                <a:latin typeface="Courier New" panose="02070309020205020404" pitchFamily="49" charset="0"/>
+              </a:rPr>
+              <a:t>if</a:t>
+            </a:r>
+            <a:r>
+              <a:rPr kumimoji="0" lang="en-US" altLang="en-US" sz="1400" b="0" i="0" u="none" strike="noStrike" cap="none" normalizeH="0" baseline="0" dirty="0">
+                <a:ln>
+                  <a:noFill/>
+                </a:ln>
+                <a:solidFill>
+                  <a:srgbClr val="222222"/>
+                </a:solidFill>
+                <a:effectLst/>
+                <a:latin typeface="Courier New" panose="02070309020205020404" pitchFamily="49" charset="0"/>
+              </a:rPr>
+              <a:t> item </a:t>
+            </a:r>
+            <a:r>
+              <a:rPr kumimoji="0" lang="en-US" altLang="en-US" sz="1400" b="0" i="0" u="none" strike="noStrike" cap="none" normalizeH="0" baseline="0" dirty="0">
                 <a:ln>
                   <a:noFill/>
                 </a:ln>
@@ -5998,10 +6654,10 @@
                 <a:effectLst/>
                 <a:latin typeface="Courier New" panose="02070309020205020404" pitchFamily="49" charset="0"/>
               </a:rPr>
-              <a:t>&gt;&gt;&gt;</a:t>
-            </a:r>
-            <a:r>
-              <a:rPr kumimoji="0" lang="en-US" altLang="en-US" sz="1000" b="0" i="0" u="none" strike="noStrike" cap="none" normalizeH="0" baseline="0">
+              <a:t>==</a:t>
+            </a:r>
+            <a:r>
+              <a:rPr kumimoji="0" lang="en-US" altLang="en-US" sz="1400" b="0" i="0" u="none" strike="noStrike" cap="none" normalizeH="0" baseline="0" dirty="0">
                 <a:ln>
                   <a:noFill/>
                 </a:ln>
@@ -6011,23 +6667,41 @@
                 <a:effectLst/>
                 <a:latin typeface="Courier New" panose="02070309020205020404" pitchFamily="49" charset="0"/>
               </a:rPr>
-              <a:t> contains([</a:t>
-            </a:r>
-            <a:r>
-              <a:rPr kumimoji="0" lang="en-US" altLang="en-US" sz="1000" b="1" i="0" u="none" strike="noStrike" cap="none" normalizeH="0" baseline="0">
-                <a:ln>
-                  <a:noFill/>
-                </a:ln>
-                <a:solidFill>
-                  <a:srgbClr val="0000DD"/>
-                </a:solidFill>
-                <a:effectLst/>
-                <a:latin typeface="Courier New" panose="02070309020205020404" pitchFamily="49" charset="0"/>
-              </a:rPr>
-              <a:t>23</a:t>
-            </a:r>
-            <a:r>
-              <a:rPr kumimoji="0" lang="en-US" altLang="en-US" sz="1000" b="0" i="0" u="none" strike="noStrike" cap="none" normalizeH="0" baseline="0">
+              <a:t> needle: </a:t>
+            </a:r>
+          </a:p>
+          <a:p>
+            <a:pPr marL="0" marR="0" lvl="0" indent="0" algn="l" defTabSz="914400" rtl="0" eaLnBrk="0" fontAlgn="base" latinLnBrk="0" hangingPunct="0">
+              <a:lnSpc>
+                <a:spcPct val="100000"/>
+              </a:lnSpc>
+              <a:spcBef>
+                <a:spcPct val="0"/>
+              </a:spcBef>
+              <a:spcAft>
+                <a:spcPct val="0"/>
+              </a:spcAft>
+              <a:buClrTx/>
+              <a:buSzTx/>
+              <a:buFontTx/>
+              <a:buNone/>
+              <a:tabLst/>
+            </a:pPr>
+            <a:r>
+              <a:rPr kumimoji="0" lang="en-US" altLang="en-US" sz="1400" b="1" i="0" u="none" strike="noStrike" cap="none" normalizeH="0" baseline="0" dirty="0">
+                <a:ln>
+                  <a:noFill/>
+                </a:ln>
+                <a:solidFill>
+                  <a:srgbClr val="008800"/>
+                </a:solidFill>
+                <a:effectLst/>
+                <a:latin typeface="Courier New" panose="02070309020205020404" pitchFamily="49" charset="0"/>
+              </a:rPr>
+              <a:t>return</a:t>
+            </a:r>
+            <a:r>
+              <a:rPr kumimoji="0" lang="en-US" altLang="en-US" sz="1400" b="0" i="0" u="none" strike="noStrike" cap="none" normalizeH="0" baseline="0" dirty="0">
                 <a:ln>
                   <a:noFill/>
                 </a:ln>
@@ -6037,23 +6711,23 @@
                 <a:effectLst/>
                 <a:latin typeface="Courier New" panose="02070309020205020404" pitchFamily="49" charset="0"/>
               </a:rPr>
-              <a:t>, </a:t>
-            </a:r>
-            <a:r>
-              <a:rPr kumimoji="0" lang="en-US" altLang="en-US" sz="1000" b="1" i="0" u="none" strike="noStrike" cap="none" normalizeH="0" baseline="0">
-                <a:ln>
-                  <a:noFill/>
-                </a:ln>
-                <a:solidFill>
-                  <a:srgbClr val="0000DD"/>
-                </a:solidFill>
-                <a:effectLst/>
-                <a:latin typeface="Courier New" panose="02070309020205020404" pitchFamily="49" charset="0"/>
-              </a:rPr>
-              <a:t>42</a:t>
-            </a:r>
-            <a:r>
-              <a:rPr kumimoji="0" lang="en-US" altLang="en-US" sz="1000" b="0" i="0" u="none" strike="noStrike" cap="none" normalizeH="0" baseline="0">
+              <a:t> </a:t>
+            </a:r>
+            <a:r>
+              <a:rPr kumimoji="0" lang="en-US" altLang="en-US" sz="1400" b="1" i="0" u="none" strike="noStrike" cap="none" normalizeH="0" baseline="0" dirty="0">
+                <a:ln>
+                  <a:noFill/>
+                </a:ln>
+                <a:solidFill>
+                  <a:srgbClr val="008800"/>
+                </a:solidFill>
+                <a:effectLst/>
+                <a:latin typeface="Courier New" panose="02070309020205020404" pitchFamily="49" charset="0"/>
+              </a:rPr>
+              <a:t>raise</a:t>
+            </a:r>
+            <a:r>
+              <a:rPr kumimoji="0" lang="en-US" altLang="en-US" sz="1400" b="0" i="0" u="none" strike="noStrike" cap="none" normalizeH="0" baseline="0" dirty="0">
                 <a:ln>
                   <a:noFill/>
                 </a:ln>
@@ -6063,23 +6737,23 @@
                 <a:effectLst/>
                 <a:latin typeface="Courier New" panose="02070309020205020404" pitchFamily="49" charset="0"/>
               </a:rPr>
-              <a:t>, </a:t>
-            </a:r>
-            <a:r>
-              <a:rPr kumimoji="0" lang="en-US" altLang="en-US" sz="1000" b="1" i="0" u="none" strike="noStrike" cap="none" normalizeH="0" baseline="0">
-                <a:ln>
-                  <a:noFill/>
-                </a:ln>
-                <a:solidFill>
-                  <a:srgbClr val="005588"/>
-                </a:solidFill>
-                <a:effectLst/>
-                <a:latin typeface="Courier New" panose="02070309020205020404" pitchFamily="49" charset="0"/>
-              </a:rPr>
-              <a:t>0xbadc0ffee</a:t>
-            </a:r>
-            <a:r>
-              <a:rPr kumimoji="0" lang="en-US" altLang="en-US" sz="1000" b="0" i="0" u="none" strike="noStrike" cap="none" normalizeH="0" baseline="0">
+              <a:t> </a:t>
+            </a:r>
+            <a:r>
+              <a:rPr kumimoji="0" lang="en-US" altLang="en-US" sz="1400" b="1" i="0" u="none" strike="noStrike" cap="none" normalizeH="0" baseline="0" dirty="0" err="1">
+                <a:ln>
+                  <a:noFill/>
+                </a:ln>
+                <a:solidFill>
+                  <a:srgbClr val="FF0000"/>
+                </a:solidFill>
+                <a:effectLst/>
+                <a:latin typeface="Courier New" panose="02070309020205020404" pitchFamily="49" charset="0"/>
+              </a:rPr>
+              <a:t>ValueError</a:t>
+            </a:r>
+            <a:r>
+              <a:rPr kumimoji="0" lang="en-US" altLang="en-US" sz="1400" b="0" i="0" u="none" strike="noStrike" cap="none" normalizeH="0" baseline="0" dirty="0">
                 <a:ln>
                   <a:noFill/>
                 </a:ln>
@@ -6089,10 +6763,246 @@
                 <a:effectLst/>
                 <a:latin typeface="Courier New" panose="02070309020205020404" pitchFamily="49" charset="0"/>
               </a:rPr>
-              <a:t>], 'needle') </a:t>
-            </a:r>
-            <a:r>
-              <a:rPr kumimoji="0" lang="en-US" altLang="en-US" sz="1000" b="1" i="0" u="none" strike="noStrike" cap="none" normalizeH="0" baseline="0">
+              <a:t>('Needle not found’) </a:t>
+            </a:r>
+          </a:p>
+          <a:p>
+            <a:pPr marL="0" marR="0" lvl="0" indent="0" algn="l" defTabSz="914400" rtl="0" eaLnBrk="0" fontAlgn="base" latinLnBrk="0" hangingPunct="0">
+              <a:lnSpc>
+                <a:spcPct val="100000"/>
+              </a:lnSpc>
+              <a:spcBef>
+                <a:spcPct val="0"/>
+              </a:spcBef>
+              <a:spcAft>
+                <a:spcPct val="0"/>
+              </a:spcAft>
+              <a:buClrTx/>
+              <a:buSzTx/>
+              <a:buFontTx/>
+              <a:buNone/>
+              <a:tabLst/>
+            </a:pPr>
+            <a:r>
+              <a:rPr kumimoji="0" lang="en-US" altLang="en-US" sz="1400" b="0" i="0" u="none" strike="noStrike" cap="none" normalizeH="0" baseline="0" dirty="0">
+                <a:ln>
+                  <a:noFill/>
+                </a:ln>
+                <a:solidFill>
+                  <a:srgbClr val="888888"/>
+                </a:solidFill>
+                <a:effectLst/>
+                <a:latin typeface="Courier New" panose="02070309020205020404" pitchFamily="49" charset="0"/>
+              </a:rPr>
+              <a:t># Note: Typically you'd write something</a:t>
+            </a:r>
+            <a:r>
+              <a:rPr kumimoji="0" lang="en-US" altLang="en-US" sz="1400" b="0" i="0" u="none" strike="noStrike" cap="none" normalizeH="0" baseline="0" dirty="0">
+                <a:ln>
+                  <a:noFill/>
+                </a:ln>
+                <a:solidFill>
+                  <a:srgbClr val="222222"/>
+                </a:solidFill>
+                <a:effectLst/>
+                <a:latin typeface="Courier New" panose="02070309020205020404" pitchFamily="49" charset="0"/>
+              </a:rPr>
+              <a:t> </a:t>
+            </a:r>
+            <a:r>
+              <a:rPr kumimoji="0" lang="en-US" altLang="en-US" sz="1400" b="0" i="0" u="none" strike="noStrike" cap="none" normalizeH="0" baseline="0" dirty="0">
+                <a:ln>
+                  <a:noFill/>
+                </a:ln>
+                <a:solidFill>
+                  <a:srgbClr val="888888"/>
+                </a:solidFill>
+                <a:effectLst/>
+                <a:latin typeface="Courier New" panose="02070309020205020404" pitchFamily="49" charset="0"/>
+              </a:rPr>
+              <a:t># like this to do a membership test,</a:t>
+            </a:r>
+            <a:r>
+              <a:rPr kumimoji="0" lang="en-US" altLang="en-US" sz="1400" b="0" i="0" u="none" strike="noStrike" cap="none" normalizeH="0" baseline="0" dirty="0">
+                <a:ln>
+                  <a:noFill/>
+                </a:ln>
+                <a:solidFill>
+                  <a:srgbClr val="222222"/>
+                </a:solidFill>
+                <a:effectLst/>
+                <a:latin typeface="Courier New" panose="02070309020205020404" pitchFamily="49" charset="0"/>
+              </a:rPr>
+              <a:t> </a:t>
+            </a:r>
+            <a:r>
+              <a:rPr kumimoji="0" lang="en-US" altLang="en-US" sz="1400" b="0" i="0" u="none" strike="noStrike" cap="none" normalizeH="0" baseline="0" dirty="0">
+                <a:ln>
+                  <a:noFill/>
+                </a:ln>
+                <a:solidFill>
+                  <a:srgbClr val="888888"/>
+                </a:solidFill>
+                <a:effectLst/>
+                <a:latin typeface="Courier New" panose="02070309020205020404" pitchFamily="49" charset="0"/>
+              </a:rPr>
+              <a:t># which is much more Pythonic:</a:t>
+            </a:r>
+            <a:r>
+              <a:rPr kumimoji="0" lang="en-US" altLang="en-US" sz="1400" b="0" i="0" u="none" strike="noStrike" cap="none" normalizeH="0" baseline="0" dirty="0">
+                <a:ln>
+                  <a:noFill/>
+                </a:ln>
+                <a:solidFill>
+                  <a:srgbClr val="222222"/>
+                </a:solidFill>
+                <a:effectLst/>
+                <a:latin typeface="Courier New" panose="02070309020205020404" pitchFamily="49" charset="0"/>
+              </a:rPr>
+              <a:t> </a:t>
+            </a:r>
+          </a:p>
+          <a:p>
+            <a:pPr marL="0" marR="0" lvl="0" indent="0" algn="l" defTabSz="914400" rtl="0" eaLnBrk="0" fontAlgn="base" latinLnBrk="0" hangingPunct="0">
+              <a:lnSpc>
+                <a:spcPct val="100000"/>
+              </a:lnSpc>
+              <a:spcBef>
+                <a:spcPct val="0"/>
+              </a:spcBef>
+              <a:spcAft>
+                <a:spcPct val="0"/>
+              </a:spcAft>
+              <a:buClrTx/>
+              <a:buSzTx/>
+              <a:buFontTx/>
+              <a:buNone/>
+              <a:tabLst/>
+            </a:pPr>
+            <a:r>
+              <a:rPr kumimoji="0" lang="en-US" altLang="en-US" sz="1400" b="1" i="0" u="none" strike="noStrike" cap="none" normalizeH="0" baseline="0" dirty="0">
+                <a:ln>
+                  <a:noFill/>
+                </a:ln>
+                <a:solidFill>
+                  <a:srgbClr val="008800"/>
+                </a:solidFill>
+                <a:effectLst/>
+                <a:latin typeface="Courier New" panose="02070309020205020404" pitchFamily="49" charset="0"/>
+              </a:rPr>
+              <a:t>if</a:t>
+            </a:r>
+            <a:r>
+              <a:rPr kumimoji="0" lang="en-US" altLang="en-US" sz="1400" b="0" i="0" u="none" strike="noStrike" cap="none" normalizeH="0" baseline="0" dirty="0">
+                <a:ln>
+                  <a:noFill/>
+                </a:ln>
+                <a:solidFill>
+                  <a:srgbClr val="222222"/>
+                </a:solidFill>
+                <a:effectLst/>
+                <a:latin typeface="Courier New" panose="02070309020205020404" pitchFamily="49" charset="0"/>
+              </a:rPr>
+              <a:t> needle </a:t>
+            </a:r>
+            <a:r>
+              <a:rPr kumimoji="0" lang="en-US" altLang="en-US" sz="1400" b="1" i="0" u="none" strike="noStrike" cap="none" normalizeH="0" baseline="0" dirty="0">
+                <a:ln>
+                  <a:noFill/>
+                </a:ln>
+                <a:solidFill>
+                  <a:srgbClr val="000000"/>
+                </a:solidFill>
+                <a:effectLst/>
+                <a:latin typeface="Courier New" panose="02070309020205020404" pitchFamily="49" charset="0"/>
+              </a:rPr>
+              <a:t>not</a:t>
+            </a:r>
+            <a:r>
+              <a:rPr kumimoji="0" lang="en-US" altLang="en-US" sz="1400" b="0" i="0" u="none" strike="noStrike" cap="none" normalizeH="0" baseline="0" dirty="0">
+                <a:ln>
+                  <a:noFill/>
+                </a:ln>
+                <a:solidFill>
+                  <a:srgbClr val="222222"/>
+                </a:solidFill>
+                <a:effectLst/>
+                <a:latin typeface="Courier New" panose="02070309020205020404" pitchFamily="49" charset="0"/>
+              </a:rPr>
+              <a:t> </a:t>
+            </a:r>
+            <a:r>
+              <a:rPr kumimoji="0" lang="en-US" altLang="en-US" sz="1400" b="1" i="0" u="none" strike="noStrike" cap="none" normalizeH="0" baseline="0" dirty="0">
+                <a:ln>
+                  <a:noFill/>
+                </a:ln>
+                <a:solidFill>
+                  <a:srgbClr val="000000"/>
+                </a:solidFill>
+                <a:effectLst/>
+                <a:latin typeface="Courier New" panose="02070309020205020404" pitchFamily="49" charset="0"/>
+              </a:rPr>
+              <a:t>in</a:t>
+            </a:r>
+            <a:r>
+              <a:rPr kumimoji="0" lang="en-US" altLang="en-US" sz="1400" b="0" i="0" u="none" strike="noStrike" cap="none" normalizeH="0" baseline="0" dirty="0">
+                <a:ln>
+                  <a:noFill/>
+                </a:ln>
+                <a:solidFill>
+                  <a:srgbClr val="222222"/>
+                </a:solidFill>
+                <a:effectLst/>
+                <a:latin typeface="Courier New" panose="02070309020205020404" pitchFamily="49" charset="0"/>
+              </a:rPr>
+              <a:t> haystack: </a:t>
+            </a:r>
+          </a:p>
+          <a:p>
+            <a:pPr marL="0" marR="0" lvl="0" indent="0" algn="l" defTabSz="914400" rtl="0" eaLnBrk="0" fontAlgn="base" latinLnBrk="0" hangingPunct="0">
+              <a:lnSpc>
+                <a:spcPct val="100000"/>
+              </a:lnSpc>
+              <a:spcBef>
+                <a:spcPct val="0"/>
+              </a:spcBef>
+              <a:spcAft>
+                <a:spcPct val="0"/>
+              </a:spcAft>
+              <a:buClrTx/>
+              <a:buSzTx/>
+              <a:buFontTx/>
+              <a:buNone/>
+              <a:tabLst/>
+            </a:pPr>
+            <a:r>
+              <a:rPr kumimoji="0" lang="en-US" altLang="en-US" sz="1400" b="1" i="0" u="none" strike="noStrike" cap="none" normalizeH="0" baseline="0" dirty="0">
+                <a:ln>
+                  <a:noFill/>
+                </a:ln>
+                <a:solidFill>
+                  <a:srgbClr val="008800"/>
+                </a:solidFill>
+                <a:effectLst/>
+                <a:latin typeface="Courier New" panose="02070309020205020404" pitchFamily="49" charset="0"/>
+              </a:rPr>
+              <a:t>raise</a:t>
+            </a:r>
+            <a:r>
+              <a:rPr kumimoji="0" lang="en-US" altLang="en-US" sz="1400" b="0" i="0" u="none" strike="noStrike" cap="none" normalizeH="0" baseline="0" dirty="0">
+                <a:ln>
+                  <a:noFill/>
+                </a:ln>
+                <a:solidFill>
+                  <a:srgbClr val="222222"/>
+                </a:solidFill>
+                <a:effectLst/>
+                <a:latin typeface="Courier New" panose="02070309020205020404" pitchFamily="49" charset="0"/>
+              </a:rPr>
+              <a:t> </a:t>
+            </a:r>
+            <a:r>
+              <a:rPr kumimoji="0" lang="en-US" altLang="en-US" sz="1400" b="1" i="0" u="none" strike="noStrike" cap="none" normalizeH="0" baseline="0" dirty="0" err="1">
                 <a:ln>
                   <a:noFill/>
                 </a:ln>
@@ -6105,7 +7015,7 @@
               <a:t>ValueError</a:t>
             </a:r>
             <a:r>
-              <a:rPr kumimoji="0" lang="en-US" altLang="en-US" sz="1000" b="0" i="0" u="none" strike="noStrike" cap="none" normalizeH="0" baseline="0">
+              <a:rPr kumimoji="0" lang="en-US" altLang="en-US" sz="1400" b="0" i="0" u="none" strike="noStrike" cap="none" normalizeH="0" baseline="0" dirty="0">
                 <a:ln>
                   <a:noFill/>
                 </a:ln>
@@ -6115,567 +7025,21 @@
                 <a:effectLst/>
                 <a:latin typeface="Courier New" panose="02070309020205020404" pitchFamily="49" charset="0"/>
               </a:rPr>
-              <a:t>: "Needle not found" </a:t>
-            </a:r>
-            <a:r>
-              <a:rPr kumimoji="0" lang="en-US" altLang="en-US" sz="1000" b="0" i="0" u="none" strike="noStrike" cap="none" normalizeH="0" baseline="0">
-                <a:ln>
-                  <a:noFill/>
-                </a:ln>
-                <a:solidFill>
-                  <a:srgbClr val="888888"/>
-                </a:solidFill>
-                <a:effectLst/>
-                <a:latin typeface="Courier New" panose="02070309020205020404" pitchFamily="49" charset="0"/>
-              </a:rPr>
-              <a:t># Personally, I'm not a fan of the `else`</a:t>
-            </a:r>
-            <a:r>
-              <a:rPr kumimoji="0" lang="en-US" altLang="en-US" sz="1000" b="0" i="0" u="none" strike="noStrike" cap="none" normalizeH="0" baseline="0">
-                <a:ln>
-                  <a:noFill/>
-                </a:ln>
-                <a:solidFill>
-                  <a:srgbClr val="222222"/>
-                </a:solidFill>
-                <a:effectLst/>
-                <a:latin typeface="Courier New" panose="02070309020205020404" pitchFamily="49" charset="0"/>
+              <a:t>('Needle not found')</a:t>
+            </a:r>
+            <a:r>
+              <a:rPr kumimoji="0" lang="en-US" altLang="en-US" sz="1400" b="0" i="0" u="none" strike="noStrike" cap="none" normalizeH="0" baseline="0" dirty="0">
+                <a:ln>
+                  <a:noFill/>
+                </a:ln>
+                <a:solidFill>
+                  <a:schemeClr val="tx1"/>
+                </a:solidFill>
+                <a:effectLst/>
               </a:rPr>
               <a:t> </a:t>
             </a:r>
-            <a:r>
-              <a:rPr kumimoji="0" lang="en-US" altLang="en-US" sz="1000" b="0" i="0" u="none" strike="noStrike" cap="none" normalizeH="0" baseline="0">
-                <a:ln>
-                  <a:noFill/>
-                </a:ln>
-                <a:solidFill>
-                  <a:srgbClr val="888888"/>
-                </a:solidFill>
-                <a:effectLst/>
-                <a:latin typeface="Courier New" panose="02070309020205020404" pitchFamily="49" charset="0"/>
-              </a:rPr>
-              <a:t># "completion clause" in loops because</a:t>
-            </a:r>
-            <a:r>
-              <a:rPr kumimoji="0" lang="en-US" altLang="en-US" sz="1000" b="0" i="0" u="none" strike="noStrike" cap="none" normalizeH="0" baseline="0">
-                <a:ln>
-                  <a:noFill/>
-                </a:ln>
-                <a:solidFill>
-                  <a:srgbClr val="222222"/>
-                </a:solidFill>
-                <a:effectLst/>
-                <a:latin typeface="Courier New" panose="02070309020205020404" pitchFamily="49" charset="0"/>
-              </a:rPr>
-              <a:t> </a:t>
-            </a:r>
-            <a:r>
-              <a:rPr kumimoji="0" lang="en-US" altLang="en-US" sz="1000" b="0" i="0" u="none" strike="noStrike" cap="none" normalizeH="0" baseline="0">
-                <a:ln>
-                  <a:noFill/>
-                </a:ln>
-                <a:solidFill>
-                  <a:srgbClr val="888888"/>
-                </a:solidFill>
-                <a:effectLst/>
-                <a:latin typeface="Courier New" panose="02070309020205020404" pitchFamily="49" charset="0"/>
-              </a:rPr>
-              <a:t># I find it confusing. I'd rather do</a:t>
-            </a:r>
-            <a:r>
-              <a:rPr kumimoji="0" lang="en-US" altLang="en-US" sz="1000" b="0" i="0" u="none" strike="noStrike" cap="none" normalizeH="0" baseline="0">
-                <a:ln>
-                  <a:noFill/>
-                </a:ln>
-                <a:solidFill>
-                  <a:srgbClr val="222222"/>
-                </a:solidFill>
-                <a:effectLst/>
-                <a:latin typeface="Courier New" panose="02070309020205020404" pitchFamily="49" charset="0"/>
-              </a:rPr>
-              <a:t> </a:t>
-            </a:r>
-            <a:r>
-              <a:rPr kumimoji="0" lang="en-US" altLang="en-US" sz="1000" b="0" i="0" u="none" strike="noStrike" cap="none" normalizeH="0" baseline="0">
-                <a:ln>
-                  <a:noFill/>
-                </a:ln>
-                <a:solidFill>
-                  <a:srgbClr val="888888"/>
-                </a:solidFill>
-                <a:effectLst/>
-                <a:latin typeface="Courier New" panose="02070309020205020404" pitchFamily="49" charset="0"/>
-              </a:rPr>
-              <a:t># something like this:</a:t>
-            </a:r>
-            <a:r>
-              <a:rPr kumimoji="0" lang="en-US" altLang="en-US" sz="1000" b="0" i="0" u="none" strike="noStrike" cap="none" normalizeH="0" baseline="0">
-                <a:ln>
-                  <a:noFill/>
-                </a:ln>
-                <a:solidFill>
-                  <a:srgbClr val="222222"/>
-                </a:solidFill>
-                <a:effectLst/>
-                <a:latin typeface="Courier New" panose="02070309020205020404" pitchFamily="49" charset="0"/>
-              </a:rPr>
-              <a:t> </a:t>
-            </a:r>
-            <a:r>
-              <a:rPr kumimoji="0" lang="en-US" altLang="en-US" sz="1000" b="1" i="0" u="none" strike="noStrike" cap="none" normalizeH="0" baseline="0">
-                <a:ln>
-                  <a:noFill/>
-                </a:ln>
-                <a:solidFill>
-                  <a:srgbClr val="008800"/>
-                </a:solidFill>
-                <a:effectLst/>
-                <a:latin typeface="Courier New" panose="02070309020205020404" pitchFamily="49" charset="0"/>
-              </a:rPr>
-              <a:t>def</a:t>
-            </a:r>
-            <a:r>
-              <a:rPr kumimoji="0" lang="en-US" altLang="en-US" sz="1000" b="0" i="0" u="none" strike="noStrike" cap="none" normalizeH="0" baseline="0">
-                <a:ln>
-                  <a:noFill/>
-                </a:ln>
-                <a:solidFill>
-                  <a:srgbClr val="222222"/>
-                </a:solidFill>
-                <a:effectLst/>
-                <a:latin typeface="Courier New" panose="02070309020205020404" pitchFamily="49" charset="0"/>
-              </a:rPr>
-              <a:t> </a:t>
-            </a:r>
-            <a:r>
-              <a:rPr kumimoji="0" lang="en-US" altLang="en-US" sz="1000" b="1" i="0" u="none" strike="noStrike" cap="none" normalizeH="0" baseline="0">
-                <a:ln>
-                  <a:noFill/>
-                </a:ln>
-                <a:solidFill>
-                  <a:srgbClr val="0066BB"/>
-                </a:solidFill>
-                <a:effectLst/>
-                <a:latin typeface="Courier New" panose="02070309020205020404" pitchFamily="49" charset="0"/>
-              </a:rPr>
-              <a:t>better_contains</a:t>
-            </a:r>
-            <a:r>
-              <a:rPr kumimoji="0" lang="en-US" altLang="en-US" sz="1000" b="0" i="0" u="none" strike="noStrike" cap="none" normalizeH="0" baseline="0">
-                <a:ln>
-                  <a:noFill/>
-                </a:ln>
-                <a:solidFill>
-                  <a:srgbClr val="222222"/>
-                </a:solidFill>
-                <a:effectLst/>
-                <a:latin typeface="Courier New" panose="02070309020205020404" pitchFamily="49" charset="0"/>
-              </a:rPr>
-              <a:t>(haystack, needle): </a:t>
-            </a:r>
-            <a:r>
-              <a:rPr kumimoji="0" lang="en-US" altLang="en-US" sz="1000" b="1" i="0" u="none" strike="noStrike" cap="none" normalizeH="0" baseline="0">
-                <a:ln>
-                  <a:noFill/>
-                </a:ln>
-                <a:solidFill>
-                  <a:srgbClr val="008800"/>
-                </a:solidFill>
-                <a:effectLst/>
-                <a:latin typeface="Courier New" panose="02070309020205020404" pitchFamily="49" charset="0"/>
-              </a:rPr>
-              <a:t>for</a:t>
-            </a:r>
-            <a:r>
-              <a:rPr kumimoji="0" lang="en-US" altLang="en-US" sz="1000" b="0" i="0" u="none" strike="noStrike" cap="none" normalizeH="0" baseline="0">
-                <a:ln>
-                  <a:noFill/>
-                </a:ln>
-                <a:solidFill>
-                  <a:srgbClr val="222222"/>
-                </a:solidFill>
-                <a:effectLst/>
-                <a:latin typeface="Courier New" panose="02070309020205020404" pitchFamily="49" charset="0"/>
-              </a:rPr>
-              <a:t> item </a:t>
-            </a:r>
-            <a:r>
-              <a:rPr kumimoji="0" lang="en-US" altLang="en-US" sz="1000" b="1" i="0" u="none" strike="noStrike" cap="none" normalizeH="0" baseline="0">
-                <a:ln>
-                  <a:noFill/>
-                </a:ln>
-                <a:solidFill>
-                  <a:srgbClr val="000000"/>
-                </a:solidFill>
-                <a:effectLst/>
-                <a:latin typeface="Courier New" panose="02070309020205020404" pitchFamily="49" charset="0"/>
-              </a:rPr>
-              <a:t>in</a:t>
-            </a:r>
-            <a:r>
-              <a:rPr kumimoji="0" lang="en-US" altLang="en-US" sz="1000" b="0" i="0" u="none" strike="noStrike" cap="none" normalizeH="0" baseline="0">
-                <a:ln>
-                  <a:noFill/>
-                </a:ln>
-                <a:solidFill>
-                  <a:srgbClr val="222222"/>
-                </a:solidFill>
-                <a:effectLst/>
-                <a:latin typeface="Courier New" panose="02070309020205020404" pitchFamily="49" charset="0"/>
-              </a:rPr>
-              <a:t> haystack: </a:t>
-            </a:r>
-            <a:r>
-              <a:rPr kumimoji="0" lang="en-US" altLang="en-US" sz="1000" b="1" i="0" u="none" strike="noStrike" cap="none" normalizeH="0" baseline="0">
-                <a:ln>
-                  <a:noFill/>
-                </a:ln>
-                <a:solidFill>
-                  <a:srgbClr val="008800"/>
-                </a:solidFill>
-                <a:effectLst/>
-                <a:latin typeface="Courier New" panose="02070309020205020404" pitchFamily="49" charset="0"/>
-              </a:rPr>
-              <a:t>if</a:t>
-            </a:r>
-            <a:r>
-              <a:rPr kumimoji="0" lang="en-US" altLang="en-US" sz="1000" b="0" i="0" u="none" strike="noStrike" cap="none" normalizeH="0" baseline="0">
-                <a:ln>
-                  <a:noFill/>
-                </a:ln>
-                <a:solidFill>
-                  <a:srgbClr val="222222"/>
-                </a:solidFill>
-                <a:effectLst/>
-                <a:latin typeface="Courier New" panose="02070309020205020404" pitchFamily="49" charset="0"/>
-              </a:rPr>
-              <a:t> item </a:t>
-            </a:r>
-            <a:r>
-              <a:rPr kumimoji="0" lang="en-US" altLang="en-US" sz="1000" b="0" i="0" u="none" strike="noStrike" cap="none" normalizeH="0" baseline="0">
-                <a:ln>
-                  <a:noFill/>
-                </a:ln>
-                <a:solidFill>
-                  <a:srgbClr val="333333"/>
-                </a:solidFill>
-                <a:effectLst/>
-                <a:latin typeface="Courier New" panose="02070309020205020404" pitchFamily="49" charset="0"/>
-              </a:rPr>
-              <a:t>==</a:t>
-            </a:r>
-            <a:r>
-              <a:rPr kumimoji="0" lang="en-US" altLang="en-US" sz="1000" b="0" i="0" u="none" strike="noStrike" cap="none" normalizeH="0" baseline="0">
-                <a:ln>
-                  <a:noFill/>
-                </a:ln>
-                <a:solidFill>
-                  <a:srgbClr val="222222"/>
-                </a:solidFill>
-                <a:effectLst/>
-                <a:latin typeface="Courier New" panose="02070309020205020404" pitchFamily="49" charset="0"/>
-              </a:rPr>
-              <a:t> needle: </a:t>
-            </a:r>
-            <a:r>
-              <a:rPr kumimoji="0" lang="en-US" altLang="en-US" sz="1000" b="1" i="0" u="none" strike="noStrike" cap="none" normalizeH="0" baseline="0">
-                <a:ln>
-                  <a:noFill/>
-                </a:ln>
-                <a:solidFill>
-                  <a:srgbClr val="008800"/>
-                </a:solidFill>
-                <a:effectLst/>
-                <a:latin typeface="Courier New" panose="02070309020205020404" pitchFamily="49" charset="0"/>
-              </a:rPr>
-              <a:t>return</a:t>
-            </a:r>
-            <a:r>
-              <a:rPr kumimoji="0" lang="en-US" altLang="en-US" sz="1000" b="0" i="0" u="none" strike="noStrike" cap="none" normalizeH="0" baseline="0">
-                <a:ln>
-                  <a:noFill/>
-                </a:ln>
-                <a:solidFill>
-                  <a:srgbClr val="222222"/>
-                </a:solidFill>
-                <a:effectLst/>
-                <a:latin typeface="Courier New" panose="02070309020205020404" pitchFamily="49" charset="0"/>
-              </a:rPr>
-              <a:t> </a:t>
-            </a:r>
-            <a:r>
-              <a:rPr kumimoji="0" lang="en-US" altLang="en-US" sz="1000" b="1" i="0" u="none" strike="noStrike" cap="none" normalizeH="0" baseline="0">
-                <a:ln>
-                  <a:noFill/>
-                </a:ln>
-                <a:solidFill>
-                  <a:srgbClr val="008800"/>
-                </a:solidFill>
-                <a:effectLst/>
-                <a:latin typeface="Courier New" panose="02070309020205020404" pitchFamily="49" charset="0"/>
-              </a:rPr>
-              <a:t>raise</a:t>
-            </a:r>
-            <a:r>
-              <a:rPr kumimoji="0" lang="en-US" altLang="en-US" sz="1000" b="0" i="0" u="none" strike="noStrike" cap="none" normalizeH="0" baseline="0">
-                <a:ln>
-                  <a:noFill/>
-                </a:ln>
-                <a:solidFill>
-                  <a:srgbClr val="222222"/>
-                </a:solidFill>
-                <a:effectLst/>
-                <a:latin typeface="Courier New" panose="02070309020205020404" pitchFamily="49" charset="0"/>
-              </a:rPr>
-              <a:t> </a:t>
-            </a:r>
-            <a:r>
-              <a:rPr kumimoji="0" lang="en-US" altLang="en-US" sz="1000" b="1" i="0" u="none" strike="noStrike" cap="none" normalizeH="0" baseline="0">
-                <a:ln>
-                  <a:noFill/>
-                </a:ln>
-                <a:solidFill>
-                  <a:srgbClr val="FF0000"/>
-                </a:solidFill>
-                <a:effectLst/>
-                <a:latin typeface="Courier New" panose="02070309020205020404" pitchFamily="49" charset="0"/>
-              </a:rPr>
-              <a:t>ValueError</a:t>
-            </a:r>
-            <a:r>
-              <a:rPr kumimoji="0" lang="en-US" altLang="en-US" sz="1000" b="0" i="0" u="none" strike="noStrike" cap="none" normalizeH="0" baseline="0">
-                <a:ln>
-                  <a:noFill/>
-                </a:ln>
-                <a:solidFill>
-                  <a:srgbClr val="222222"/>
-                </a:solidFill>
-                <a:effectLst/>
-                <a:latin typeface="Courier New" panose="02070309020205020404" pitchFamily="49" charset="0"/>
-              </a:rPr>
-              <a:t>('Needle not found') </a:t>
-            </a:r>
-            <a:r>
-              <a:rPr kumimoji="0" lang="en-US" altLang="en-US" sz="1000" b="0" i="0" u="none" strike="noStrike" cap="none" normalizeH="0" baseline="0">
-                <a:ln>
-                  <a:noFill/>
-                </a:ln>
-                <a:solidFill>
-                  <a:srgbClr val="888888"/>
-                </a:solidFill>
-                <a:effectLst/>
-                <a:latin typeface="Courier New" panose="02070309020205020404" pitchFamily="49" charset="0"/>
-              </a:rPr>
-              <a:t># Note: Typically you'd write something</a:t>
-            </a:r>
-            <a:r>
-              <a:rPr kumimoji="0" lang="en-US" altLang="en-US" sz="1000" b="0" i="0" u="none" strike="noStrike" cap="none" normalizeH="0" baseline="0">
-                <a:ln>
-                  <a:noFill/>
-                </a:ln>
-                <a:solidFill>
-                  <a:srgbClr val="222222"/>
-                </a:solidFill>
-                <a:effectLst/>
-                <a:latin typeface="Courier New" panose="02070309020205020404" pitchFamily="49" charset="0"/>
-              </a:rPr>
-              <a:t> </a:t>
-            </a:r>
-            <a:r>
-              <a:rPr kumimoji="0" lang="en-US" altLang="en-US" sz="1000" b="0" i="0" u="none" strike="noStrike" cap="none" normalizeH="0" baseline="0">
-                <a:ln>
-                  <a:noFill/>
-                </a:ln>
-                <a:solidFill>
-                  <a:srgbClr val="888888"/>
-                </a:solidFill>
-                <a:effectLst/>
-                <a:latin typeface="Courier New" panose="02070309020205020404" pitchFamily="49" charset="0"/>
-              </a:rPr>
-              <a:t># like this to do a membership test,</a:t>
-            </a:r>
-            <a:r>
-              <a:rPr kumimoji="0" lang="en-US" altLang="en-US" sz="1000" b="0" i="0" u="none" strike="noStrike" cap="none" normalizeH="0" baseline="0">
-                <a:ln>
-                  <a:noFill/>
-                </a:ln>
-                <a:solidFill>
-                  <a:srgbClr val="222222"/>
-                </a:solidFill>
-                <a:effectLst/>
-                <a:latin typeface="Courier New" panose="02070309020205020404" pitchFamily="49" charset="0"/>
-              </a:rPr>
-              <a:t> </a:t>
-            </a:r>
-            <a:r>
-              <a:rPr kumimoji="0" lang="en-US" altLang="en-US" sz="1000" b="0" i="0" u="none" strike="noStrike" cap="none" normalizeH="0" baseline="0">
-                <a:ln>
-                  <a:noFill/>
-                </a:ln>
-                <a:solidFill>
-                  <a:srgbClr val="888888"/>
-                </a:solidFill>
-                <a:effectLst/>
-                <a:latin typeface="Courier New" panose="02070309020205020404" pitchFamily="49" charset="0"/>
-              </a:rPr>
-              <a:t># which is much more Pythonic:</a:t>
-            </a:r>
-            <a:r>
-              <a:rPr kumimoji="0" lang="en-US" altLang="en-US" sz="1000" b="0" i="0" u="none" strike="noStrike" cap="none" normalizeH="0" baseline="0">
-                <a:ln>
-                  <a:noFill/>
-                </a:ln>
-                <a:solidFill>
-                  <a:srgbClr val="222222"/>
-                </a:solidFill>
-                <a:effectLst/>
-                <a:latin typeface="Courier New" panose="02070309020205020404" pitchFamily="49" charset="0"/>
-              </a:rPr>
-              <a:t> </a:t>
-            </a:r>
-            <a:r>
-              <a:rPr kumimoji="0" lang="en-US" altLang="en-US" sz="1000" b="1" i="0" u="none" strike="noStrike" cap="none" normalizeH="0" baseline="0">
-                <a:ln>
-                  <a:noFill/>
-                </a:ln>
-                <a:solidFill>
-                  <a:srgbClr val="008800"/>
-                </a:solidFill>
-                <a:effectLst/>
-                <a:latin typeface="Courier New" panose="02070309020205020404" pitchFamily="49" charset="0"/>
-              </a:rPr>
-              <a:t>if</a:t>
-            </a:r>
-            <a:r>
-              <a:rPr kumimoji="0" lang="en-US" altLang="en-US" sz="1000" b="0" i="0" u="none" strike="noStrike" cap="none" normalizeH="0" baseline="0">
-                <a:ln>
-                  <a:noFill/>
-                </a:ln>
-                <a:solidFill>
-                  <a:srgbClr val="222222"/>
-                </a:solidFill>
-                <a:effectLst/>
-                <a:latin typeface="Courier New" panose="02070309020205020404" pitchFamily="49" charset="0"/>
-              </a:rPr>
-              <a:t> needle </a:t>
-            </a:r>
-            <a:r>
-              <a:rPr kumimoji="0" lang="en-US" altLang="en-US" sz="1000" b="1" i="0" u="none" strike="noStrike" cap="none" normalizeH="0" baseline="0">
-                <a:ln>
-                  <a:noFill/>
-                </a:ln>
-                <a:solidFill>
-                  <a:srgbClr val="000000"/>
-                </a:solidFill>
-                <a:effectLst/>
-                <a:latin typeface="Courier New" panose="02070309020205020404" pitchFamily="49" charset="0"/>
-              </a:rPr>
-              <a:t>not</a:t>
-            </a:r>
-            <a:r>
-              <a:rPr kumimoji="0" lang="en-US" altLang="en-US" sz="1000" b="0" i="0" u="none" strike="noStrike" cap="none" normalizeH="0" baseline="0">
-                <a:ln>
-                  <a:noFill/>
-                </a:ln>
-                <a:solidFill>
-                  <a:srgbClr val="222222"/>
-                </a:solidFill>
-                <a:effectLst/>
-                <a:latin typeface="Courier New" panose="02070309020205020404" pitchFamily="49" charset="0"/>
-              </a:rPr>
-              <a:t> </a:t>
-            </a:r>
-            <a:r>
-              <a:rPr kumimoji="0" lang="en-US" altLang="en-US" sz="1000" b="1" i="0" u="none" strike="noStrike" cap="none" normalizeH="0" baseline="0">
-                <a:ln>
-                  <a:noFill/>
-                </a:ln>
-                <a:solidFill>
-                  <a:srgbClr val="000000"/>
-                </a:solidFill>
-                <a:effectLst/>
-                <a:latin typeface="Courier New" panose="02070309020205020404" pitchFamily="49" charset="0"/>
-              </a:rPr>
-              <a:t>in</a:t>
-            </a:r>
-            <a:r>
-              <a:rPr kumimoji="0" lang="en-US" altLang="en-US" sz="1000" b="0" i="0" u="none" strike="noStrike" cap="none" normalizeH="0" baseline="0">
-                <a:ln>
-                  <a:noFill/>
-                </a:ln>
-                <a:solidFill>
-                  <a:srgbClr val="222222"/>
-                </a:solidFill>
-                <a:effectLst/>
-                <a:latin typeface="Courier New" panose="02070309020205020404" pitchFamily="49" charset="0"/>
-              </a:rPr>
-              <a:t> haystack: </a:t>
-            </a:r>
-            <a:r>
-              <a:rPr kumimoji="0" lang="en-US" altLang="en-US" sz="1000" b="1" i="0" u="none" strike="noStrike" cap="none" normalizeH="0" baseline="0">
-                <a:ln>
-                  <a:noFill/>
-                </a:ln>
-                <a:solidFill>
-                  <a:srgbClr val="008800"/>
-                </a:solidFill>
-                <a:effectLst/>
-                <a:latin typeface="Courier New" panose="02070309020205020404" pitchFamily="49" charset="0"/>
-              </a:rPr>
-              <a:t>raise</a:t>
-            </a:r>
-            <a:r>
-              <a:rPr kumimoji="0" lang="en-US" altLang="en-US" sz="1000" b="0" i="0" u="none" strike="noStrike" cap="none" normalizeH="0" baseline="0">
-                <a:ln>
-                  <a:noFill/>
-                </a:ln>
-                <a:solidFill>
-                  <a:srgbClr val="222222"/>
-                </a:solidFill>
-                <a:effectLst/>
-                <a:latin typeface="Courier New" panose="02070309020205020404" pitchFamily="49" charset="0"/>
-              </a:rPr>
-              <a:t> </a:t>
-            </a:r>
-            <a:r>
-              <a:rPr kumimoji="0" lang="en-US" altLang="en-US" sz="1000" b="1" i="0" u="none" strike="noStrike" cap="none" normalizeH="0" baseline="0">
-                <a:ln>
-                  <a:noFill/>
-                </a:ln>
-                <a:solidFill>
-                  <a:srgbClr val="FF0000"/>
-                </a:solidFill>
-                <a:effectLst/>
-                <a:latin typeface="Courier New" panose="02070309020205020404" pitchFamily="49" charset="0"/>
-              </a:rPr>
-              <a:t>ValueError</a:t>
-            </a:r>
-            <a:r>
-              <a:rPr kumimoji="0" lang="en-US" altLang="en-US" sz="1000" b="0" i="0" u="none" strike="noStrike" cap="none" normalizeH="0" baseline="0">
-                <a:ln>
-                  <a:noFill/>
-                </a:ln>
-                <a:solidFill>
-                  <a:srgbClr val="222222"/>
-                </a:solidFill>
-                <a:effectLst/>
-                <a:latin typeface="Courier New" panose="02070309020205020404" pitchFamily="49" charset="0"/>
-              </a:rPr>
-              <a:t>('Needle not found')</a:t>
-            </a:r>
-            <a:r>
-              <a:rPr kumimoji="0" lang="en-US" altLang="en-US" sz="800" b="0" i="0" u="none" strike="noStrike" cap="none" normalizeH="0" baseline="0">
-                <a:ln>
-                  <a:noFill/>
-                </a:ln>
-                <a:solidFill>
-                  <a:schemeClr val="tx1"/>
-                </a:solidFill>
-                <a:effectLst/>
-              </a:rPr>
-              <a:t> </a:t>
-            </a:r>
-            <a:endParaRPr kumimoji="0" lang="en-US" altLang="en-US" sz="1800" b="0" i="0" u="none" strike="noStrike" cap="none" normalizeH="0" baseline="0">
+            <a:endParaRPr kumimoji="0" lang="en-US" altLang="en-US" sz="1400" b="0" i="0" u="none" strike="noStrike" cap="none" normalizeH="0" baseline="0" dirty="0">
               <a:ln>
                 <a:noFill/>
               </a:ln>
@@ -6692,6 +7056,1025 @@
     <p:extLst>
       <p:ext uri="{BB962C8B-B14F-4D97-AF65-F5344CB8AC3E}">
         <p14:creationId xmlns:p14="http://schemas.microsoft.com/office/powerpoint/2010/main" val="1016778438"/>
+      </p:ext>
+    </p:extLst>
+  </p:cSld>
+  <p:clrMapOvr>
+    <a:masterClrMapping/>
+  </p:clrMapOvr>
+</p:sld>
+</file>
+
+<file path=ppt/slides/slide16.xml><?xml version="1.0" encoding="utf-8"?>
+<p:sld xmlns:a="http://schemas.openxmlformats.org/drawingml/2006/main" xmlns:r="http://schemas.openxmlformats.org/officeDocument/2006/relationships" xmlns:p="http://schemas.openxmlformats.org/presentationml/2006/main">
+  <p:cSld>
+    <p:spTree>
+      <p:nvGrpSpPr>
+        <p:cNvPr id="1" name=""/>
+        <p:cNvGrpSpPr/>
+        <p:nvPr/>
+      </p:nvGrpSpPr>
+      <p:grpSpPr>
+        <a:xfrm>
+          <a:off x="0" y="0"/>
+          <a:ext cx="0" cy="0"/>
+          <a:chOff x="0" y="0"/>
+          <a:chExt cx="0" cy="0"/>
+        </a:xfrm>
+      </p:grpSpPr>
+      <p:sp>
+        <p:nvSpPr>
+          <p:cNvPr id="2" name="Title 1">
+            <a:extLst>
+              <a:ext uri="{FF2B5EF4-FFF2-40B4-BE49-F238E27FC236}">
+                <a16:creationId xmlns:a16="http://schemas.microsoft.com/office/drawing/2014/main" id="{060FCF63-9D83-4D32-8AAA-42B2CF9A2A30}"/>
+              </a:ext>
+            </a:extLst>
+          </p:cNvPr>
+          <p:cNvSpPr>
+            <a:spLocks noGrp="1"/>
+          </p:cNvSpPr>
+          <p:nvPr>
+            <p:ph type="title"/>
+          </p:nvPr>
+        </p:nvSpPr>
+        <p:spPr>
+          <a:xfrm>
+            <a:off x="778645" y="658089"/>
+            <a:ext cx="10634709" cy="975403"/>
+          </a:xfrm>
+        </p:spPr>
+        <p:txBody>
+          <a:bodyPr>
+            <a:normAutofit fontScale="90000"/>
+          </a:bodyPr>
+          <a:lstStyle/>
+          <a:p>
+            <a:r>
+              <a:rPr lang="en-US" b="0" i="0" dirty="0">
+                <a:solidFill>
+                  <a:srgbClr val="202124"/>
+                </a:solidFill>
+                <a:effectLst/>
+                <a:latin typeface="Google Sans"/>
+              </a:rPr>
+              <a:t>Check if all elements in a list are equal</a:t>
+            </a:r>
+            <a:br>
+              <a:rPr lang="en-US" b="0" i="0" dirty="0">
+                <a:solidFill>
+                  <a:srgbClr val="202124"/>
+                </a:solidFill>
+                <a:effectLst/>
+                <a:latin typeface="Google Sans"/>
+              </a:rPr>
+            </a:br>
+            <a:br>
+              <a:rPr lang="en-US" b="0" i="0" dirty="0">
+                <a:solidFill>
+                  <a:srgbClr val="222222"/>
+                </a:solidFill>
+                <a:effectLst/>
+                <a:latin typeface="Roboto" panose="02000000000000000000" pitchFamily="2" charset="0"/>
+              </a:rPr>
+            </a:br>
+            <a:endParaRPr lang="en-IN" dirty="0"/>
+          </a:p>
+        </p:txBody>
+      </p:sp>
+      <p:sp>
+        <p:nvSpPr>
+          <p:cNvPr id="4" name="Rectangle 3">
+            <a:extLst>
+              <a:ext uri="{FF2B5EF4-FFF2-40B4-BE49-F238E27FC236}">
+                <a16:creationId xmlns:a16="http://schemas.microsoft.com/office/drawing/2014/main" id="{EDCE808E-B9F8-48ED-B146-E2509D0A38B5}"/>
+              </a:ext>
+            </a:extLst>
+          </p:cNvPr>
+          <p:cNvSpPr>
+            <a:spLocks noChangeArrowheads="1"/>
+          </p:cNvSpPr>
+          <p:nvPr/>
+        </p:nvSpPr>
+        <p:spPr bwMode="auto">
+          <a:xfrm>
+            <a:off x="994300" y="1459293"/>
+            <a:ext cx="6779491" cy="1723549"/>
+          </a:xfrm>
+          <a:prstGeom prst="rect">
+            <a:avLst/>
+          </a:prstGeom>
+          <a:noFill/>
+          <a:ln>
+            <a:noFill/>
+          </a:ln>
+          <a:effectLst/>
+          <a:extLst>
+            <a:ext uri="{909E8E84-426E-40DD-AFC4-6F175D3DCCD1}">
+              <a14:hiddenFill xmlns:a14="http://schemas.microsoft.com/office/drawing/2010/main">
+                <a:solidFill>
+                  <a:schemeClr val="accent1"/>
+                </a:solidFill>
+              </a14:hiddenFill>
+            </a:ext>
+            <a:ext uri="{91240B29-F687-4F45-9708-019B960494DF}">
+              <a14:hiddenLine xmlns:a14="http://schemas.microsoft.com/office/drawing/2010/main" w="9525">
+                <a:solidFill>
+                  <a:schemeClr val="tx1"/>
+                </a:solidFill>
+                <a:miter lim="800000"/>
+                <a:headEnd/>
+                <a:tailEnd/>
+              </a14:hiddenLine>
+            </a:ext>
+            <a:ext uri="{AF507438-7753-43E0-B8FC-AC1667EBCBE1}">
+              <a14:hiddenEffects xmlns:a14="http://schemas.microsoft.com/office/drawing/2010/main">
+                <a:effectLst>
+                  <a:outerShdw dist="35921" dir="2700000" algn="ctr" rotWithShape="0">
+                    <a:schemeClr val="bg2"/>
+                  </a:outerShdw>
+                </a:effectLst>
+              </a14:hiddenEffects>
+            </a:ext>
+          </a:extLst>
+        </p:spPr>
+        <p:txBody>
+          <a:bodyPr vert="horz" wrap="square" lIns="0" tIns="0" rIns="0" bIns="0" numCol="1" anchor="ctr" anchorCtr="0" compatLnSpc="1">
+            <a:prstTxWarp prst="textNoShape">
+              <a:avLst/>
+            </a:prstTxWarp>
+            <a:spAutoFit/>
+          </a:bodyPr>
+          <a:lstStyle/>
+          <a:p>
+            <a:pPr marL="0" marR="0" lvl="0" indent="0" algn="l" defTabSz="914400" rtl="0" eaLnBrk="0" fontAlgn="base" latinLnBrk="0" hangingPunct="0">
+              <a:lnSpc>
+                <a:spcPct val="100000"/>
+              </a:lnSpc>
+              <a:spcBef>
+                <a:spcPct val="0"/>
+              </a:spcBef>
+              <a:spcAft>
+                <a:spcPct val="0"/>
+              </a:spcAft>
+              <a:buClrTx/>
+              <a:buSzTx/>
+              <a:buFontTx/>
+              <a:buNone/>
+              <a:tabLst/>
+            </a:pPr>
+            <a:r>
+              <a:rPr kumimoji="0" lang="en-US" altLang="en-US" sz="1400" b="0" i="0" u="none" strike="noStrike" cap="none" normalizeH="0" baseline="0" dirty="0">
+                <a:ln>
+                  <a:noFill/>
+                </a:ln>
+                <a:solidFill>
+                  <a:srgbClr val="888888"/>
+                </a:solidFill>
+                <a:effectLst/>
+                <a:latin typeface="Courier New" panose="02070309020205020404" pitchFamily="49" charset="0"/>
+              </a:rPr>
+              <a:t># Pythonic ways of checking if all</a:t>
+            </a:r>
+            <a:r>
+              <a:rPr kumimoji="0" lang="en-US" altLang="en-US" sz="1400" b="0" i="0" u="none" strike="noStrike" cap="none" normalizeH="0" baseline="0" dirty="0">
+                <a:ln>
+                  <a:noFill/>
+                </a:ln>
+                <a:solidFill>
+                  <a:srgbClr val="222222"/>
+                </a:solidFill>
+                <a:effectLst/>
+                <a:latin typeface="Courier New" panose="02070309020205020404" pitchFamily="49" charset="0"/>
+              </a:rPr>
+              <a:t> </a:t>
+            </a:r>
+            <a:r>
+              <a:rPr kumimoji="0" lang="en-US" altLang="en-US" sz="1400" b="0" i="0" u="none" strike="noStrike" cap="none" normalizeH="0" baseline="0" dirty="0">
+                <a:ln>
+                  <a:noFill/>
+                </a:ln>
+                <a:solidFill>
+                  <a:srgbClr val="888888"/>
+                </a:solidFill>
+                <a:effectLst/>
+                <a:latin typeface="Courier New" panose="02070309020205020404" pitchFamily="49" charset="0"/>
+              </a:rPr>
+              <a:t># items in a list are equal:</a:t>
+            </a:r>
+            <a:r>
+              <a:rPr kumimoji="0" lang="en-US" altLang="en-US" sz="1400" b="0" i="0" u="none" strike="noStrike" cap="none" normalizeH="0" baseline="0" dirty="0">
+                <a:ln>
+                  <a:noFill/>
+                </a:ln>
+                <a:solidFill>
+                  <a:srgbClr val="222222"/>
+                </a:solidFill>
+                <a:effectLst/>
+                <a:latin typeface="Courier New" panose="02070309020205020404" pitchFamily="49" charset="0"/>
+              </a:rPr>
+              <a:t> </a:t>
+            </a:r>
+            <a:r>
+              <a:rPr kumimoji="0" lang="en-US" altLang="en-US" sz="1400" b="1" i="0" u="none" strike="noStrike" cap="none" normalizeH="0" baseline="0" dirty="0">
+                <a:ln>
+                  <a:noFill/>
+                </a:ln>
+                <a:solidFill>
+                  <a:srgbClr val="C65D09"/>
+                </a:solidFill>
+                <a:effectLst/>
+                <a:latin typeface="Courier New" panose="02070309020205020404" pitchFamily="49" charset="0"/>
+              </a:rPr>
+              <a:t>&gt;&gt;&gt; </a:t>
+            </a:r>
+            <a:r>
+              <a:rPr kumimoji="0" lang="en-US" altLang="en-US" sz="1400" b="0" i="0" u="none" strike="noStrike" cap="none" normalizeH="0" baseline="0" dirty="0" err="1">
+                <a:ln>
+                  <a:noFill/>
+                </a:ln>
+                <a:solidFill>
+                  <a:srgbClr val="222222"/>
+                </a:solidFill>
+                <a:effectLst/>
+                <a:latin typeface="Courier New" panose="02070309020205020404" pitchFamily="49" charset="0"/>
+              </a:rPr>
+              <a:t>lst</a:t>
+            </a:r>
+            <a:r>
+              <a:rPr kumimoji="0" lang="en-US" altLang="en-US" sz="1400" b="0" i="0" u="none" strike="noStrike" cap="none" normalizeH="0" baseline="0" dirty="0">
+                <a:ln>
+                  <a:noFill/>
+                </a:ln>
+                <a:solidFill>
+                  <a:srgbClr val="222222"/>
+                </a:solidFill>
+                <a:effectLst/>
+                <a:latin typeface="Courier New" panose="02070309020205020404" pitchFamily="49" charset="0"/>
+              </a:rPr>
+              <a:t> </a:t>
+            </a:r>
+            <a:r>
+              <a:rPr kumimoji="0" lang="en-US" altLang="en-US" sz="1400" b="0" i="0" u="none" strike="noStrike" cap="none" normalizeH="0" baseline="0" dirty="0">
+                <a:ln>
+                  <a:noFill/>
+                </a:ln>
+                <a:solidFill>
+                  <a:srgbClr val="333333"/>
+                </a:solidFill>
+                <a:effectLst/>
+                <a:latin typeface="Courier New" panose="02070309020205020404" pitchFamily="49" charset="0"/>
+              </a:rPr>
+              <a:t>=</a:t>
+            </a:r>
+            <a:r>
+              <a:rPr kumimoji="0" lang="en-US" altLang="en-US" sz="1400" b="0" i="0" u="none" strike="noStrike" cap="none" normalizeH="0" baseline="0" dirty="0">
+                <a:ln>
+                  <a:noFill/>
+                </a:ln>
+                <a:solidFill>
+                  <a:srgbClr val="222222"/>
+                </a:solidFill>
+                <a:effectLst/>
+                <a:latin typeface="Courier New" panose="02070309020205020404" pitchFamily="49" charset="0"/>
+              </a:rPr>
+              <a:t> ['a', 'a', 'a’] </a:t>
+            </a:r>
+          </a:p>
+          <a:p>
+            <a:pPr marL="0" marR="0" lvl="0" indent="0" algn="l" defTabSz="914400" rtl="0" eaLnBrk="0" fontAlgn="base" latinLnBrk="0" hangingPunct="0">
+              <a:lnSpc>
+                <a:spcPct val="100000"/>
+              </a:lnSpc>
+              <a:spcBef>
+                <a:spcPct val="0"/>
+              </a:spcBef>
+              <a:spcAft>
+                <a:spcPct val="0"/>
+              </a:spcAft>
+              <a:buClrTx/>
+              <a:buSzTx/>
+              <a:buFontTx/>
+              <a:buNone/>
+              <a:tabLst/>
+            </a:pPr>
+            <a:r>
+              <a:rPr kumimoji="0" lang="en-US" altLang="en-US" sz="1400" b="1" i="0" u="none" strike="noStrike" cap="none" normalizeH="0" baseline="0" dirty="0">
+                <a:ln>
+                  <a:noFill/>
+                </a:ln>
+                <a:solidFill>
+                  <a:srgbClr val="C65D09"/>
+                </a:solidFill>
+                <a:effectLst/>
+                <a:latin typeface="Courier New" panose="02070309020205020404" pitchFamily="49" charset="0"/>
+              </a:rPr>
+              <a:t>&gt;&gt;&gt; </a:t>
+            </a:r>
+            <a:r>
+              <a:rPr kumimoji="0" lang="en-US" altLang="en-US" sz="1400" b="0" i="0" u="none" strike="noStrike" cap="none" normalizeH="0" baseline="0" dirty="0" err="1">
+                <a:ln>
+                  <a:noFill/>
+                </a:ln>
+                <a:solidFill>
+                  <a:srgbClr val="007020"/>
+                </a:solidFill>
+                <a:effectLst/>
+                <a:latin typeface="Courier New" panose="02070309020205020404" pitchFamily="49" charset="0"/>
+              </a:rPr>
+              <a:t>len</a:t>
+            </a:r>
+            <a:r>
+              <a:rPr kumimoji="0" lang="en-US" altLang="en-US" sz="1400" b="0" i="0" u="none" strike="noStrike" cap="none" normalizeH="0" baseline="0" dirty="0">
+                <a:ln>
+                  <a:noFill/>
+                </a:ln>
+                <a:solidFill>
+                  <a:srgbClr val="222222"/>
+                </a:solidFill>
+                <a:effectLst/>
+                <a:latin typeface="Courier New" panose="02070309020205020404" pitchFamily="49" charset="0"/>
+              </a:rPr>
+              <a:t>(</a:t>
+            </a:r>
+            <a:r>
+              <a:rPr kumimoji="0" lang="en-US" altLang="en-US" sz="1400" b="0" i="0" u="none" strike="noStrike" cap="none" normalizeH="0" baseline="0" dirty="0">
+                <a:ln>
+                  <a:noFill/>
+                </a:ln>
+                <a:solidFill>
+                  <a:srgbClr val="007020"/>
+                </a:solidFill>
+                <a:effectLst/>
+                <a:latin typeface="Courier New" panose="02070309020205020404" pitchFamily="49" charset="0"/>
+              </a:rPr>
+              <a:t>set</a:t>
+            </a:r>
+            <a:r>
+              <a:rPr kumimoji="0" lang="en-US" altLang="en-US" sz="1400" b="0" i="0" u="none" strike="noStrike" cap="none" normalizeH="0" baseline="0" dirty="0">
+                <a:ln>
+                  <a:noFill/>
+                </a:ln>
+                <a:solidFill>
+                  <a:srgbClr val="222222"/>
+                </a:solidFill>
+                <a:effectLst/>
+                <a:latin typeface="Courier New" panose="02070309020205020404" pitchFamily="49" charset="0"/>
+              </a:rPr>
+              <a:t>(</a:t>
+            </a:r>
+            <a:r>
+              <a:rPr kumimoji="0" lang="en-US" altLang="en-US" sz="1400" b="0" i="0" u="none" strike="noStrike" cap="none" normalizeH="0" baseline="0" dirty="0" err="1">
+                <a:ln>
+                  <a:noFill/>
+                </a:ln>
+                <a:solidFill>
+                  <a:srgbClr val="222222"/>
+                </a:solidFill>
+                <a:effectLst/>
+                <a:latin typeface="Courier New" panose="02070309020205020404" pitchFamily="49" charset="0"/>
+              </a:rPr>
+              <a:t>lst</a:t>
+            </a:r>
+            <a:r>
+              <a:rPr kumimoji="0" lang="en-US" altLang="en-US" sz="1400" b="0" i="0" u="none" strike="noStrike" cap="none" normalizeH="0" baseline="0" dirty="0">
+                <a:ln>
+                  <a:noFill/>
+                </a:ln>
+                <a:solidFill>
+                  <a:srgbClr val="222222"/>
+                </a:solidFill>
+                <a:effectLst/>
+                <a:latin typeface="Courier New" panose="02070309020205020404" pitchFamily="49" charset="0"/>
+              </a:rPr>
+              <a:t>)) </a:t>
+            </a:r>
+            <a:r>
+              <a:rPr kumimoji="0" lang="en-US" altLang="en-US" sz="1400" b="0" i="0" u="none" strike="noStrike" cap="none" normalizeH="0" baseline="0" dirty="0">
+                <a:ln>
+                  <a:noFill/>
+                </a:ln>
+                <a:solidFill>
+                  <a:srgbClr val="333333"/>
+                </a:solidFill>
+                <a:effectLst/>
+                <a:latin typeface="Courier New" panose="02070309020205020404" pitchFamily="49" charset="0"/>
+              </a:rPr>
+              <a:t>==</a:t>
+            </a:r>
+            <a:r>
+              <a:rPr kumimoji="0" lang="en-US" altLang="en-US" sz="1400" b="0" i="0" u="none" strike="noStrike" cap="none" normalizeH="0" baseline="0" dirty="0">
+                <a:ln>
+                  <a:noFill/>
+                </a:ln>
+                <a:solidFill>
+                  <a:srgbClr val="222222"/>
+                </a:solidFill>
+                <a:effectLst/>
+                <a:latin typeface="Courier New" panose="02070309020205020404" pitchFamily="49" charset="0"/>
+              </a:rPr>
+              <a:t> </a:t>
+            </a:r>
+            <a:r>
+              <a:rPr kumimoji="0" lang="en-US" altLang="en-US" sz="1400" b="1" i="0" u="none" strike="noStrike" cap="none" normalizeH="0" baseline="0" dirty="0">
+                <a:ln>
+                  <a:noFill/>
+                </a:ln>
+                <a:solidFill>
+                  <a:srgbClr val="0000DD"/>
+                </a:solidFill>
+                <a:effectLst/>
+                <a:latin typeface="Courier New" panose="02070309020205020404" pitchFamily="49" charset="0"/>
+              </a:rPr>
+              <a:t>1</a:t>
+            </a:r>
+            <a:r>
+              <a:rPr kumimoji="0" lang="en-US" altLang="en-US" sz="1400" b="0" i="0" u="none" strike="noStrike" cap="none" normalizeH="0" baseline="0" dirty="0">
+                <a:ln>
+                  <a:noFill/>
+                </a:ln>
+                <a:solidFill>
+                  <a:srgbClr val="222222"/>
+                </a:solidFill>
+                <a:effectLst/>
+                <a:latin typeface="Courier New" panose="02070309020205020404" pitchFamily="49" charset="0"/>
+              </a:rPr>
+              <a:t> </a:t>
+            </a:r>
+          </a:p>
+          <a:p>
+            <a:pPr marL="0" marR="0" lvl="0" indent="0" algn="l" defTabSz="914400" rtl="0" eaLnBrk="0" fontAlgn="base" latinLnBrk="0" hangingPunct="0">
+              <a:lnSpc>
+                <a:spcPct val="100000"/>
+              </a:lnSpc>
+              <a:spcBef>
+                <a:spcPct val="0"/>
+              </a:spcBef>
+              <a:spcAft>
+                <a:spcPct val="0"/>
+              </a:spcAft>
+              <a:buClrTx/>
+              <a:buSzTx/>
+              <a:buFontTx/>
+              <a:buNone/>
+              <a:tabLst/>
+            </a:pPr>
+            <a:r>
+              <a:rPr kumimoji="0" lang="en-US" altLang="en-US" sz="1400" b="0" i="0" u="none" strike="noStrike" cap="none" normalizeH="0" baseline="0" dirty="0">
+                <a:ln>
+                  <a:noFill/>
+                </a:ln>
+                <a:solidFill>
+                  <a:srgbClr val="888888"/>
+                </a:solidFill>
+                <a:effectLst/>
+                <a:latin typeface="Courier New" panose="02070309020205020404" pitchFamily="49" charset="0"/>
+              </a:rPr>
+              <a:t>True</a:t>
+            </a:r>
+            <a:r>
+              <a:rPr kumimoji="0" lang="en-US" altLang="en-US" sz="1400" b="0" i="0" u="none" strike="noStrike" cap="none" normalizeH="0" baseline="0" dirty="0">
+                <a:ln>
+                  <a:noFill/>
+                </a:ln>
+                <a:solidFill>
+                  <a:srgbClr val="222222"/>
+                </a:solidFill>
+                <a:effectLst/>
+                <a:latin typeface="Courier New" panose="02070309020205020404" pitchFamily="49" charset="0"/>
+              </a:rPr>
+              <a:t> </a:t>
+            </a:r>
+          </a:p>
+          <a:p>
+            <a:pPr marL="0" marR="0" lvl="0" indent="0" algn="l" defTabSz="914400" rtl="0" eaLnBrk="0" fontAlgn="base" latinLnBrk="0" hangingPunct="0">
+              <a:lnSpc>
+                <a:spcPct val="100000"/>
+              </a:lnSpc>
+              <a:spcBef>
+                <a:spcPct val="0"/>
+              </a:spcBef>
+              <a:spcAft>
+                <a:spcPct val="0"/>
+              </a:spcAft>
+              <a:buClrTx/>
+              <a:buSzTx/>
+              <a:buFontTx/>
+              <a:buNone/>
+              <a:tabLst/>
+            </a:pPr>
+            <a:r>
+              <a:rPr kumimoji="0" lang="en-US" altLang="en-US" sz="1400" b="1" i="0" u="none" strike="noStrike" cap="none" normalizeH="0" baseline="0" dirty="0">
+                <a:ln>
+                  <a:noFill/>
+                </a:ln>
+                <a:solidFill>
+                  <a:srgbClr val="C65D09"/>
+                </a:solidFill>
+                <a:effectLst/>
+                <a:latin typeface="Courier New" panose="02070309020205020404" pitchFamily="49" charset="0"/>
+              </a:rPr>
+              <a:t>&gt;&gt;&gt; </a:t>
+            </a:r>
+            <a:r>
+              <a:rPr kumimoji="0" lang="en-US" altLang="en-US" sz="1400" b="0" i="0" u="none" strike="noStrike" cap="none" normalizeH="0" baseline="0" dirty="0">
+                <a:ln>
+                  <a:noFill/>
+                </a:ln>
+                <a:solidFill>
+                  <a:srgbClr val="007020"/>
+                </a:solidFill>
+                <a:effectLst/>
+                <a:latin typeface="Courier New" panose="02070309020205020404" pitchFamily="49" charset="0"/>
+              </a:rPr>
+              <a:t>all</a:t>
+            </a:r>
+            <a:r>
+              <a:rPr kumimoji="0" lang="en-US" altLang="en-US" sz="1400" b="0" i="0" u="none" strike="noStrike" cap="none" normalizeH="0" baseline="0" dirty="0">
+                <a:ln>
+                  <a:noFill/>
+                </a:ln>
+                <a:solidFill>
+                  <a:srgbClr val="222222"/>
+                </a:solidFill>
+                <a:effectLst/>
+                <a:latin typeface="Courier New" panose="02070309020205020404" pitchFamily="49" charset="0"/>
+              </a:rPr>
+              <a:t>(x </a:t>
+            </a:r>
+            <a:r>
+              <a:rPr kumimoji="0" lang="en-US" altLang="en-US" sz="1400" b="0" i="0" u="none" strike="noStrike" cap="none" normalizeH="0" baseline="0" dirty="0">
+                <a:ln>
+                  <a:noFill/>
+                </a:ln>
+                <a:solidFill>
+                  <a:srgbClr val="333333"/>
+                </a:solidFill>
+                <a:effectLst/>
+                <a:latin typeface="Courier New" panose="02070309020205020404" pitchFamily="49" charset="0"/>
+              </a:rPr>
+              <a:t>==</a:t>
+            </a:r>
+            <a:r>
+              <a:rPr kumimoji="0" lang="en-US" altLang="en-US" sz="1400" b="0" i="0" u="none" strike="noStrike" cap="none" normalizeH="0" baseline="0" dirty="0">
+                <a:ln>
+                  <a:noFill/>
+                </a:ln>
+                <a:solidFill>
+                  <a:srgbClr val="222222"/>
+                </a:solidFill>
+                <a:effectLst/>
+                <a:latin typeface="Courier New" panose="02070309020205020404" pitchFamily="49" charset="0"/>
+              </a:rPr>
+              <a:t> </a:t>
+            </a:r>
+            <a:r>
+              <a:rPr kumimoji="0" lang="en-US" altLang="en-US" sz="1400" b="0" i="0" u="none" strike="noStrike" cap="none" normalizeH="0" baseline="0" dirty="0" err="1">
+                <a:ln>
+                  <a:noFill/>
+                </a:ln>
+                <a:solidFill>
+                  <a:srgbClr val="222222"/>
+                </a:solidFill>
+                <a:effectLst/>
+                <a:latin typeface="Courier New" panose="02070309020205020404" pitchFamily="49" charset="0"/>
+              </a:rPr>
+              <a:t>lst</a:t>
+            </a:r>
+            <a:r>
+              <a:rPr kumimoji="0" lang="en-US" altLang="en-US" sz="1400" b="0" i="0" u="none" strike="noStrike" cap="none" normalizeH="0" baseline="0" dirty="0">
+                <a:ln>
+                  <a:noFill/>
+                </a:ln>
+                <a:solidFill>
+                  <a:srgbClr val="222222"/>
+                </a:solidFill>
+                <a:effectLst/>
+                <a:latin typeface="Courier New" panose="02070309020205020404" pitchFamily="49" charset="0"/>
+              </a:rPr>
+              <a:t>[</a:t>
+            </a:r>
+            <a:r>
+              <a:rPr kumimoji="0" lang="en-US" altLang="en-US" sz="1400" b="1" i="0" u="none" strike="noStrike" cap="none" normalizeH="0" baseline="0" dirty="0">
+                <a:ln>
+                  <a:noFill/>
+                </a:ln>
+                <a:solidFill>
+                  <a:srgbClr val="0000DD"/>
+                </a:solidFill>
+                <a:effectLst/>
+                <a:latin typeface="Courier New" panose="02070309020205020404" pitchFamily="49" charset="0"/>
+              </a:rPr>
+              <a:t>0</a:t>
+            </a:r>
+            <a:r>
+              <a:rPr kumimoji="0" lang="en-US" altLang="en-US" sz="1400" b="0" i="0" u="none" strike="noStrike" cap="none" normalizeH="0" baseline="0" dirty="0">
+                <a:ln>
+                  <a:noFill/>
+                </a:ln>
+                <a:solidFill>
+                  <a:srgbClr val="222222"/>
+                </a:solidFill>
+                <a:effectLst/>
+                <a:latin typeface="Courier New" panose="02070309020205020404" pitchFamily="49" charset="0"/>
+              </a:rPr>
+              <a:t>] </a:t>
+            </a:r>
+            <a:r>
+              <a:rPr kumimoji="0" lang="en-US" altLang="en-US" sz="1400" b="1" i="0" u="none" strike="noStrike" cap="none" normalizeH="0" baseline="0" dirty="0">
+                <a:ln>
+                  <a:noFill/>
+                </a:ln>
+                <a:solidFill>
+                  <a:srgbClr val="008800"/>
+                </a:solidFill>
+                <a:effectLst/>
+                <a:latin typeface="Courier New" panose="02070309020205020404" pitchFamily="49" charset="0"/>
+              </a:rPr>
+              <a:t>for</a:t>
+            </a:r>
+            <a:r>
+              <a:rPr kumimoji="0" lang="en-US" altLang="en-US" sz="1400" b="0" i="0" u="none" strike="noStrike" cap="none" normalizeH="0" baseline="0" dirty="0">
+                <a:ln>
+                  <a:noFill/>
+                </a:ln>
+                <a:solidFill>
+                  <a:srgbClr val="222222"/>
+                </a:solidFill>
+                <a:effectLst/>
+                <a:latin typeface="Courier New" panose="02070309020205020404" pitchFamily="49" charset="0"/>
+              </a:rPr>
+              <a:t> x </a:t>
+            </a:r>
+            <a:r>
+              <a:rPr kumimoji="0" lang="en-US" altLang="en-US" sz="1400" b="1" i="0" u="none" strike="noStrike" cap="none" normalizeH="0" baseline="0" dirty="0">
+                <a:ln>
+                  <a:noFill/>
+                </a:ln>
+                <a:solidFill>
+                  <a:srgbClr val="000000"/>
+                </a:solidFill>
+                <a:effectLst/>
+                <a:latin typeface="Courier New" panose="02070309020205020404" pitchFamily="49" charset="0"/>
+              </a:rPr>
+              <a:t>in</a:t>
+            </a:r>
+            <a:r>
+              <a:rPr kumimoji="0" lang="en-US" altLang="en-US" sz="1400" b="0" i="0" u="none" strike="noStrike" cap="none" normalizeH="0" baseline="0" dirty="0">
+                <a:ln>
+                  <a:noFill/>
+                </a:ln>
+                <a:solidFill>
+                  <a:srgbClr val="222222"/>
+                </a:solidFill>
+                <a:effectLst/>
+                <a:latin typeface="Courier New" panose="02070309020205020404" pitchFamily="49" charset="0"/>
+              </a:rPr>
+              <a:t> </a:t>
+            </a:r>
+            <a:r>
+              <a:rPr kumimoji="0" lang="en-US" altLang="en-US" sz="1400" b="0" i="0" u="none" strike="noStrike" cap="none" normalizeH="0" baseline="0" dirty="0" err="1">
+                <a:ln>
+                  <a:noFill/>
+                </a:ln>
+                <a:solidFill>
+                  <a:srgbClr val="222222"/>
+                </a:solidFill>
+                <a:effectLst/>
+                <a:latin typeface="Courier New" panose="02070309020205020404" pitchFamily="49" charset="0"/>
+              </a:rPr>
+              <a:t>lst</a:t>
+            </a:r>
+            <a:r>
+              <a:rPr kumimoji="0" lang="en-US" altLang="en-US" sz="1400" b="0" i="0" u="none" strike="noStrike" cap="none" normalizeH="0" baseline="0" dirty="0">
+                <a:ln>
+                  <a:noFill/>
+                </a:ln>
+                <a:solidFill>
+                  <a:srgbClr val="222222"/>
+                </a:solidFill>
+                <a:effectLst/>
+                <a:latin typeface="Courier New" panose="02070309020205020404" pitchFamily="49" charset="0"/>
+              </a:rPr>
+              <a:t>) </a:t>
+            </a:r>
+          </a:p>
+          <a:p>
+            <a:pPr marL="0" marR="0" lvl="0" indent="0" algn="l" defTabSz="914400" rtl="0" eaLnBrk="0" fontAlgn="base" latinLnBrk="0" hangingPunct="0">
+              <a:lnSpc>
+                <a:spcPct val="100000"/>
+              </a:lnSpc>
+              <a:spcBef>
+                <a:spcPct val="0"/>
+              </a:spcBef>
+              <a:spcAft>
+                <a:spcPct val="0"/>
+              </a:spcAft>
+              <a:buClrTx/>
+              <a:buSzTx/>
+              <a:buFontTx/>
+              <a:buNone/>
+              <a:tabLst/>
+            </a:pPr>
+            <a:r>
+              <a:rPr kumimoji="0" lang="en-US" altLang="en-US" sz="1400" b="0" i="0" u="none" strike="noStrike" cap="none" normalizeH="0" baseline="0" dirty="0">
+                <a:ln>
+                  <a:noFill/>
+                </a:ln>
+                <a:solidFill>
+                  <a:srgbClr val="888888"/>
+                </a:solidFill>
+                <a:effectLst/>
+                <a:latin typeface="Courier New" panose="02070309020205020404" pitchFamily="49" charset="0"/>
+              </a:rPr>
+              <a:t>True</a:t>
+            </a:r>
+            <a:r>
+              <a:rPr kumimoji="0" lang="en-US" altLang="en-US" sz="1400" b="0" i="0" u="none" strike="noStrike" cap="none" normalizeH="0" baseline="0" dirty="0">
+                <a:ln>
+                  <a:noFill/>
+                </a:ln>
+                <a:solidFill>
+                  <a:srgbClr val="222222"/>
+                </a:solidFill>
+                <a:effectLst/>
+                <a:latin typeface="Courier New" panose="02070309020205020404" pitchFamily="49" charset="0"/>
+              </a:rPr>
+              <a:t> </a:t>
+            </a:r>
+          </a:p>
+          <a:p>
+            <a:pPr marL="0" marR="0" lvl="0" indent="0" algn="l" defTabSz="914400" rtl="0" eaLnBrk="0" fontAlgn="base" latinLnBrk="0" hangingPunct="0">
+              <a:lnSpc>
+                <a:spcPct val="100000"/>
+              </a:lnSpc>
+              <a:spcBef>
+                <a:spcPct val="0"/>
+              </a:spcBef>
+              <a:spcAft>
+                <a:spcPct val="0"/>
+              </a:spcAft>
+              <a:buClrTx/>
+              <a:buSzTx/>
+              <a:buFontTx/>
+              <a:buNone/>
+              <a:tabLst/>
+            </a:pPr>
+            <a:r>
+              <a:rPr kumimoji="0" lang="en-US" altLang="en-US" sz="1400" b="1" i="0" u="none" strike="noStrike" cap="none" normalizeH="0" baseline="0" dirty="0">
+                <a:ln>
+                  <a:noFill/>
+                </a:ln>
+                <a:solidFill>
+                  <a:srgbClr val="C65D09"/>
+                </a:solidFill>
+                <a:effectLst/>
+                <a:latin typeface="Courier New" panose="02070309020205020404" pitchFamily="49" charset="0"/>
+              </a:rPr>
+              <a:t>&gt;&gt;&gt; </a:t>
+            </a:r>
+            <a:r>
+              <a:rPr kumimoji="0" lang="en-US" altLang="en-US" sz="1400" b="0" i="0" u="none" strike="noStrike" cap="none" normalizeH="0" baseline="0" dirty="0" err="1">
+                <a:ln>
+                  <a:noFill/>
+                </a:ln>
+                <a:solidFill>
+                  <a:srgbClr val="222222"/>
+                </a:solidFill>
+                <a:effectLst/>
+                <a:latin typeface="Courier New" panose="02070309020205020404" pitchFamily="49" charset="0"/>
+              </a:rPr>
+              <a:t>lst</a:t>
+            </a:r>
+            <a:r>
+              <a:rPr kumimoji="0" lang="en-US" altLang="en-US" sz="1400" b="0" i="0" u="none" strike="noStrike" cap="none" normalizeH="0" baseline="0" dirty="0" err="1">
+                <a:ln>
+                  <a:noFill/>
+                </a:ln>
+                <a:solidFill>
+                  <a:srgbClr val="333333"/>
+                </a:solidFill>
+                <a:effectLst/>
+                <a:latin typeface="Courier New" panose="02070309020205020404" pitchFamily="49" charset="0"/>
+              </a:rPr>
+              <a:t>.</a:t>
+            </a:r>
+            <a:r>
+              <a:rPr kumimoji="0" lang="en-US" altLang="en-US" sz="1400" b="0" i="0" u="none" strike="noStrike" cap="none" normalizeH="0" baseline="0" dirty="0" err="1">
+                <a:ln>
+                  <a:noFill/>
+                </a:ln>
+                <a:solidFill>
+                  <a:srgbClr val="222222"/>
+                </a:solidFill>
+                <a:effectLst/>
+                <a:latin typeface="Courier New" panose="02070309020205020404" pitchFamily="49" charset="0"/>
+              </a:rPr>
+              <a:t>count</a:t>
+            </a:r>
+            <a:r>
+              <a:rPr kumimoji="0" lang="en-US" altLang="en-US" sz="1400" b="0" i="0" u="none" strike="noStrike" cap="none" normalizeH="0" baseline="0" dirty="0">
+                <a:ln>
+                  <a:noFill/>
+                </a:ln>
+                <a:solidFill>
+                  <a:srgbClr val="222222"/>
+                </a:solidFill>
+                <a:effectLst/>
+                <a:latin typeface="Courier New" panose="02070309020205020404" pitchFamily="49" charset="0"/>
+              </a:rPr>
+              <a:t>(</a:t>
+            </a:r>
+            <a:r>
+              <a:rPr kumimoji="0" lang="en-US" altLang="en-US" sz="1400" b="0" i="0" u="none" strike="noStrike" cap="none" normalizeH="0" baseline="0" dirty="0" err="1">
+                <a:ln>
+                  <a:noFill/>
+                </a:ln>
+                <a:solidFill>
+                  <a:srgbClr val="222222"/>
+                </a:solidFill>
+                <a:effectLst/>
+                <a:latin typeface="Courier New" panose="02070309020205020404" pitchFamily="49" charset="0"/>
+              </a:rPr>
+              <a:t>lst</a:t>
+            </a:r>
+            <a:r>
+              <a:rPr kumimoji="0" lang="en-US" altLang="en-US" sz="1400" b="0" i="0" u="none" strike="noStrike" cap="none" normalizeH="0" baseline="0" dirty="0">
+                <a:ln>
+                  <a:noFill/>
+                </a:ln>
+                <a:solidFill>
+                  <a:srgbClr val="222222"/>
+                </a:solidFill>
+                <a:effectLst/>
+                <a:latin typeface="Courier New" panose="02070309020205020404" pitchFamily="49" charset="0"/>
+              </a:rPr>
+              <a:t>[</a:t>
+            </a:r>
+            <a:r>
+              <a:rPr kumimoji="0" lang="en-US" altLang="en-US" sz="1400" b="1" i="0" u="none" strike="noStrike" cap="none" normalizeH="0" baseline="0" dirty="0">
+                <a:ln>
+                  <a:noFill/>
+                </a:ln>
+                <a:solidFill>
+                  <a:srgbClr val="0000DD"/>
+                </a:solidFill>
+                <a:effectLst/>
+                <a:latin typeface="Courier New" panose="02070309020205020404" pitchFamily="49" charset="0"/>
+              </a:rPr>
+              <a:t>0</a:t>
+            </a:r>
+            <a:r>
+              <a:rPr kumimoji="0" lang="en-US" altLang="en-US" sz="1400" b="0" i="0" u="none" strike="noStrike" cap="none" normalizeH="0" baseline="0" dirty="0">
+                <a:ln>
+                  <a:noFill/>
+                </a:ln>
+                <a:solidFill>
+                  <a:srgbClr val="222222"/>
+                </a:solidFill>
+                <a:effectLst/>
+                <a:latin typeface="Courier New" panose="02070309020205020404" pitchFamily="49" charset="0"/>
+              </a:rPr>
+              <a:t>]) </a:t>
+            </a:r>
+            <a:r>
+              <a:rPr kumimoji="0" lang="en-US" altLang="en-US" sz="1400" b="0" i="0" u="none" strike="noStrike" cap="none" normalizeH="0" baseline="0" dirty="0">
+                <a:ln>
+                  <a:noFill/>
+                </a:ln>
+                <a:solidFill>
+                  <a:srgbClr val="333333"/>
+                </a:solidFill>
+                <a:effectLst/>
+                <a:latin typeface="Courier New" panose="02070309020205020404" pitchFamily="49" charset="0"/>
+              </a:rPr>
+              <a:t>==</a:t>
+            </a:r>
+            <a:r>
+              <a:rPr kumimoji="0" lang="en-US" altLang="en-US" sz="1400" b="0" i="0" u="none" strike="noStrike" cap="none" normalizeH="0" baseline="0" dirty="0">
+                <a:ln>
+                  <a:noFill/>
+                </a:ln>
+                <a:solidFill>
+                  <a:srgbClr val="222222"/>
+                </a:solidFill>
+                <a:effectLst/>
+                <a:latin typeface="Courier New" panose="02070309020205020404" pitchFamily="49" charset="0"/>
+              </a:rPr>
+              <a:t> </a:t>
+            </a:r>
+            <a:r>
+              <a:rPr kumimoji="0" lang="en-US" altLang="en-US" sz="1400" b="0" i="0" u="none" strike="noStrike" cap="none" normalizeH="0" baseline="0" dirty="0" err="1">
+                <a:ln>
+                  <a:noFill/>
+                </a:ln>
+                <a:solidFill>
+                  <a:srgbClr val="007020"/>
+                </a:solidFill>
+                <a:effectLst/>
+                <a:latin typeface="Courier New" panose="02070309020205020404" pitchFamily="49" charset="0"/>
+              </a:rPr>
+              <a:t>len</a:t>
+            </a:r>
+            <a:r>
+              <a:rPr kumimoji="0" lang="en-US" altLang="en-US" sz="1400" b="0" i="0" u="none" strike="noStrike" cap="none" normalizeH="0" baseline="0" dirty="0">
+                <a:ln>
+                  <a:noFill/>
+                </a:ln>
+                <a:solidFill>
+                  <a:srgbClr val="222222"/>
+                </a:solidFill>
+                <a:effectLst/>
+                <a:latin typeface="Courier New" panose="02070309020205020404" pitchFamily="49" charset="0"/>
+              </a:rPr>
+              <a:t>(</a:t>
+            </a:r>
+            <a:r>
+              <a:rPr kumimoji="0" lang="en-US" altLang="en-US" sz="1400" b="0" i="0" u="none" strike="noStrike" cap="none" normalizeH="0" baseline="0" dirty="0" err="1">
+                <a:ln>
+                  <a:noFill/>
+                </a:ln>
+                <a:solidFill>
+                  <a:srgbClr val="222222"/>
+                </a:solidFill>
+                <a:effectLst/>
+                <a:latin typeface="Courier New" panose="02070309020205020404" pitchFamily="49" charset="0"/>
+              </a:rPr>
+              <a:t>lst</a:t>
+            </a:r>
+            <a:r>
+              <a:rPr kumimoji="0" lang="en-US" altLang="en-US" sz="1400" b="0" i="0" u="none" strike="noStrike" cap="none" normalizeH="0" baseline="0" dirty="0">
+                <a:ln>
+                  <a:noFill/>
+                </a:ln>
+                <a:solidFill>
+                  <a:srgbClr val="222222"/>
+                </a:solidFill>
+                <a:effectLst/>
+                <a:latin typeface="Courier New" panose="02070309020205020404" pitchFamily="49" charset="0"/>
+              </a:rPr>
+              <a:t>) </a:t>
+            </a:r>
+          </a:p>
+          <a:p>
+            <a:pPr marL="0" marR="0" lvl="0" indent="0" algn="l" defTabSz="914400" rtl="0" eaLnBrk="0" fontAlgn="base" latinLnBrk="0" hangingPunct="0">
+              <a:lnSpc>
+                <a:spcPct val="100000"/>
+              </a:lnSpc>
+              <a:spcBef>
+                <a:spcPct val="0"/>
+              </a:spcBef>
+              <a:spcAft>
+                <a:spcPct val="0"/>
+              </a:spcAft>
+              <a:buClrTx/>
+              <a:buSzTx/>
+              <a:buFontTx/>
+              <a:buNone/>
+              <a:tabLst/>
+            </a:pPr>
+            <a:r>
+              <a:rPr kumimoji="0" lang="en-US" altLang="en-US" sz="1400" b="0" i="0" u="none" strike="noStrike" cap="none" normalizeH="0" baseline="0" dirty="0">
+                <a:ln>
+                  <a:noFill/>
+                </a:ln>
+                <a:solidFill>
+                  <a:srgbClr val="888888"/>
+                </a:solidFill>
+                <a:effectLst/>
+                <a:latin typeface="Courier New" panose="02070309020205020404" pitchFamily="49" charset="0"/>
+              </a:rPr>
+              <a:t>True</a:t>
+            </a:r>
+            <a:r>
+              <a:rPr kumimoji="0" lang="en-US" altLang="en-US" sz="1400" b="0" i="0" u="none" strike="noStrike" cap="none" normalizeH="0" baseline="0" dirty="0">
+                <a:ln>
+                  <a:noFill/>
+                </a:ln>
+                <a:solidFill>
+                  <a:schemeClr val="tx1"/>
+                </a:solidFill>
+                <a:effectLst/>
+              </a:rPr>
+              <a:t> </a:t>
+            </a:r>
+            <a:endParaRPr kumimoji="0" lang="en-US" altLang="en-US" sz="1400" b="0" i="0" u="none" strike="noStrike" cap="none" normalizeH="0" baseline="0" dirty="0">
+              <a:ln>
+                <a:noFill/>
+              </a:ln>
+              <a:solidFill>
+                <a:schemeClr val="tx1"/>
+              </a:solidFill>
+              <a:effectLst/>
+              <a:latin typeface="Arial" panose="020B0604020202020204" pitchFamily="34" charset="0"/>
+            </a:endParaRPr>
+          </a:p>
+        </p:txBody>
+      </p:sp>
+    </p:spTree>
+    <p:extLst>
+      <p:ext uri="{BB962C8B-B14F-4D97-AF65-F5344CB8AC3E}">
+        <p14:creationId xmlns:p14="http://schemas.microsoft.com/office/powerpoint/2010/main" val="2617835963"/>
       </p:ext>
     </p:extLst>
   </p:cSld>
